--- a/OS-06.pptx
+++ b/OS-06.pptx
@@ -1,48 +1,48 @@
 
 <file path=ppt/presentation.xml><?xml version="1.0" encoding="utf-8"?>
-<p:presentation xmlns:a="http://schemas.openxmlformats.org/drawingml/2006/main" xmlns:r="http://schemas.openxmlformats.org/officeDocument/2006/relationships" xmlns:p="http://schemas.openxmlformats.org/presentationml/2006/main" saveSubsetFonts="1" autoCompressPictures="0">
+<p:presentation xmlns:a="http://schemas.openxmlformats.org/drawingml/2006/main" xmlns:r="http://schemas.openxmlformats.org/officeDocument/2006/relationships" xmlns:p="http://schemas.openxmlformats.org/presentationml/2006/main" autoCompressPictures="0">
   <p:sldMasterIdLst>
-    <p:sldMasterId id="2147483660" r:id="rId1"/>
+    <p:sldMasterId id="2147483648" r:id="rId1"/>
   </p:sldMasterIdLst>
   <p:notesMasterIdLst>
-    <p:notesMasterId r:id="rId37"/>
+    <p:notesMasterId r:id="rId4"/>
   </p:notesMasterIdLst>
   <p:sldIdLst>
-    <p:sldId id="257" r:id="rId2"/>
-    <p:sldId id="451" r:id="rId3"/>
-    <p:sldId id="424" r:id="rId4"/>
-    <p:sldId id="425" r:id="rId5"/>
-    <p:sldId id="426" r:id="rId6"/>
-    <p:sldId id="427" r:id="rId7"/>
-    <p:sldId id="428" r:id="rId8"/>
-    <p:sldId id="429" r:id="rId9"/>
-    <p:sldId id="430" r:id="rId10"/>
-    <p:sldId id="431" r:id="rId11"/>
-    <p:sldId id="432" r:id="rId12"/>
-    <p:sldId id="433" r:id="rId13"/>
-    <p:sldId id="434" r:id="rId14"/>
-    <p:sldId id="435" r:id="rId15"/>
-    <p:sldId id="436" r:id="rId16"/>
-    <p:sldId id="437" r:id="rId17"/>
-    <p:sldId id="438" r:id="rId18"/>
-    <p:sldId id="439" r:id="rId19"/>
-    <p:sldId id="440" r:id="rId20"/>
-    <p:sldId id="441" r:id="rId21"/>
-    <p:sldId id="442" r:id="rId22"/>
-    <p:sldId id="443" r:id="rId23"/>
-    <p:sldId id="444" r:id="rId24"/>
-    <p:sldId id="448" r:id="rId25"/>
-    <p:sldId id="450" r:id="rId26"/>
-    <p:sldId id="400" r:id="rId27"/>
-    <p:sldId id="401" r:id="rId28"/>
-    <p:sldId id="402" r:id="rId29"/>
-    <p:sldId id="403" r:id="rId30"/>
-    <p:sldId id="404" r:id="rId31"/>
-    <p:sldId id="405" r:id="rId32"/>
-    <p:sldId id="406" r:id="rId33"/>
-    <p:sldId id="407" r:id="rId34"/>
-    <p:sldId id="408" r:id="rId35"/>
-    <p:sldId id="409" r:id="rId36"/>
+    <p:sldId id="257" r:id="rId3"/>
+    <p:sldId id="451" r:id="rId5"/>
+    <p:sldId id="424" r:id="rId6"/>
+    <p:sldId id="425" r:id="rId7"/>
+    <p:sldId id="426" r:id="rId8"/>
+    <p:sldId id="427" r:id="rId9"/>
+    <p:sldId id="428" r:id="rId10"/>
+    <p:sldId id="429" r:id="rId11"/>
+    <p:sldId id="430" r:id="rId12"/>
+    <p:sldId id="431" r:id="rId13"/>
+    <p:sldId id="432" r:id="rId14"/>
+    <p:sldId id="433" r:id="rId15"/>
+    <p:sldId id="434" r:id="rId16"/>
+    <p:sldId id="435" r:id="rId17"/>
+    <p:sldId id="436" r:id="rId18"/>
+    <p:sldId id="437" r:id="rId19"/>
+    <p:sldId id="438" r:id="rId20"/>
+    <p:sldId id="439" r:id="rId21"/>
+    <p:sldId id="440" r:id="rId22"/>
+    <p:sldId id="441" r:id="rId23"/>
+    <p:sldId id="442" r:id="rId24"/>
+    <p:sldId id="443" r:id="rId25"/>
+    <p:sldId id="444" r:id="rId26"/>
+    <p:sldId id="448" r:id="rId27"/>
+    <p:sldId id="450" r:id="rId28"/>
+    <p:sldId id="400" r:id="rId29"/>
+    <p:sldId id="401" r:id="rId30"/>
+    <p:sldId id="402" r:id="rId31"/>
+    <p:sldId id="403" r:id="rId32"/>
+    <p:sldId id="404" r:id="rId33"/>
+    <p:sldId id="405" r:id="rId34"/>
+    <p:sldId id="406" r:id="rId35"/>
+    <p:sldId id="407" r:id="rId36"/>
+    <p:sldId id="408" r:id="rId37"/>
+    <p:sldId id="409" r:id="rId38"/>
   </p:sldIdLst>
   <p:sldSz cx="9144000" cy="6858000" type="screen4x3"/>
   <p:notesSz cx="6858000" cy="9144000"/>
@@ -141,22 +141,6 @@
       </a:defRPr>
     </a:lvl9pPr>
   </p:defaultTextStyle>
-  <p:extLst>
-    <p:ext uri="{EFAFB233-063F-42B5-8137-9DF3F51BA10A}">
-      <p15:sldGuideLst xmlns:p15="http://schemas.microsoft.com/office/powerpoint/2012/main">
-        <p15:guide id="1" orient="horz" pos="2160">
-          <p15:clr>
-            <a:srgbClr val="A4A3A4"/>
-          </p15:clr>
-        </p15:guide>
-        <p15:guide id="2" pos="2880">
-          <p15:clr>
-            <a:srgbClr val="A4A3A4"/>
-          </p15:clr>
-        </p15:guide>
-      </p15:sldGuideLst>
-    </p:ext>
-  </p:extLst>
 </p:presentation>
 </file>
 
@@ -242,7 +226,6 @@
           <a:p>
             <a:fld id="{853A6DB7-28FD-7E4D-A957-CC489F468FCE}" type="datetimeFigureOut">
               <a:rPr kumimoji="1" lang="zh-CN" altLang="en-US" smtClean="0"/>
-              <a:t>2018/3/22</a:t>
             </a:fld>
             <a:endParaRPr kumimoji="1" lang="zh-CN" altLang="en-US"/>
           </a:p>
@@ -309,6 +292,7 @@
               <a:rPr kumimoji="1" lang="zh-CN" altLang="en-US" smtClean="0"/>
               <a:t>单击此处编辑母版文本样式</a:t>
             </a:r>
+            <a:endParaRPr kumimoji="1" lang="zh-CN" altLang="en-US" smtClean="0"/>
           </a:p>
           <a:p>
             <a:pPr lvl="1"/>
@@ -316,6 +300,7 @@
               <a:rPr kumimoji="1" lang="zh-CN" altLang="en-US" smtClean="0"/>
               <a:t>二级</a:t>
             </a:r>
+            <a:endParaRPr kumimoji="1" lang="zh-CN" altLang="en-US" smtClean="0"/>
           </a:p>
           <a:p>
             <a:pPr lvl="2"/>
@@ -323,6 +308,7 @@
               <a:rPr kumimoji="1" lang="zh-CN" altLang="en-US" smtClean="0"/>
               <a:t>三级</a:t>
             </a:r>
+            <a:endParaRPr kumimoji="1" lang="zh-CN" altLang="en-US" smtClean="0"/>
           </a:p>
           <a:p>
             <a:pPr lvl="3"/>
@@ -330,6 +316,7 @@
               <a:rPr kumimoji="1" lang="zh-CN" altLang="en-US" smtClean="0"/>
               <a:t>四级</a:t>
             </a:r>
+            <a:endParaRPr kumimoji="1" lang="zh-CN" altLang="en-US" smtClean="0"/>
           </a:p>
           <a:p>
             <a:pPr lvl="4"/>
@@ -401,18 +388,12 @@
           <a:p>
             <a:fld id="{7F72C8B5-2FAE-A04D-A162-E918EBB94277}" type="slidenum">
               <a:rPr kumimoji="1" lang="zh-CN" altLang="en-US" smtClean="0"/>
-              <a:t>‹#›</a:t>
             </a:fld>
             <a:endParaRPr kumimoji="1" lang="zh-CN" altLang="en-US"/>
           </a:p>
         </p:txBody>
       </p:sp>
     </p:spTree>
-    <p:extLst>
-      <p:ext uri="{BB962C8B-B14F-4D97-AF65-F5344CB8AC3E}">
-        <p14:creationId xmlns:p14="http://schemas.microsoft.com/office/powerpoint/2010/main" val="3042215905"/>
-      </p:ext>
-    </p:extLst>
   </p:cSld>
   <p:clrMap bg1="lt1" tx1="dk1" bg2="lt2" tx2="dk2" accent1="accent1" accent2="accent2" accent3="accent3" accent4="accent4" accent5="accent5" accent6="accent6" hlink="hlink" folHlink="folHlink"/>
   <p:notesStyle>
@@ -537,14 +518,7 @@
             <p:ph type="sldImg"/>
           </p:nvPr>
         </p:nvSpPr>
-        <p:spPr>
-          <a:ln/>
-          <a:extLst>
-            <a:ext uri="{FAA26D3D-D897-4be2-8F04-BA451C77F1D7}">
-              <ma14:placeholderFlag xmlns:ma14="http://schemas.microsoft.com/office/mac/drawingml/2011/main" val="1"/>
-            </a:ext>
-          </a:extLst>
-        </p:spPr>
+        <p:spPr/>
       </p:sp>
       <p:sp>
         <p:nvSpPr>
@@ -566,11 +540,6 @@
         </p:txBody>
       </p:sp>
     </p:spTree>
-    <p:extLst>
-      <p:ext uri="{BB962C8B-B14F-4D97-AF65-F5344CB8AC3E}">
-        <p14:creationId xmlns:p14="http://schemas.microsoft.com/office/powerpoint/2010/main" val="929426948"/>
-      </p:ext>
-    </p:extLst>
   </p:cSld>
   <p:clrMapOvr>
     <a:masterClrMapping/>
@@ -605,9 +574,7 @@
             <p:ph type="sldImg"/>
           </p:nvPr>
         </p:nvSpPr>
-        <p:spPr>
-          <a:ln/>
-        </p:spPr>
+        <p:spPr/>
       </p:sp>
       <p:sp>
         <p:nvSpPr>
@@ -621,46 +588,18 @@
         </p:nvSpPr>
         <p:spPr>
           <a:noFill/>
-          <a:ln/>
-          <a:extLst>
-            <a:ext uri="{FAA26D3D-D897-4be2-8F04-BA451C77F1D7}">
-              <ma14:placeholderFlag xmlns:ma14="http://schemas.microsoft.com/office/mac/drawingml/2011/main" val="1"/>
-            </a:ext>
-            <a:ext uri="{909E8E84-426E-40dd-AFC4-6F175D3DCCD1}">
-              <a14:hiddenFill xmlns="" xmlns:a14="http://schemas.microsoft.com/office/drawing/2010/main">
-                <a:solidFill>
-                  <a:srgbClr val="FFFFFF"/>
-                </a:solidFill>
-              </a14:hiddenFill>
-            </a:ext>
-            <a:ext uri="{91240B29-F687-4f45-9708-019B960494DF}">
-              <a14:hiddenLine xmlns="" xmlns:a14="http://schemas.microsoft.com/office/drawing/2010/main" w="9525">
-                <a:solidFill>
-                  <a:srgbClr val="000000"/>
-                </a:solidFill>
-                <a:miter lim="800000"/>
-                <a:headEnd/>
-                <a:tailEnd/>
-              </a14:hiddenLine>
-            </a:ext>
-          </a:extLst>
         </p:spPr>
         <p:txBody>
           <a:bodyPr/>
           <a:lstStyle/>
           <a:p>
             <a:endParaRPr kumimoji="0" lang="zh-CN" altLang="en-US">
-              <a:cs typeface="ＭＳ Ｐゴシック" charset="0"/>
+              <a:cs typeface="MS PGothic" panose="020B0600070205080204" charset="-128"/>
             </a:endParaRPr>
           </a:p>
         </p:txBody>
       </p:sp>
     </p:spTree>
-    <p:extLst>
-      <p:ext uri="{BB962C8B-B14F-4D97-AF65-F5344CB8AC3E}">
-        <p14:creationId xmlns:p14="http://schemas.microsoft.com/office/powerpoint/2010/main" val="149862563"/>
-      </p:ext>
-    </p:extLst>
   </p:cSld>
   <p:clrMapOvr>
     <a:masterClrMapping/>
@@ -695,9 +634,7 @@
             <p:ph type="sldImg"/>
           </p:nvPr>
         </p:nvSpPr>
-        <p:spPr>
-          <a:ln/>
-        </p:spPr>
+        <p:spPr/>
       </p:sp>
       <p:sp>
         <p:nvSpPr>
@@ -711,46 +648,18 @@
         </p:nvSpPr>
         <p:spPr>
           <a:noFill/>
-          <a:ln/>
-          <a:extLst>
-            <a:ext uri="{FAA26D3D-D897-4be2-8F04-BA451C77F1D7}">
-              <ma14:placeholderFlag xmlns:ma14="http://schemas.microsoft.com/office/mac/drawingml/2011/main" val="1"/>
-            </a:ext>
-            <a:ext uri="{909E8E84-426E-40dd-AFC4-6F175D3DCCD1}">
-              <a14:hiddenFill xmlns="" xmlns:a14="http://schemas.microsoft.com/office/drawing/2010/main">
-                <a:solidFill>
-                  <a:srgbClr val="FFFFFF"/>
-                </a:solidFill>
-              </a14:hiddenFill>
-            </a:ext>
-            <a:ext uri="{91240B29-F687-4f45-9708-019B960494DF}">
-              <a14:hiddenLine xmlns="" xmlns:a14="http://schemas.microsoft.com/office/drawing/2010/main" w="9525">
-                <a:solidFill>
-                  <a:srgbClr val="000000"/>
-                </a:solidFill>
-                <a:miter lim="800000"/>
-                <a:headEnd/>
-                <a:tailEnd/>
-              </a14:hiddenLine>
-            </a:ext>
-          </a:extLst>
         </p:spPr>
         <p:txBody>
           <a:bodyPr/>
           <a:lstStyle/>
           <a:p>
             <a:endParaRPr kumimoji="0" lang="zh-CN" altLang="en-US">
-              <a:cs typeface="ＭＳ Ｐゴシック" charset="0"/>
+              <a:cs typeface="MS PGothic" panose="020B0600070205080204" charset="-128"/>
             </a:endParaRPr>
           </a:p>
         </p:txBody>
       </p:sp>
     </p:spTree>
-    <p:extLst>
-      <p:ext uri="{BB962C8B-B14F-4D97-AF65-F5344CB8AC3E}">
-        <p14:creationId xmlns:p14="http://schemas.microsoft.com/office/powerpoint/2010/main" val="2978000215"/>
-      </p:ext>
-    </p:extLst>
   </p:cSld>
   <p:clrMapOvr>
     <a:masterClrMapping/>
@@ -785,9 +694,7 @@
             <p:ph type="sldImg"/>
           </p:nvPr>
         </p:nvSpPr>
-        <p:spPr>
-          <a:ln/>
-        </p:spPr>
+        <p:spPr/>
       </p:sp>
       <p:sp>
         <p:nvSpPr>
@@ -801,46 +708,18 @@
         </p:nvSpPr>
         <p:spPr>
           <a:noFill/>
-          <a:ln/>
-          <a:extLst>
-            <a:ext uri="{FAA26D3D-D897-4be2-8F04-BA451C77F1D7}">
-              <ma14:placeholderFlag xmlns:ma14="http://schemas.microsoft.com/office/mac/drawingml/2011/main" val="1"/>
-            </a:ext>
-            <a:ext uri="{909E8E84-426E-40dd-AFC4-6F175D3DCCD1}">
-              <a14:hiddenFill xmlns="" xmlns:a14="http://schemas.microsoft.com/office/drawing/2010/main">
-                <a:solidFill>
-                  <a:srgbClr val="FFFFFF"/>
-                </a:solidFill>
-              </a14:hiddenFill>
-            </a:ext>
-            <a:ext uri="{91240B29-F687-4f45-9708-019B960494DF}">
-              <a14:hiddenLine xmlns="" xmlns:a14="http://schemas.microsoft.com/office/drawing/2010/main" w="9525">
-                <a:solidFill>
-                  <a:srgbClr val="000000"/>
-                </a:solidFill>
-                <a:miter lim="800000"/>
-                <a:headEnd/>
-                <a:tailEnd/>
-              </a14:hiddenLine>
-            </a:ext>
-          </a:extLst>
         </p:spPr>
         <p:txBody>
           <a:bodyPr/>
           <a:lstStyle/>
           <a:p>
             <a:endParaRPr kumimoji="0" lang="zh-CN" altLang="en-US">
-              <a:cs typeface="ＭＳ Ｐゴシック" charset="0"/>
+              <a:cs typeface="MS PGothic" panose="020B0600070205080204" charset="-128"/>
             </a:endParaRPr>
           </a:p>
         </p:txBody>
       </p:sp>
     </p:spTree>
-    <p:extLst>
-      <p:ext uri="{BB962C8B-B14F-4D97-AF65-F5344CB8AC3E}">
-        <p14:creationId xmlns:p14="http://schemas.microsoft.com/office/powerpoint/2010/main" val="2582124880"/>
-      </p:ext>
-    </p:extLst>
   </p:cSld>
   <p:clrMapOvr>
     <a:masterClrMapping/>
@@ -875,9 +754,7 @@
             <p:ph type="sldImg"/>
           </p:nvPr>
         </p:nvSpPr>
-        <p:spPr>
-          <a:ln/>
-        </p:spPr>
+        <p:spPr/>
       </p:sp>
       <p:sp>
         <p:nvSpPr>
@@ -891,46 +768,18 @@
         </p:nvSpPr>
         <p:spPr>
           <a:noFill/>
-          <a:ln/>
-          <a:extLst>
-            <a:ext uri="{FAA26D3D-D897-4be2-8F04-BA451C77F1D7}">
-              <ma14:placeholderFlag xmlns:ma14="http://schemas.microsoft.com/office/mac/drawingml/2011/main" val="1"/>
-            </a:ext>
-            <a:ext uri="{909E8E84-426E-40dd-AFC4-6F175D3DCCD1}">
-              <a14:hiddenFill xmlns="" xmlns:a14="http://schemas.microsoft.com/office/drawing/2010/main">
-                <a:solidFill>
-                  <a:srgbClr val="FFFFFF"/>
-                </a:solidFill>
-              </a14:hiddenFill>
-            </a:ext>
-            <a:ext uri="{91240B29-F687-4f45-9708-019B960494DF}">
-              <a14:hiddenLine xmlns="" xmlns:a14="http://schemas.microsoft.com/office/drawing/2010/main" w="9525">
-                <a:solidFill>
-                  <a:srgbClr val="000000"/>
-                </a:solidFill>
-                <a:miter lim="800000"/>
-                <a:headEnd/>
-                <a:tailEnd/>
-              </a14:hiddenLine>
-            </a:ext>
-          </a:extLst>
         </p:spPr>
         <p:txBody>
           <a:bodyPr/>
           <a:lstStyle/>
           <a:p>
             <a:endParaRPr kumimoji="0" lang="zh-CN" altLang="en-US">
-              <a:cs typeface="ＭＳ Ｐゴシック" charset="0"/>
+              <a:cs typeface="MS PGothic" panose="020B0600070205080204" charset="-128"/>
             </a:endParaRPr>
           </a:p>
         </p:txBody>
       </p:sp>
     </p:spTree>
-    <p:extLst>
-      <p:ext uri="{BB962C8B-B14F-4D97-AF65-F5344CB8AC3E}">
-        <p14:creationId xmlns:p14="http://schemas.microsoft.com/office/powerpoint/2010/main" val="680264303"/>
-      </p:ext>
-    </p:extLst>
   </p:cSld>
   <p:clrMapOvr>
     <a:masterClrMapping/>
@@ -965,9 +814,7 @@
             <p:ph type="sldImg"/>
           </p:nvPr>
         </p:nvSpPr>
-        <p:spPr>
-          <a:ln/>
-        </p:spPr>
+        <p:spPr/>
       </p:sp>
       <p:sp>
         <p:nvSpPr>
@@ -981,46 +828,18 @@
         </p:nvSpPr>
         <p:spPr>
           <a:noFill/>
-          <a:ln/>
-          <a:extLst>
-            <a:ext uri="{FAA26D3D-D897-4be2-8F04-BA451C77F1D7}">
-              <ma14:placeholderFlag xmlns:ma14="http://schemas.microsoft.com/office/mac/drawingml/2011/main" val="1"/>
-            </a:ext>
-            <a:ext uri="{909E8E84-426E-40dd-AFC4-6F175D3DCCD1}">
-              <a14:hiddenFill xmlns="" xmlns:a14="http://schemas.microsoft.com/office/drawing/2010/main">
-                <a:solidFill>
-                  <a:srgbClr val="FFFFFF"/>
-                </a:solidFill>
-              </a14:hiddenFill>
-            </a:ext>
-            <a:ext uri="{91240B29-F687-4f45-9708-019B960494DF}">
-              <a14:hiddenLine xmlns="" xmlns:a14="http://schemas.microsoft.com/office/drawing/2010/main" w="9525">
-                <a:solidFill>
-                  <a:srgbClr val="000000"/>
-                </a:solidFill>
-                <a:miter lim="800000"/>
-                <a:headEnd/>
-                <a:tailEnd/>
-              </a14:hiddenLine>
-            </a:ext>
-          </a:extLst>
         </p:spPr>
         <p:txBody>
           <a:bodyPr/>
           <a:lstStyle/>
           <a:p>
             <a:endParaRPr kumimoji="0" lang="zh-CN" altLang="en-US">
-              <a:cs typeface="ＭＳ Ｐゴシック" charset="0"/>
+              <a:cs typeface="MS PGothic" panose="020B0600070205080204" charset="-128"/>
             </a:endParaRPr>
           </a:p>
         </p:txBody>
       </p:sp>
     </p:spTree>
-    <p:extLst>
-      <p:ext uri="{BB962C8B-B14F-4D97-AF65-F5344CB8AC3E}">
-        <p14:creationId xmlns:p14="http://schemas.microsoft.com/office/powerpoint/2010/main" val="1760711220"/>
-      </p:ext>
-    </p:extLst>
   </p:cSld>
   <p:clrMapOvr>
     <a:masterClrMapping/>
@@ -1055,9 +874,7 @@
             <p:ph type="sldImg"/>
           </p:nvPr>
         </p:nvSpPr>
-        <p:spPr>
-          <a:ln/>
-        </p:spPr>
+        <p:spPr/>
       </p:sp>
       <p:sp>
         <p:nvSpPr>
@@ -1071,46 +888,18 @@
         </p:nvSpPr>
         <p:spPr>
           <a:noFill/>
-          <a:ln/>
-          <a:extLst>
-            <a:ext uri="{FAA26D3D-D897-4be2-8F04-BA451C77F1D7}">
-              <ma14:placeholderFlag xmlns:ma14="http://schemas.microsoft.com/office/mac/drawingml/2011/main" val="1"/>
-            </a:ext>
-            <a:ext uri="{909E8E84-426E-40dd-AFC4-6F175D3DCCD1}">
-              <a14:hiddenFill xmlns="" xmlns:a14="http://schemas.microsoft.com/office/drawing/2010/main">
-                <a:solidFill>
-                  <a:srgbClr val="FFFFFF"/>
-                </a:solidFill>
-              </a14:hiddenFill>
-            </a:ext>
-            <a:ext uri="{91240B29-F687-4f45-9708-019B960494DF}">
-              <a14:hiddenLine xmlns="" xmlns:a14="http://schemas.microsoft.com/office/drawing/2010/main" w="9525">
-                <a:solidFill>
-                  <a:srgbClr val="000000"/>
-                </a:solidFill>
-                <a:miter lim="800000"/>
-                <a:headEnd/>
-                <a:tailEnd/>
-              </a14:hiddenLine>
-            </a:ext>
-          </a:extLst>
         </p:spPr>
         <p:txBody>
           <a:bodyPr/>
           <a:lstStyle/>
           <a:p>
             <a:endParaRPr kumimoji="0" lang="zh-CN" altLang="en-US">
-              <a:cs typeface="ＭＳ Ｐゴシック" charset="0"/>
+              <a:cs typeface="MS PGothic" panose="020B0600070205080204" charset="-128"/>
             </a:endParaRPr>
           </a:p>
         </p:txBody>
       </p:sp>
     </p:spTree>
-    <p:extLst>
-      <p:ext uri="{BB962C8B-B14F-4D97-AF65-F5344CB8AC3E}">
-        <p14:creationId xmlns:p14="http://schemas.microsoft.com/office/powerpoint/2010/main" val="1798325897"/>
-      </p:ext>
-    </p:extLst>
   </p:cSld>
   <p:clrMapOvr>
     <a:masterClrMapping/>
@@ -1145,9 +934,7 @@
             <p:ph type="sldImg"/>
           </p:nvPr>
         </p:nvSpPr>
-        <p:spPr>
-          <a:ln/>
-        </p:spPr>
+        <p:spPr/>
       </p:sp>
       <p:sp>
         <p:nvSpPr>
@@ -1161,46 +948,18 @@
         </p:nvSpPr>
         <p:spPr>
           <a:noFill/>
-          <a:ln/>
-          <a:extLst>
-            <a:ext uri="{FAA26D3D-D897-4be2-8F04-BA451C77F1D7}">
-              <ma14:placeholderFlag xmlns:ma14="http://schemas.microsoft.com/office/mac/drawingml/2011/main" val="1"/>
-            </a:ext>
-            <a:ext uri="{909E8E84-426E-40dd-AFC4-6F175D3DCCD1}">
-              <a14:hiddenFill xmlns="" xmlns:a14="http://schemas.microsoft.com/office/drawing/2010/main">
-                <a:solidFill>
-                  <a:srgbClr val="FFFFFF"/>
-                </a:solidFill>
-              </a14:hiddenFill>
-            </a:ext>
-            <a:ext uri="{91240B29-F687-4f45-9708-019B960494DF}">
-              <a14:hiddenLine xmlns="" xmlns:a14="http://schemas.microsoft.com/office/drawing/2010/main" w="9525">
-                <a:solidFill>
-                  <a:srgbClr val="000000"/>
-                </a:solidFill>
-                <a:miter lim="800000"/>
-                <a:headEnd/>
-                <a:tailEnd/>
-              </a14:hiddenLine>
-            </a:ext>
-          </a:extLst>
         </p:spPr>
         <p:txBody>
           <a:bodyPr/>
           <a:lstStyle/>
           <a:p>
             <a:endParaRPr kumimoji="0" lang="zh-CN" altLang="en-US">
-              <a:cs typeface="ＭＳ Ｐゴシック" charset="0"/>
+              <a:cs typeface="MS PGothic" panose="020B0600070205080204" charset="-128"/>
             </a:endParaRPr>
           </a:p>
         </p:txBody>
       </p:sp>
     </p:spTree>
-    <p:extLst>
-      <p:ext uri="{BB962C8B-B14F-4D97-AF65-F5344CB8AC3E}">
-        <p14:creationId xmlns:p14="http://schemas.microsoft.com/office/powerpoint/2010/main" val="3500573877"/>
-      </p:ext>
-    </p:extLst>
   </p:cSld>
   <p:clrMapOvr>
     <a:masterClrMapping/>
@@ -1235,9 +994,7 @@
             <p:ph type="sldImg"/>
           </p:nvPr>
         </p:nvSpPr>
-        <p:spPr>
-          <a:ln/>
-        </p:spPr>
+        <p:spPr/>
       </p:sp>
       <p:sp>
         <p:nvSpPr>
@@ -1251,46 +1008,18 @@
         </p:nvSpPr>
         <p:spPr>
           <a:noFill/>
-          <a:ln/>
-          <a:extLst>
-            <a:ext uri="{FAA26D3D-D897-4be2-8F04-BA451C77F1D7}">
-              <ma14:placeholderFlag xmlns:ma14="http://schemas.microsoft.com/office/mac/drawingml/2011/main" val="1"/>
-            </a:ext>
-            <a:ext uri="{909E8E84-426E-40dd-AFC4-6F175D3DCCD1}">
-              <a14:hiddenFill xmlns="" xmlns:a14="http://schemas.microsoft.com/office/drawing/2010/main">
-                <a:solidFill>
-                  <a:srgbClr val="FFFFFF"/>
-                </a:solidFill>
-              </a14:hiddenFill>
-            </a:ext>
-            <a:ext uri="{91240B29-F687-4f45-9708-019B960494DF}">
-              <a14:hiddenLine xmlns="" xmlns:a14="http://schemas.microsoft.com/office/drawing/2010/main" w="9525">
-                <a:solidFill>
-                  <a:srgbClr val="000000"/>
-                </a:solidFill>
-                <a:miter lim="800000"/>
-                <a:headEnd/>
-                <a:tailEnd/>
-              </a14:hiddenLine>
-            </a:ext>
-          </a:extLst>
         </p:spPr>
         <p:txBody>
           <a:bodyPr/>
           <a:lstStyle/>
           <a:p>
             <a:endParaRPr kumimoji="0" lang="zh-CN" altLang="en-US">
-              <a:cs typeface="ＭＳ Ｐゴシック" charset="0"/>
+              <a:cs typeface="MS PGothic" panose="020B0600070205080204" charset="-128"/>
             </a:endParaRPr>
           </a:p>
         </p:txBody>
       </p:sp>
     </p:spTree>
-    <p:extLst>
-      <p:ext uri="{BB962C8B-B14F-4D97-AF65-F5344CB8AC3E}">
-        <p14:creationId xmlns:p14="http://schemas.microsoft.com/office/powerpoint/2010/main" val="134382076"/>
-      </p:ext>
-    </p:extLst>
   </p:cSld>
   <p:clrMapOvr>
     <a:masterClrMapping/>
@@ -1325,9 +1054,7 @@
             <p:ph type="sldImg"/>
           </p:nvPr>
         </p:nvSpPr>
-        <p:spPr>
-          <a:ln/>
-        </p:spPr>
+        <p:spPr/>
       </p:sp>
       <p:sp>
         <p:nvSpPr>
@@ -1341,46 +1068,18 @@
         </p:nvSpPr>
         <p:spPr>
           <a:noFill/>
-          <a:ln/>
-          <a:extLst>
-            <a:ext uri="{FAA26D3D-D897-4be2-8F04-BA451C77F1D7}">
-              <ma14:placeholderFlag xmlns:ma14="http://schemas.microsoft.com/office/mac/drawingml/2011/main" val="1"/>
-            </a:ext>
-            <a:ext uri="{909E8E84-426E-40dd-AFC4-6F175D3DCCD1}">
-              <a14:hiddenFill xmlns="" xmlns:a14="http://schemas.microsoft.com/office/drawing/2010/main">
-                <a:solidFill>
-                  <a:srgbClr val="FFFFFF"/>
-                </a:solidFill>
-              </a14:hiddenFill>
-            </a:ext>
-            <a:ext uri="{91240B29-F687-4f45-9708-019B960494DF}">
-              <a14:hiddenLine xmlns="" xmlns:a14="http://schemas.microsoft.com/office/drawing/2010/main" w="9525">
-                <a:solidFill>
-                  <a:srgbClr val="000000"/>
-                </a:solidFill>
-                <a:miter lim="800000"/>
-                <a:headEnd/>
-                <a:tailEnd/>
-              </a14:hiddenLine>
-            </a:ext>
-          </a:extLst>
         </p:spPr>
         <p:txBody>
           <a:bodyPr/>
           <a:lstStyle/>
           <a:p>
             <a:endParaRPr kumimoji="0" lang="zh-CN" altLang="en-US">
-              <a:cs typeface="ＭＳ Ｐゴシック" charset="0"/>
+              <a:cs typeface="MS PGothic" panose="020B0600070205080204" charset="-128"/>
             </a:endParaRPr>
           </a:p>
         </p:txBody>
       </p:sp>
     </p:spTree>
-    <p:extLst>
-      <p:ext uri="{BB962C8B-B14F-4D97-AF65-F5344CB8AC3E}">
-        <p14:creationId xmlns:p14="http://schemas.microsoft.com/office/powerpoint/2010/main" val="94835913"/>
-      </p:ext>
-    </p:extLst>
   </p:cSld>
   <p:clrMapOvr>
     <a:masterClrMapping/>
@@ -1415,9 +1114,7 @@
             <p:ph type="sldImg"/>
           </p:nvPr>
         </p:nvSpPr>
-        <p:spPr>
-          <a:ln/>
-        </p:spPr>
+        <p:spPr/>
       </p:sp>
       <p:sp>
         <p:nvSpPr>
@@ -1431,46 +1128,18 @@
         </p:nvSpPr>
         <p:spPr>
           <a:noFill/>
-          <a:ln/>
-          <a:extLst>
-            <a:ext uri="{FAA26D3D-D897-4be2-8F04-BA451C77F1D7}">
-              <ma14:placeholderFlag xmlns:ma14="http://schemas.microsoft.com/office/mac/drawingml/2011/main" val="1"/>
-            </a:ext>
-            <a:ext uri="{909E8E84-426E-40dd-AFC4-6F175D3DCCD1}">
-              <a14:hiddenFill xmlns="" xmlns:a14="http://schemas.microsoft.com/office/drawing/2010/main">
-                <a:solidFill>
-                  <a:srgbClr val="FFFFFF"/>
-                </a:solidFill>
-              </a14:hiddenFill>
-            </a:ext>
-            <a:ext uri="{91240B29-F687-4f45-9708-019B960494DF}">
-              <a14:hiddenLine xmlns="" xmlns:a14="http://schemas.microsoft.com/office/drawing/2010/main" w="9525">
-                <a:solidFill>
-                  <a:srgbClr val="000000"/>
-                </a:solidFill>
-                <a:miter lim="800000"/>
-                <a:headEnd/>
-                <a:tailEnd/>
-              </a14:hiddenLine>
-            </a:ext>
-          </a:extLst>
         </p:spPr>
         <p:txBody>
           <a:bodyPr/>
           <a:lstStyle/>
           <a:p>
             <a:endParaRPr kumimoji="0" lang="zh-CN" altLang="en-US">
-              <a:cs typeface="ＭＳ Ｐゴシック" charset="0"/>
+              <a:cs typeface="MS PGothic" panose="020B0600070205080204" charset="-128"/>
             </a:endParaRPr>
           </a:p>
         </p:txBody>
       </p:sp>
     </p:spTree>
-    <p:extLst>
-      <p:ext uri="{BB962C8B-B14F-4D97-AF65-F5344CB8AC3E}">
-        <p14:creationId xmlns:p14="http://schemas.microsoft.com/office/powerpoint/2010/main" val="1142517032"/>
-      </p:ext>
-    </p:extLst>
   </p:cSld>
   <p:clrMapOvr>
     <a:masterClrMapping/>
@@ -1505,9 +1174,7 @@
             <p:ph type="sldImg"/>
           </p:nvPr>
         </p:nvSpPr>
-        <p:spPr>
-          <a:ln/>
-        </p:spPr>
+        <p:spPr/>
       </p:sp>
       <p:sp>
         <p:nvSpPr>
@@ -1521,46 +1188,18 @@
         </p:nvSpPr>
         <p:spPr>
           <a:noFill/>
-          <a:ln/>
-          <a:extLst>
-            <a:ext uri="{FAA26D3D-D897-4be2-8F04-BA451C77F1D7}">
-              <ma14:placeholderFlag xmlns:ma14="http://schemas.microsoft.com/office/mac/drawingml/2011/main" val="1"/>
-            </a:ext>
-            <a:ext uri="{909E8E84-426E-40dd-AFC4-6F175D3DCCD1}">
-              <a14:hiddenFill xmlns="" xmlns:a14="http://schemas.microsoft.com/office/drawing/2010/main">
-                <a:solidFill>
-                  <a:srgbClr val="FFFFFF"/>
-                </a:solidFill>
-              </a14:hiddenFill>
-            </a:ext>
-            <a:ext uri="{91240B29-F687-4f45-9708-019B960494DF}">
-              <a14:hiddenLine xmlns="" xmlns:a14="http://schemas.microsoft.com/office/drawing/2010/main" w="9525">
-                <a:solidFill>
-                  <a:srgbClr val="000000"/>
-                </a:solidFill>
-                <a:miter lim="800000"/>
-                <a:headEnd/>
-                <a:tailEnd/>
-              </a14:hiddenLine>
-            </a:ext>
-          </a:extLst>
         </p:spPr>
         <p:txBody>
           <a:bodyPr/>
           <a:lstStyle/>
           <a:p>
             <a:endParaRPr kumimoji="0" lang="zh-CN" altLang="en-US">
-              <a:cs typeface="ＭＳ Ｐゴシック" charset="0"/>
+              <a:cs typeface="MS PGothic" panose="020B0600070205080204" charset="-128"/>
             </a:endParaRPr>
           </a:p>
         </p:txBody>
       </p:sp>
     </p:spTree>
-    <p:extLst>
-      <p:ext uri="{BB962C8B-B14F-4D97-AF65-F5344CB8AC3E}">
-        <p14:creationId xmlns:p14="http://schemas.microsoft.com/office/powerpoint/2010/main" val="3213202164"/>
-      </p:ext>
-    </p:extLst>
   </p:cSld>
   <p:clrMapOvr>
     <a:masterClrMapping/>
@@ -1595,9 +1234,7 @@
             <p:ph type="sldImg"/>
           </p:nvPr>
         </p:nvSpPr>
-        <p:spPr>
-          <a:ln/>
-        </p:spPr>
+        <p:spPr/>
       </p:sp>
       <p:sp>
         <p:nvSpPr>
@@ -1611,46 +1248,18 @@
         </p:nvSpPr>
         <p:spPr>
           <a:noFill/>
-          <a:ln/>
-          <a:extLst>
-            <a:ext uri="{FAA26D3D-D897-4be2-8F04-BA451C77F1D7}">
-              <ma14:placeholderFlag xmlns:ma14="http://schemas.microsoft.com/office/mac/drawingml/2011/main" val="1"/>
-            </a:ext>
-            <a:ext uri="{909E8E84-426E-40dd-AFC4-6F175D3DCCD1}">
-              <a14:hiddenFill xmlns="" xmlns:a14="http://schemas.microsoft.com/office/drawing/2010/main">
-                <a:solidFill>
-                  <a:srgbClr val="FFFFFF"/>
-                </a:solidFill>
-              </a14:hiddenFill>
-            </a:ext>
-            <a:ext uri="{91240B29-F687-4f45-9708-019B960494DF}">
-              <a14:hiddenLine xmlns="" xmlns:a14="http://schemas.microsoft.com/office/drawing/2010/main" w="9525">
-                <a:solidFill>
-                  <a:srgbClr val="000000"/>
-                </a:solidFill>
-                <a:miter lim="800000"/>
-                <a:headEnd/>
-                <a:tailEnd/>
-              </a14:hiddenLine>
-            </a:ext>
-          </a:extLst>
         </p:spPr>
         <p:txBody>
           <a:bodyPr/>
           <a:lstStyle/>
           <a:p>
             <a:endParaRPr kumimoji="0" lang="zh-CN" altLang="en-US">
-              <a:cs typeface="ＭＳ Ｐゴシック" charset="0"/>
+              <a:cs typeface="MS PGothic" panose="020B0600070205080204" charset="-128"/>
             </a:endParaRPr>
           </a:p>
         </p:txBody>
       </p:sp>
     </p:spTree>
-    <p:extLst>
-      <p:ext uri="{BB962C8B-B14F-4D97-AF65-F5344CB8AC3E}">
-        <p14:creationId xmlns:p14="http://schemas.microsoft.com/office/powerpoint/2010/main" val="1697334043"/>
-      </p:ext>
-    </p:extLst>
   </p:cSld>
   <p:clrMapOvr>
     <a:masterClrMapping/>
@@ -1685,9 +1294,7 @@
             <p:ph type="sldImg"/>
           </p:nvPr>
         </p:nvSpPr>
-        <p:spPr>
-          <a:ln/>
-        </p:spPr>
+        <p:spPr/>
       </p:sp>
       <p:sp>
         <p:nvSpPr>
@@ -1701,46 +1308,18 @@
         </p:nvSpPr>
         <p:spPr>
           <a:noFill/>
-          <a:ln/>
-          <a:extLst>
-            <a:ext uri="{FAA26D3D-D897-4be2-8F04-BA451C77F1D7}">
-              <ma14:placeholderFlag xmlns:ma14="http://schemas.microsoft.com/office/mac/drawingml/2011/main" val="1"/>
-            </a:ext>
-            <a:ext uri="{909E8E84-426E-40dd-AFC4-6F175D3DCCD1}">
-              <a14:hiddenFill xmlns="" xmlns:a14="http://schemas.microsoft.com/office/drawing/2010/main">
-                <a:solidFill>
-                  <a:srgbClr val="FFFFFF"/>
-                </a:solidFill>
-              </a14:hiddenFill>
-            </a:ext>
-            <a:ext uri="{91240B29-F687-4f45-9708-019B960494DF}">
-              <a14:hiddenLine xmlns="" xmlns:a14="http://schemas.microsoft.com/office/drawing/2010/main" w="9525">
-                <a:solidFill>
-                  <a:srgbClr val="000000"/>
-                </a:solidFill>
-                <a:miter lim="800000"/>
-                <a:headEnd/>
-                <a:tailEnd/>
-              </a14:hiddenLine>
-            </a:ext>
-          </a:extLst>
         </p:spPr>
         <p:txBody>
           <a:bodyPr/>
           <a:lstStyle/>
           <a:p>
             <a:endParaRPr kumimoji="0" lang="zh-CN" altLang="en-US">
-              <a:cs typeface="ＭＳ Ｐゴシック" charset="0"/>
+              <a:cs typeface="MS PGothic" panose="020B0600070205080204" charset="-128"/>
             </a:endParaRPr>
           </a:p>
         </p:txBody>
       </p:sp>
     </p:spTree>
-    <p:extLst>
-      <p:ext uri="{BB962C8B-B14F-4D97-AF65-F5344CB8AC3E}">
-        <p14:creationId xmlns:p14="http://schemas.microsoft.com/office/powerpoint/2010/main" val="831276851"/>
-      </p:ext>
-    </p:extLst>
   </p:cSld>
   <p:clrMapOvr>
     <a:masterClrMapping/>
@@ -1775,9 +1354,7 @@
             <p:ph type="sldImg"/>
           </p:nvPr>
         </p:nvSpPr>
-        <p:spPr>
-          <a:ln/>
-        </p:spPr>
+        <p:spPr/>
       </p:sp>
       <p:sp>
         <p:nvSpPr>
@@ -1791,46 +1368,18 @@
         </p:nvSpPr>
         <p:spPr>
           <a:noFill/>
-          <a:ln/>
-          <a:extLst>
-            <a:ext uri="{FAA26D3D-D897-4be2-8F04-BA451C77F1D7}">
-              <ma14:placeholderFlag xmlns:ma14="http://schemas.microsoft.com/office/mac/drawingml/2011/main" val="1"/>
-            </a:ext>
-            <a:ext uri="{909E8E84-426E-40dd-AFC4-6F175D3DCCD1}">
-              <a14:hiddenFill xmlns="" xmlns:a14="http://schemas.microsoft.com/office/drawing/2010/main">
-                <a:solidFill>
-                  <a:srgbClr val="FFFFFF"/>
-                </a:solidFill>
-              </a14:hiddenFill>
-            </a:ext>
-            <a:ext uri="{91240B29-F687-4f45-9708-019B960494DF}">
-              <a14:hiddenLine xmlns="" xmlns:a14="http://schemas.microsoft.com/office/drawing/2010/main" w="9525">
-                <a:solidFill>
-                  <a:srgbClr val="000000"/>
-                </a:solidFill>
-                <a:miter lim="800000"/>
-                <a:headEnd/>
-                <a:tailEnd/>
-              </a14:hiddenLine>
-            </a:ext>
-          </a:extLst>
         </p:spPr>
         <p:txBody>
           <a:bodyPr/>
           <a:lstStyle/>
           <a:p>
             <a:endParaRPr kumimoji="0" lang="zh-CN" altLang="en-US">
-              <a:cs typeface="ＭＳ Ｐゴシック" charset="0"/>
+              <a:cs typeface="MS PGothic" panose="020B0600070205080204" charset="-128"/>
             </a:endParaRPr>
           </a:p>
         </p:txBody>
       </p:sp>
     </p:spTree>
-    <p:extLst>
-      <p:ext uri="{BB962C8B-B14F-4D97-AF65-F5344CB8AC3E}">
-        <p14:creationId xmlns:p14="http://schemas.microsoft.com/office/powerpoint/2010/main" val="3182560243"/>
-      </p:ext>
-    </p:extLst>
   </p:cSld>
   <p:clrMapOvr>
     <a:masterClrMapping/>
@@ -1865,9 +1414,7 @@
             <p:ph type="sldImg"/>
           </p:nvPr>
         </p:nvSpPr>
-        <p:spPr>
-          <a:ln/>
-        </p:spPr>
+        <p:spPr/>
       </p:sp>
       <p:sp>
         <p:nvSpPr>
@@ -1881,46 +1428,18 @@
         </p:nvSpPr>
         <p:spPr>
           <a:noFill/>
-          <a:ln/>
-          <a:extLst>
-            <a:ext uri="{FAA26D3D-D897-4be2-8F04-BA451C77F1D7}">
-              <ma14:placeholderFlag xmlns:ma14="http://schemas.microsoft.com/office/mac/drawingml/2011/main" val="1"/>
-            </a:ext>
-            <a:ext uri="{909E8E84-426E-40dd-AFC4-6F175D3DCCD1}">
-              <a14:hiddenFill xmlns="" xmlns:a14="http://schemas.microsoft.com/office/drawing/2010/main">
-                <a:solidFill>
-                  <a:srgbClr val="FFFFFF"/>
-                </a:solidFill>
-              </a14:hiddenFill>
-            </a:ext>
-            <a:ext uri="{91240B29-F687-4f45-9708-019B960494DF}">
-              <a14:hiddenLine xmlns="" xmlns:a14="http://schemas.microsoft.com/office/drawing/2010/main" w="9525">
-                <a:solidFill>
-                  <a:srgbClr val="000000"/>
-                </a:solidFill>
-                <a:miter lim="800000"/>
-                <a:headEnd/>
-                <a:tailEnd/>
-              </a14:hiddenLine>
-            </a:ext>
-          </a:extLst>
         </p:spPr>
         <p:txBody>
           <a:bodyPr/>
           <a:lstStyle/>
           <a:p>
             <a:endParaRPr kumimoji="0" lang="zh-CN" altLang="en-US">
-              <a:cs typeface="ＭＳ Ｐゴシック" charset="0"/>
+              <a:cs typeface="MS PGothic" panose="020B0600070205080204" charset="-128"/>
             </a:endParaRPr>
           </a:p>
         </p:txBody>
       </p:sp>
     </p:spTree>
-    <p:extLst>
-      <p:ext uri="{BB962C8B-B14F-4D97-AF65-F5344CB8AC3E}">
-        <p14:creationId xmlns:p14="http://schemas.microsoft.com/office/powerpoint/2010/main" val="2087062405"/>
-      </p:ext>
-    </p:extLst>
   </p:cSld>
   <p:clrMapOvr>
     <a:masterClrMapping/>
@@ -1955,9 +1474,7 @@
             <p:ph type="sldImg"/>
           </p:nvPr>
         </p:nvSpPr>
-        <p:spPr>
-          <a:ln/>
-        </p:spPr>
+        <p:spPr/>
       </p:sp>
       <p:sp>
         <p:nvSpPr>
@@ -1971,46 +1488,18 @@
         </p:nvSpPr>
         <p:spPr>
           <a:noFill/>
-          <a:ln/>
-          <a:extLst>
-            <a:ext uri="{FAA26D3D-D897-4be2-8F04-BA451C77F1D7}">
-              <ma14:placeholderFlag xmlns:ma14="http://schemas.microsoft.com/office/mac/drawingml/2011/main" val="1"/>
-            </a:ext>
-            <a:ext uri="{909E8E84-426E-40dd-AFC4-6F175D3DCCD1}">
-              <a14:hiddenFill xmlns="" xmlns:a14="http://schemas.microsoft.com/office/drawing/2010/main">
-                <a:solidFill>
-                  <a:srgbClr val="FFFFFF"/>
-                </a:solidFill>
-              </a14:hiddenFill>
-            </a:ext>
-            <a:ext uri="{91240B29-F687-4f45-9708-019B960494DF}">
-              <a14:hiddenLine xmlns="" xmlns:a14="http://schemas.microsoft.com/office/drawing/2010/main" w="9525">
-                <a:solidFill>
-                  <a:srgbClr val="000000"/>
-                </a:solidFill>
-                <a:miter lim="800000"/>
-                <a:headEnd/>
-                <a:tailEnd/>
-              </a14:hiddenLine>
-            </a:ext>
-          </a:extLst>
         </p:spPr>
         <p:txBody>
           <a:bodyPr/>
           <a:lstStyle/>
           <a:p>
             <a:endParaRPr kumimoji="0" lang="zh-CN" altLang="en-US">
-              <a:cs typeface="ＭＳ Ｐゴシック" charset="0"/>
+              <a:cs typeface="MS PGothic" panose="020B0600070205080204" charset="-128"/>
             </a:endParaRPr>
           </a:p>
         </p:txBody>
       </p:sp>
     </p:spTree>
-    <p:extLst>
-      <p:ext uri="{BB962C8B-B14F-4D97-AF65-F5344CB8AC3E}">
-        <p14:creationId xmlns:p14="http://schemas.microsoft.com/office/powerpoint/2010/main" val="1934102968"/>
-      </p:ext>
-    </p:extLst>
   </p:cSld>
   <p:clrMapOvr>
     <a:masterClrMapping/>
@@ -2082,6 +1571,7 @@
               <a:rPr kumimoji="1" lang="en-US" altLang="zh-CN" dirty="0" smtClean="0"/>
               <a:t>here</a:t>
             </a:r>
+            <a:endParaRPr kumimoji="1" lang="en-US" altLang="zh-CN" dirty="0" smtClean="0"/>
           </a:p>
           <a:p>
             <a:pPr marL="171450" indent="-171450">
@@ -2232,6 +1722,7 @@
               <a:rPr kumimoji="1" lang="en-US" altLang="zh-CN" dirty="0" smtClean="0"/>
               <a:t>write).</a:t>
             </a:r>
+            <a:endParaRPr kumimoji="1" lang="en-US" altLang="zh-CN" dirty="0" smtClean="0"/>
           </a:p>
           <a:p>
             <a:pPr marL="171450" indent="-171450">
@@ -2330,6 +1821,7 @@
               <a:rPr kumimoji="1" lang="en-US" altLang="zh-CN" dirty="0" smtClean="0"/>
               <a:t>write).</a:t>
             </a:r>
+            <a:endParaRPr kumimoji="1" lang="en-US" altLang="zh-CN" dirty="0" smtClean="0"/>
           </a:p>
           <a:p>
             <a:pPr marL="171450" indent="-171450">
@@ -2400,18 +1892,12 @@
           <a:p>
             <a:fld id="{3D487F6E-C39A-AB4E-8930-83723449EF7A}" type="slidenum">
               <a:rPr lang="en-US" smtClean="0"/>
-              <a:t>11</a:t>
             </a:fld>
             <a:endParaRPr lang="en-US"/>
           </a:p>
         </p:txBody>
       </p:sp>
     </p:spTree>
-    <p:extLst>
-      <p:ext uri="{BB962C8B-B14F-4D97-AF65-F5344CB8AC3E}">
-        <p14:creationId xmlns:p14="http://schemas.microsoft.com/office/powerpoint/2010/main" val="3678841706"/>
-      </p:ext>
-    </p:extLst>
   </p:cSld>
   <p:clrMapOvr>
     <a:masterClrMapping/>
@@ -2499,6 +1985,7 @@
               <a:rPr kumimoji="1" lang="en-US" altLang="zh-CN" dirty="0" smtClean="0"/>
               <a:t>here?</a:t>
             </a:r>
+            <a:endParaRPr kumimoji="1" lang="en-US" altLang="zh-CN" dirty="0" smtClean="0"/>
           </a:p>
           <a:p>
             <a:pPr marL="171450" indent="-171450">
@@ -2657,6 +2144,7 @@
               <a:rPr kumimoji="1" lang="en-US" altLang="zh-CN" dirty="0" smtClean="0"/>
               <a:t>sleep</a:t>
             </a:r>
+            <a:endParaRPr kumimoji="1" lang="en-US" altLang="zh-CN" dirty="0" smtClean="0"/>
           </a:p>
           <a:p>
             <a:pPr marL="171450" indent="-171450">
@@ -2844,18 +2332,12 @@
           <a:p>
             <a:fld id="{3D487F6E-C39A-AB4E-8930-83723449EF7A}" type="slidenum">
               <a:rPr lang="en-US" smtClean="0"/>
-              <a:t>12</a:t>
             </a:fld>
             <a:endParaRPr lang="en-US"/>
           </a:p>
         </p:txBody>
       </p:sp>
     </p:spTree>
-    <p:extLst>
-      <p:ext uri="{BB962C8B-B14F-4D97-AF65-F5344CB8AC3E}">
-        <p14:creationId xmlns:p14="http://schemas.microsoft.com/office/powerpoint/2010/main" val="747897662"/>
-      </p:ext>
-    </p:extLst>
   </p:cSld>
   <p:clrMapOvr>
     <a:masterClrMapping/>
@@ -3049,10 +2531,8 @@
                     <a:tint val="75000"/>
                   </a:prstClr>
                 </a:solidFill>
-                <a:latin typeface="Calibri"/>
-              </a:rPr>
-              <a:pPr/>
-              <a:t>3/22/18</a:t>
+                <a:latin typeface="Calibri" panose="020F0502020204030204"/>
+              </a:rPr>
             </a:fld>
             <a:endParaRPr lang="en-US">
               <a:solidFill>
@@ -3060,7 +2540,7 @@
                   <a:tint val="75000"/>
                 </a:prstClr>
               </a:solidFill>
-              <a:latin typeface="Calibri"/>
+              <a:latin typeface="Calibri" panose="020F0502020204030204"/>
             </a:endParaRPr>
           </a:p>
         </p:txBody>
@@ -3086,7 +2566,7 @@
                   <a:tint val="75000"/>
                 </a:prstClr>
               </a:solidFill>
-              <a:latin typeface="Calibri"/>
+              <a:latin typeface="Calibri" panose="020F0502020204030204"/>
             </a:endParaRPr>
           </a:p>
         </p:txBody>
@@ -3113,10 +2593,8 @@
                     <a:tint val="75000"/>
                   </a:prstClr>
                 </a:solidFill>
-                <a:latin typeface="Calibri"/>
-              </a:rPr>
-              <a:pPr/>
-              <a:t>‹#›</a:t>
+                <a:latin typeface="Calibri" panose="020F0502020204030204"/>
+              </a:rPr>
             </a:fld>
             <a:endParaRPr lang="en-US">
               <a:solidFill>
@@ -3124,17 +2602,12 @@
                   <a:tint val="75000"/>
                 </a:prstClr>
               </a:solidFill>
-              <a:latin typeface="Calibri"/>
+              <a:latin typeface="Calibri" panose="020F0502020204030204"/>
             </a:endParaRPr>
           </a:p>
         </p:txBody>
       </p:sp>
     </p:spTree>
-    <p:extLst>
-      <p:ext uri="{BB962C8B-B14F-4D97-AF65-F5344CB8AC3E}">
-        <p14:creationId xmlns:p14="http://schemas.microsoft.com/office/powerpoint/2010/main" val="2830709511"/>
-      </p:ext>
-    </p:extLst>
   </p:cSld>
   <p:clrMapOvr>
     <a:masterClrMapping/>
@@ -3202,6 +2675,7 @@
               <a:rPr lang="en-US" smtClean="0"/>
               <a:t>Click to edit Master text styles</a:t>
             </a:r>
+            <a:endParaRPr lang="en-US" smtClean="0"/>
           </a:p>
           <a:p>
             <a:pPr lvl="1"/>
@@ -3209,6 +2683,7 @@
               <a:rPr lang="en-US" smtClean="0"/>
               <a:t>Second level</a:t>
             </a:r>
+            <a:endParaRPr lang="en-US" smtClean="0"/>
           </a:p>
           <a:p>
             <a:pPr lvl="2"/>
@@ -3216,6 +2691,7 @@
               <a:rPr lang="en-US" smtClean="0"/>
               <a:t>Third level</a:t>
             </a:r>
+            <a:endParaRPr lang="en-US" smtClean="0"/>
           </a:p>
           <a:p>
             <a:pPr lvl="3"/>
@@ -3223,6 +2699,7 @@
               <a:rPr lang="en-US" smtClean="0"/>
               <a:t>Fourth level</a:t>
             </a:r>
+            <a:endParaRPr lang="en-US" smtClean="0"/>
           </a:p>
           <a:p>
             <a:pPr lvl="4"/>
@@ -3256,10 +2733,8 @@
                     <a:tint val="75000"/>
                   </a:prstClr>
                 </a:solidFill>
-                <a:latin typeface="Calibri"/>
-              </a:rPr>
-              <a:pPr/>
-              <a:t>3/22/18</a:t>
+                <a:latin typeface="Calibri" panose="020F0502020204030204"/>
+              </a:rPr>
             </a:fld>
             <a:endParaRPr lang="en-US">
               <a:solidFill>
@@ -3267,7 +2742,7 @@
                   <a:tint val="75000"/>
                 </a:prstClr>
               </a:solidFill>
-              <a:latin typeface="Calibri"/>
+              <a:latin typeface="Calibri" panose="020F0502020204030204"/>
             </a:endParaRPr>
           </a:p>
         </p:txBody>
@@ -3293,7 +2768,7 @@
                   <a:tint val="75000"/>
                 </a:prstClr>
               </a:solidFill>
-              <a:latin typeface="Calibri"/>
+              <a:latin typeface="Calibri" panose="020F0502020204030204"/>
             </a:endParaRPr>
           </a:p>
         </p:txBody>
@@ -3320,10 +2795,8 @@
                     <a:tint val="75000"/>
                   </a:prstClr>
                 </a:solidFill>
-                <a:latin typeface="Calibri"/>
-              </a:rPr>
-              <a:pPr/>
-              <a:t>‹#›</a:t>
+                <a:latin typeface="Calibri" panose="020F0502020204030204"/>
+              </a:rPr>
             </a:fld>
             <a:endParaRPr lang="en-US">
               <a:solidFill>
@@ -3331,17 +2804,12 @@
                   <a:tint val="75000"/>
                 </a:prstClr>
               </a:solidFill>
-              <a:latin typeface="Calibri"/>
+              <a:latin typeface="Calibri" panose="020F0502020204030204"/>
             </a:endParaRPr>
           </a:p>
         </p:txBody>
       </p:sp>
     </p:spTree>
-    <p:extLst>
-      <p:ext uri="{BB962C8B-B14F-4D97-AF65-F5344CB8AC3E}">
-        <p14:creationId xmlns:p14="http://schemas.microsoft.com/office/powerpoint/2010/main" val="1715489861"/>
-      </p:ext>
-    </p:extLst>
   </p:cSld>
   <p:clrMapOvr>
     <a:masterClrMapping/>
@@ -3419,6 +2887,7 @@
               <a:rPr lang="en-US" smtClean="0"/>
               <a:t>Click to edit Master text styles</a:t>
             </a:r>
+            <a:endParaRPr lang="en-US" smtClean="0"/>
           </a:p>
           <a:p>
             <a:pPr lvl="1"/>
@@ -3426,6 +2895,7 @@
               <a:rPr lang="en-US" smtClean="0"/>
               <a:t>Second level</a:t>
             </a:r>
+            <a:endParaRPr lang="en-US" smtClean="0"/>
           </a:p>
           <a:p>
             <a:pPr lvl="2"/>
@@ -3433,6 +2903,7 @@
               <a:rPr lang="en-US" smtClean="0"/>
               <a:t>Third level</a:t>
             </a:r>
+            <a:endParaRPr lang="en-US" smtClean="0"/>
           </a:p>
           <a:p>
             <a:pPr lvl="3"/>
@@ -3440,6 +2911,7 @@
               <a:rPr lang="en-US" smtClean="0"/>
               <a:t>Fourth level</a:t>
             </a:r>
+            <a:endParaRPr lang="en-US" smtClean="0"/>
           </a:p>
           <a:p>
             <a:pPr lvl="4"/>
@@ -3473,10 +2945,8 @@
                     <a:tint val="75000"/>
                   </a:prstClr>
                 </a:solidFill>
-                <a:latin typeface="Calibri"/>
-              </a:rPr>
-              <a:pPr/>
-              <a:t>3/22/18</a:t>
+                <a:latin typeface="Calibri" panose="020F0502020204030204"/>
+              </a:rPr>
             </a:fld>
             <a:endParaRPr lang="en-US">
               <a:solidFill>
@@ -3484,7 +2954,7 @@
                   <a:tint val="75000"/>
                 </a:prstClr>
               </a:solidFill>
-              <a:latin typeface="Calibri"/>
+              <a:latin typeface="Calibri" panose="020F0502020204030204"/>
             </a:endParaRPr>
           </a:p>
         </p:txBody>
@@ -3510,7 +2980,7 @@
                   <a:tint val="75000"/>
                 </a:prstClr>
               </a:solidFill>
-              <a:latin typeface="Calibri"/>
+              <a:latin typeface="Calibri" panose="020F0502020204030204"/>
             </a:endParaRPr>
           </a:p>
         </p:txBody>
@@ -3537,10 +3007,8 @@
                     <a:tint val="75000"/>
                   </a:prstClr>
                 </a:solidFill>
-                <a:latin typeface="Calibri"/>
-              </a:rPr>
-              <a:pPr/>
-              <a:t>‹#›</a:t>
+                <a:latin typeface="Calibri" panose="020F0502020204030204"/>
+              </a:rPr>
             </a:fld>
             <a:endParaRPr lang="en-US">
               <a:solidFill>
@@ -3548,17 +3016,12 @@
                   <a:tint val="75000"/>
                 </a:prstClr>
               </a:solidFill>
-              <a:latin typeface="Calibri"/>
+              <a:latin typeface="Calibri" panose="020F0502020204030204"/>
             </a:endParaRPr>
           </a:p>
         </p:txBody>
       </p:sp>
     </p:spTree>
-    <p:extLst>
-      <p:ext uri="{BB962C8B-B14F-4D97-AF65-F5344CB8AC3E}">
-        <p14:creationId xmlns:p14="http://schemas.microsoft.com/office/powerpoint/2010/main" val="1848909462"/>
-      </p:ext>
-    </p:extLst>
   </p:cSld>
   <p:clrMapOvr>
     <a:masterClrMapping/>
@@ -3626,6 +3089,7 @@
               <a:rPr lang="en-US" smtClean="0"/>
               <a:t>Click to edit Master text styles</a:t>
             </a:r>
+            <a:endParaRPr lang="en-US" smtClean="0"/>
           </a:p>
           <a:p>
             <a:pPr lvl="1"/>
@@ -3633,6 +3097,7 @@
               <a:rPr lang="en-US" smtClean="0"/>
               <a:t>Second level</a:t>
             </a:r>
+            <a:endParaRPr lang="en-US" smtClean="0"/>
           </a:p>
           <a:p>
             <a:pPr lvl="2"/>
@@ -3640,6 +3105,7 @@
               <a:rPr lang="en-US" smtClean="0"/>
               <a:t>Third level</a:t>
             </a:r>
+            <a:endParaRPr lang="en-US" smtClean="0"/>
           </a:p>
           <a:p>
             <a:pPr lvl="3"/>
@@ -3647,6 +3113,7 @@
               <a:rPr lang="en-US" smtClean="0"/>
               <a:t>Fourth level</a:t>
             </a:r>
+            <a:endParaRPr lang="en-US" smtClean="0"/>
           </a:p>
           <a:p>
             <a:pPr lvl="4"/>
@@ -3680,10 +3147,8 @@
                     <a:tint val="75000"/>
                   </a:prstClr>
                 </a:solidFill>
-                <a:latin typeface="Calibri"/>
-              </a:rPr>
-              <a:pPr/>
-              <a:t>3/22/18</a:t>
+                <a:latin typeface="Calibri" panose="020F0502020204030204"/>
+              </a:rPr>
             </a:fld>
             <a:endParaRPr lang="en-US">
               <a:solidFill>
@@ -3691,7 +3156,7 @@
                   <a:tint val="75000"/>
                 </a:prstClr>
               </a:solidFill>
-              <a:latin typeface="Calibri"/>
+              <a:latin typeface="Calibri" panose="020F0502020204030204"/>
             </a:endParaRPr>
           </a:p>
         </p:txBody>
@@ -3717,7 +3182,7 @@
                   <a:tint val="75000"/>
                 </a:prstClr>
               </a:solidFill>
-              <a:latin typeface="Calibri"/>
+              <a:latin typeface="Calibri" panose="020F0502020204030204"/>
             </a:endParaRPr>
           </a:p>
         </p:txBody>
@@ -3744,10 +3209,8 @@
                     <a:tint val="75000"/>
                   </a:prstClr>
                 </a:solidFill>
-                <a:latin typeface="Calibri"/>
-              </a:rPr>
-              <a:pPr/>
-              <a:t>‹#›</a:t>
+                <a:latin typeface="Calibri" panose="020F0502020204030204"/>
+              </a:rPr>
             </a:fld>
             <a:endParaRPr lang="en-US">
               <a:solidFill>
@@ -3755,17 +3218,12 @@
                   <a:tint val="75000"/>
                 </a:prstClr>
               </a:solidFill>
-              <a:latin typeface="Calibri"/>
+              <a:latin typeface="Calibri" panose="020F0502020204030204"/>
             </a:endParaRPr>
           </a:p>
         </p:txBody>
       </p:sp>
     </p:spTree>
-    <p:extLst>
-      <p:ext uri="{BB962C8B-B14F-4D97-AF65-F5344CB8AC3E}">
-        <p14:creationId xmlns:p14="http://schemas.microsoft.com/office/powerpoint/2010/main" val="3341616037"/>
-      </p:ext>
-    </p:extLst>
   </p:cSld>
   <p:clrMapOvr>
     <a:masterClrMapping/>
@@ -3938,6 +3396,7 @@
               <a:rPr lang="en-US" smtClean="0"/>
               <a:t>Click to edit Master text styles</a:t>
             </a:r>
+            <a:endParaRPr lang="en-US" smtClean="0"/>
           </a:p>
         </p:txBody>
       </p:sp>
@@ -3963,10 +3422,8 @@
                     <a:tint val="75000"/>
                   </a:prstClr>
                 </a:solidFill>
-                <a:latin typeface="Calibri"/>
-              </a:rPr>
-              <a:pPr/>
-              <a:t>3/22/18</a:t>
+                <a:latin typeface="Calibri" panose="020F0502020204030204"/>
+              </a:rPr>
             </a:fld>
             <a:endParaRPr lang="en-US">
               <a:solidFill>
@@ -3974,7 +3431,7 @@
                   <a:tint val="75000"/>
                 </a:prstClr>
               </a:solidFill>
-              <a:latin typeface="Calibri"/>
+              <a:latin typeface="Calibri" panose="020F0502020204030204"/>
             </a:endParaRPr>
           </a:p>
         </p:txBody>
@@ -4000,7 +3457,7 @@
                   <a:tint val="75000"/>
                 </a:prstClr>
               </a:solidFill>
-              <a:latin typeface="Calibri"/>
+              <a:latin typeface="Calibri" panose="020F0502020204030204"/>
             </a:endParaRPr>
           </a:p>
         </p:txBody>
@@ -4027,10 +3484,8 @@
                     <a:tint val="75000"/>
                   </a:prstClr>
                 </a:solidFill>
-                <a:latin typeface="Calibri"/>
-              </a:rPr>
-              <a:pPr/>
-              <a:t>‹#›</a:t>
+                <a:latin typeface="Calibri" panose="020F0502020204030204"/>
+              </a:rPr>
             </a:fld>
             <a:endParaRPr lang="en-US">
               <a:solidFill>
@@ -4038,17 +3493,12 @@
                   <a:tint val="75000"/>
                 </a:prstClr>
               </a:solidFill>
-              <a:latin typeface="Calibri"/>
+              <a:latin typeface="Calibri" panose="020F0502020204030204"/>
             </a:endParaRPr>
           </a:p>
         </p:txBody>
       </p:sp>
     </p:spTree>
-    <p:extLst>
-      <p:ext uri="{BB962C8B-B14F-4D97-AF65-F5344CB8AC3E}">
-        <p14:creationId xmlns:p14="http://schemas.microsoft.com/office/powerpoint/2010/main" val="394940294"/>
-      </p:ext>
-    </p:extLst>
   </p:cSld>
   <p:clrMapOvr>
     <a:masterClrMapping/>
@@ -4149,6 +3599,7 @@
               <a:rPr lang="en-US" smtClean="0"/>
               <a:t>Click to edit Master text styles</a:t>
             </a:r>
+            <a:endParaRPr lang="en-US" smtClean="0"/>
           </a:p>
           <a:p>
             <a:pPr lvl="1"/>
@@ -4156,6 +3607,7 @@
               <a:rPr lang="en-US" smtClean="0"/>
               <a:t>Second level</a:t>
             </a:r>
+            <a:endParaRPr lang="en-US" smtClean="0"/>
           </a:p>
           <a:p>
             <a:pPr lvl="2"/>
@@ -4163,6 +3615,7 @@
               <a:rPr lang="en-US" smtClean="0"/>
               <a:t>Third level</a:t>
             </a:r>
+            <a:endParaRPr lang="en-US" smtClean="0"/>
           </a:p>
           <a:p>
             <a:pPr lvl="3"/>
@@ -4170,6 +3623,7 @@
               <a:rPr lang="en-US" smtClean="0"/>
               <a:t>Fourth level</a:t>
             </a:r>
+            <a:endParaRPr lang="en-US" smtClean="0"/>
           </a:p>
           <a:p>
             <a:pPr lvl="4"/>
@@ -4234,6 +3688,7 @@
               <a:rPr lang="en-US" smtClean="0"/>
               <a:t>Click to edit Master text styles</a:t>
             </a:r>
+            <a:endParaRPr lang="en-US" smtClean="0"/>
           </a:p>
           <a:p>
             <a:pPr lvl="1"/>
@@ -4241,6 +3696,7 @@
               <a:rPr lang="en-US" smtClean="0"/>
               <a:t>Second level</a:t>
             </a:r>
+            <a:endParaRPr lang="en-US" smtClean="0"/>
           </a:p>
           <a:p>
             <a:pPr lvl="2"/>
@@ -4248,6 +3704,7 @@
               <a:rPr lang="en-US" smtClean="0"/>
               <a:t>Third level</a:t>
             </a:r>
+            <a:endParaRPr lang="en-US" smtClean="0"/>
           </a:p>
           <a:p>
             <a:pPr lvl="3"/>
@@ -4255,6 +3712,7 @@
               <a:rPr lang="en-US" smtClean="0"/>
               <a:t>Fourth level</a:t>
             </a:r>
+            <a:endParaRPr lang="en-US" smtClean="0"/>
           </a:p>
           <a:p>
             <a:pPr lvl="4"/>
@@ -4288,10 +3746,8 @@
                     <a:tint val="75000"/>
                   </a:prstClr>
                 </a:solidFill>
-                <a:latin typeface="Calibri"/>
-              </a:rPr>
-              <a:pPr/>
-              <a:t>3/22/18</a:t>
+                <a:latin typeface="Calibri" panose="020F0502020204030204"/>
+              </a:rPr>
             </a:fld>
             <a:endParaRPr lang="en-US">
               <a:solidFill>
@@ -4299,7 +3755,7 @@
                   <a:tint val="75000"/>
                 </a:prstClr>
               </a:solidFill>
-              <a:latin typeface="Calibri"/>
+              <a:latin typeface="Calibri" panose="020F0502020204030204"/>
             </a:endParaRPr>
           </a:p>
         </p:txBody>
@@ -4325,7 +3781,7 @@
                   <a:tint val="75000"/>
                 </a:prstClr>
               </a:solidFill>
-              <a:latin typeface="Calibri"/>
+              <a:latin typeface="Calibri" panose="020F0502020204030204"/>
             </a:endParaRPr>
           </a:p>
         </p:txBody>
@@ -4352,10 +3808,8 @@
                     <a:tint val="75000"/>
                   </a:prstClr>
                 </a:solidFill>
-                <a:latin typeface="Calibri"/>
-              </a:rPr>
-              <a:pPr/>
-              <a:t>‹#›</a:t>
+                <a:latin typeface="Calibri" panose="020F0502020204030204"/>
+              </a:rPr>
             </a:fld>
             <a:endParaRPr lang="en-US">
               <a:solidFill>
@@ -4363,17 +3817,12 @@
                   <a:tint val="75000"/>
                 </a:prstClr>
               </a:solidFill>
-              <a:latin typeface="Calibri"/>
+              <a:latin typeface="Calibri" panose="020F0502020204030204"/>
             </a:endParaRPr>
           </a:p>
         </p:txBody>
       </p:sp>
     </p:spTree>
-    <p:extLst>
-      <p:ext uri="{BB962C8B-B14F-4D97-AF65-F5344CB8AC3E}">
-        <p14:creationId xmlns:p14="http://schemas.microsoft.com/office/powerpoint/2010/main" val="1371604473"/>
-      </p:ext>
-    </p:extLst>
   </p:cSld>
   <p:clrMapOvr>
     <a:masterClrMapping/>
@@ -4487,6 +3936,7 @@
               <a:rPr lang="en-US" smtClean="0"/>
               <a:t>Click to edit Master text styles</a:t>
             </a:r>
+            <a:endParaRPr lang="en-US" smtClean="0"/>
           </a:p>
         </p:txBody>
       </p:sp>
@@ -4543,6 +3993,7 @@
               <a:rPr lang="en-US" smtClean="0"/>
               <a:t>Click to edit Master text styles</a:t>
             </a:r>
+            <a:endParaRPr lang="en-US" smtClean="0"/>
           </a:p>
           <a:p>
             <a:pPr lvl="1"/>
@@ -4550,6 +4001,7 @@
               <a:rPr lang="en-US" smtClean="0"/>
               <a:t>Second level</a:t>
             </a:r>
+            <a:endParaRPr lang="en-US" smtClean="0"/>
           </a:p>
           <a:p>
             <a:pPr lvl="2"/>
@@ -4557,6 +4009,7 @@
               <a:rPr lang="en-US" smtClean="0"/>
               <a:t>Third level</a:t>
             </a:r>
+            <a:endParaRPr lang="en-US" smtClean="0"/>
           </a:p>
           <a:p>
             <a:pPr lvl="3"/>
@@ -4564,6 +4017,7 @@
               <a:rPr lang="en-US" smtClean="0"/>
               <a:t>Fourth level</a:t>
             </a:r>
+            <a:endParaRPr lang="en-US" smtClean="0"/>
           </a:p>
           <a:p>
             <a:pPr lvl="4"/>
@@ -4637,6 +4091,7 @@
               <a:rPr lang="en-US" smtClean="0"/>
               <a:t>Click to edit Master text styles</a:t>
             </a:r>
+            <a:endParaRPr lang="en-US" smtClean="0"/>
           </a:p>
         </p:txBody>
       </p:sp>
@@ -4693,6 +4148,7 @@
               <a:rPr lang="en-US" smtClean="0"/>
               <a:t>Click to edit Master text styles</a:t>
             </a:r>
+            <a:endParaRPr lang="en-US" smtClean="0"/>
           </a:p>
           <a:p>
             <a:pPr lvl="1"/>
@@ -4700,6 +4156,7 @@
               <a:rPr lang="en-US" smtClean="0"/>
               <a:t>Second level</a:t>
             </a:r>
+            <a:endParaRPr lang="en-US" smtClean="0"/>
           </a:p>
           <a:p>
             <a:pPr lvl="2"/>
@@ -4707,6 +4164,7 @@
               <a:rPr lang="en-US" smtClean="0"/>
               <a:t>Third level</a:t>
             </a:r>
+            <a:endParaRPr lang="en-US" smtClean="0"/>
           </a:p>
           <a:p>
             <a:pPr lvl="3"/>
@@ -4714,6 +4172,7 @@
               <a:rPr lang="en-US" smtClean="0"/>
               <a:t>Fourth level</a:t>
             </a:r>
+            <a:endParaRPr lang="en-US" smtClean="0"/>
           </a:p>
           <a:p>
             <a:pPr lvl="4"/>
@@ -4747,10 +4206,8 @@
                     <a:tint val="75000"/>
                   </a:prstClr>
                 </a:solidFill>
-                <a:latin typeface="Calibri"/>
-              </a:rPr>
-              <a:pPr/>
-              <a:t>3/22/18</a:t>
+                <a:latin typeface="Calibri" panose="020F0502020204030204"/>
+              </a:rPr>
             </a:fld>
             <a:endParaRPr lang="en-US">
               <a:solidFill>
@@ -4758,7 +4215,7 @@
                   <a:tint val="75000"/>
                 </a:prstClr>
               </a:solidFill>
-              <a:latin typeface="Calibri"/>
+              <a:latin typeface="Calibri" panose="020F0502020204030204"/>
             </a:endParaRPr>
           </a:p>
         </p:txBody>
@@ -4784,7 +4241,7 @@
                   <a:tint val="75000"/>
                 </a:prstClr>
               </a:solidFill>
-              <a:latin typeface="Calibri"/>
+              <a:latin typeface="Calibri" panose="020F0502020204030204"/>
             </a:endParaRPr>
           </a:p>
         </p:txBody>
@@ -4811,10 +4268,8 @@
                     <a:tint val="75000"/>
                   </a:prstClr>
                 </a:solidFill>
-                <a:latin typeface="Calibri"/>
-              </a:rPr>
-              <a:pPr/>
-              <a:t>‹#›</a:t>
+                <a:latin typeface="Calibri" panose="020F0502020204030204"/>
+              </a:rPr>
             </a:fld>
             <a:endParaRPr lang="en-US">
               <a:solidFill>
@@ -4822,17 +4277,12 @@
                   <a:tint val="75000"/>
                 </a:prstClr>
               </a:solidFill>
-              <a:latin typeface="Calibri"/>
+              <a:latin typeface="Calibri" panose="020F0502020204030204"/>
             </a:endParaRPr>
           </a:p>
         </p:txBody>
       </p:sp>
     </p:spTree>
-    <p:extLst>
-      <p:ext uri="{BB962C8B-B14F-4D97-AF65-F5344CB8AC3E}">
-        <p14:creationId xmlns:p14="http://schemas.microsoft.com/office/powerpoint/2010/main" val="913368113"/>
-      </p:ext>
-    </p:extLst>
   </p:cSld>
   <p:clrMapOvr>
     <a:masterClrMapping/>
@@ -4902,10 +4352,8 @@
                     <a:tint val="75000"/>
                   </a:prstClr>
                 </a:solidFill>
-                <a:latin typeface="Calibri"/>
-              </a:rPr>
-              <a:pPr/>
-              <a:t>3/22/18</a:t>
+                <a:latin typeface="Calibri" panose="020F0502020204030204"/>
+              </a:rPr>
             </a:fld>
             <a:endParaRPr lang="en-US">
               <a:solidFill>
@@ -4913,7 +4361,7 @@
                   <a:tint val="75000"/>
                 </a:prstClr>
               </a:solidFill>
-              <a:latin typeface="Calibri"/>
+              <a:latin typeface="Calibri" panose="020F0502020204030204"/>
             </a:endParaRPr>
           </a:p>
         </p:txBody>
@@ -4939,7 +4387,7 @@
                   <a:tint val="75000"/>
                 </a:prstClr>
               </a:solidFill>
-              <a:latin typeface="Calibri"/>
+              <a:latin typeface="Calibri" panose="020F0502020204030204"/>
             </a:endParaRPr>
           </a:p>
         </p:txBody>
@@ -4966,10 +4414,8 @@
                     <a:tint val="75000"/>
                   </a:prstClr>
                 </a:solidFill>
-                <a:latin typeface="Calibri"/>
-              </a:rPr>
-              <a:pPr/>
-              <a:t>‹#›</a:t>
+                <a:latin typeface="Calibri" panose="020F0502020204030204"/>
+              </a:rPr>
             </a:fld>
             <a:endParaRPr lang="en-US">
               <a:solidFill>
@@ -4977,17 +4423,12 @@
                   <a:tint val="75000"/>
                 </a:prstClr>
               </a:solidFill>
-              <a:latin typeface="Calibri"/>
+              <a:latin typeface="Calibri" panose="020F0502020204030204"/>
             </a:endParaRPr>
           </a:p>
         </p:txBody>
       </p:sp>
     </p:spTree>
-    <p:extLst>
-      <p:ext uri="{BB962C8B-B14F-4D97-AF65-F5344CB8AC3E}">
-        <p14:creationId xmlns:p14="http://schemas.microsoft.com/office/powerpoint/2010/main" val="1574230355"/>
-      </p:ext>
-    </p:extLst>
   </p:cSld>
   <p:clrMapOvr>
     <a:masterClrMapping/>
@@ -5034,10 +4475,8 @@
                     <a:tint val="75000"/>
                   </a:prstClr>
                 </a:solidFill>
-                <a:latin typeface="Calibri"/>
-              </a:rPr>
-              <a:pPr/>
-              <a:t>3/22/18</a:t>
+                <a:latin typeface="Calibri" panose="020F0502020204030204"/>
+              </a:rPr>
             </a:fld>
             <a:endParaRPr lang="en-US">
               <a:solidFill>
@@ -5045,7 +4484,7 @@
                   <a:tint val="75000"/>
                 </a:prstClr>
               </a:solidFill>
-              <a:latin typeface="Calibri"/>
+              <a:latin typeface="Calibri" panose="020F0502020204030204"/>
             </a:endParaRPr>
           </a:p>
         </p:txBody>
@@ -5071,7 +4510,7 @@
                   <a:tint val="75000"/>
                 </a:prstClr>
               </a:solidFill>
-              <a:latin typeface="Calibri"/>
+              <a:latin typeface="Calibri" panose="020F0502020204030204"/>
             </a:endParaRPr>
           </a:p>
         </p:txBody>
@@ -5098,10 +4537,8 @@
                     <a:tint val="75000"/>
                   </a:prstClr>
                 </a:solidFill>
-                <a:latin typeface="Calibri"/>
-              </a:rPr>
-              <a:pPr/>
-              <a:t>‹#›</a:t>
+                <a:latin typeface="Calibri" panose="020F0502020204030204"/>
+              </a:rPr>
             </a:fld>
             <a:endParaRPr lang="en-US">
               <a:solidFill>
@@ -5109,17 +4546,12 @@
                   <a:tint val="75000"/>
                 </a:prstClr>
               </a:solidFill>
-              <a:latin typeface="Calibri"/>
+              <a:latin typeface="Calibri" panose="020F0502020204030204"/>
             </a:endParaRPr>
           </a:p>
         </p:txBody>
       </p:sp>
     </p:spTree>
-    <p:extLst>
-      <p:ext uri="{BB962C8B-B14F-4D97-AF65-F5344CB8AC3E}">
-        <p14:creationId xmlns:p14="http://schemas.microsoft.com/office/powerpoint/2010/main" val="2648841988"/>
-      </p:ext>
-    </p:extLst>
   </p:cSld>
   <p:clrMapOvr>
     <a:masterClrMapping/>
@@ -5229,6 +4661,7 @@
               <a:rPr lang="en-US" smtClean="0"/>
               <a:t>Click to edit Master text styles</a:t>
             </a:r>
+            <a:endParaRPr lang="en-US" smtClean="0"/>
           </a:p>
           <a:p>
             <a:pPr lvl="1"/>
@@ -5236,6 +4669,7 @@
               <a:rPr lang="en-US" smtClean="0"/>
               <a:t>Second level</a:t>
             </a:r>
+            <a:endParaRPr lang="en-US" smtClean="0"/>
           </a:p>
           <a:p>
             <a:pPr lvl="2"/>
@@ -5243,6 +4677,7 @@
               <a:rPr lang="en-US" smtClean="0"/>
               <a:t>Third level</a:t>
             </a:r>
+            <a:endParaRPr lang="en-US" smtClean="0"/>
           </a:p>
           <a:p>
             <a:pPr lvl="3"/>
@@ -5250,6 +4685,7 @@
               <a:rPr lang="en-US" smtClean="0"/>
               <a:t>Fourth level</a:t>
             </a:r>
+            <a:endParaRPr lang="en-US" smtClean="0"/>
           </a:p>
           <a:p>
             <a:pPr lvl="4"/>
@@ -5323,6 +4759,7 @@
               <a:rPr lang="en-US" smtClean="0"/>
               <a:t>Click to edit Master text styles</a:t>
             </a:r>
+            <a:endParaRPr lang="en-US" smtClean="0"/>
           </a:p>
         </p:txBody>
       </p:sp>
@@ -5348,10 +4785,8 @@
                     <a:tint val="75000"/>
                   </a:prstClr>
                 </a:solidFill>
-                <a:latin typeface="Calibri"/>
-              </a:rPr>
-              <a:pPr/>
-              <a:t>3/22/18</a:t>
+                <a:latin typeface="Calibri" panose="020F0502020204030204"/>
+              </a:rPr>
             </a:fld>
             <a:endParaRPr lang="en-US">
               <a:solidFill>
@@ -5359,7 +4794,7 @@
                   <a:tint val="75000"/>
                 </a:prstClr>
               </a:solidFill>
-              <a:latin typeface="Calibri"/>
+              <a:latin typeface="Calibri" panose="020F0502020204030204"/>
             </a:endParaRPr>
           </a:p>
         </p:txBody>
@@ -5385,7 +4820,7 @@
                   <a:tint val="75000"/>
                 </a:prstClr>
               </a:solidFill>
-              <a:latin typeface="Calibri"/>
+              <a:latin typeface="Calibri" panose="020F0502020204030204"/>
             </a:endParaRPr>
           </a:p>
         </p:txBody>
@@ -5412,10 +4847,8 @@
                     <a:tint val="75000"/>
                   </a:prstClr>
                 </a:solidFill>
-                <a:latin typeface="Calibri"/>
-              </a:rPr>
-              <a:pPr/>
-              <a:t>‹#›</a:t>
+                <a:latin typeface="Calibri" panose="020F0502020204030204"/>
+              </a:rPr>
             </a:fld>
             <a:endParaRPr lang="en-US">
               <a:solidFill>
@@ -5423,17 +4856,12 @@
                   <a:tint val="75000"/>
                 </a:prstClr>
               </a:solidFill>
-              <a:latin typeface="Calibri"/>
+              <a:latin typeface="Calibri" panose="020F0502020204030204"/>
             </a:endParaRPr>
           </a:p>
         </p:txBody>
       </p:sp>
     </p:spTree>
-    <p:extLst>
-      <p:ext uri="{BB962C8B-B14F-4D97-AF65-F5344CB8AC3E}">
-        <p14:creationId xmlns:p14="http://schemas.microsoft.com/office/powerpoint/2010/main" val="288740623"/>
-      </p:ext>
-    </p:extLst>
   </p:cSld>
   <p:clrMapOvr>
     <a:masterClrMapping/>
@@ -5497,7 +4925,7 @@
             <a:spLocks noGrp="1"/>
           </p:cNvSpPr>
           <p:nvPr>
-            <p:ph type="pic" idx="1"/>
+            <p:ph type="pic" idx="1" hasCustomPrompt="1"/>
           </p:nvPr>
         </p:nvSpPr>
         <p:spPr>
@@ -5617,6 +5045,7 @@
               <a:rPr lang="en-US" smtClean="0"/>
               <a:t>Click to edit Master text styles</a:t>
             </a:r>
+            <a:endParaRPr lang="en-US" smtClean="0"/>
           </a:p>
         </p:txBody>
       </p:sp>
@@ -5642,10 +5071,8 @@
                     <a:tint val="75000"/>
                   </a:prstClr>
                 </a:solidFill>
-                <a:latin typeface="Calibri"/>
-              </a:rPr>
-              <a:pPr/>
-              <a:t>3/22/18</a:t>
+                <a:latin typeface="Calibri" panose="020F0502020204030204"/>
+              </a:rPr>
             </a:fld>
             <a:endParaRPr lang="en-US">
               <a:solidFill>
@@ -5653,7 +5080,7 @@
                   <a:tint val="75000"/>
                 </a:prstClr>
               </a:solidFill>
-              <a:latin typeface="Calibri"/>
+              <a:latin typeface="Calibri" panose="020F0502020204030204"/>
             </a:endParaRPr>
           </a:p>
         </p:txBody>
@@ -5679,7 +5106,7 @@
                   <a:tint val="75000"/>
                 </a:prstClr>
               </a:solidFill>
-              <a:latin typeface="Calibri"/>
+              <a:latin typeface="Calibri" panose="020F0502020204030204"/>
             </a:endParaRPr>
           </a:p>
         </p:txBody>
@@ -5706,10 +5133,8 @@
                     <a:tint val="75000"/>
                   </a:prstClr>
                 </a:solidFill>
-                <a:latin typeface="Calibri"/>
-              </a:rPr>
-              <a:pPr/>
-              <a:t>‹#›</a:t>
+                <a:latin typeface="Calibri" panose="020F0502020204030204"/>
+              </a:rPr>
             </a:fld>
             <a:endParaRPr lang="en-US">
               <a:solidFill>
@@ -5717,17 +5142,12 @@
                   <a:tint val="75000"/>
                 </a:prstClr>
               </a:solidFill>
-              <a:latin typeface="Calibri"/>
+              <a:latin typeface="Calibri" panose="020F0502020204030204"/>
             </a:endParaRPr>
           </a:p>
         </p:txBody>
       </p:sp>
     </p:spTree>
-    <p:extLst>
-      <p:ext uri="{BB962C8B-B14F-4D97-AF65-F5344CB8AC3E}">
-        <p14:creationId xmlns:p14="http://schemas.microsoft.com/office/powerpoint/2010/main" val="2278461740"/>
-      </p:ext>
-    </p:extLst>
   </p:cSld>
   <p:clrMapOvr>
     <a:masterClrMapping/>
@@ -5820,6 +5240,7 @@
               <a:rPr lang="en-US" smtClean="0"/>
               <a:t>Click to edit Master text styles</a:t>
             </a:r>
+            <a:endParaRPr lang="en-US" smtClean="0"/>
           </a:p>
           <a:p>
             <a:pPr lvl="1"/>
@@ -5827,6 +5248,7 @@
               <a:rPr lang="en-US" smtClean="0"/>
               <a:t>Second level</a:t>
             </a:r>
+            <a:endParaRPr lang="en-US" smtClean="0"/>
           </a:p>
           <a:p>
             <a:pPr lvl="2"/>
@@ -5834,6 +5256,7 @@
               <a:rPr lang="en-US" smtClean="0"/>
               <a:t>Third level</a:t>
             </a:r>
+            <a:endParaRPr lang="en-US" smtClean="0"/>
           </a:p>
           <a:p>
             <a:pPr lvl="3"/>
@@ -5841,6 +5264,7 @@
               <a:rPr lang="en-US" smtClean="0"/>
               <a:t>Fourth level</a:t>
             </a:r>
+            <a:endParaRPr lang="en-US" smtClean="0"/>
           </a:p>
           <a:p>
             <a:pPr lvl="4"/>
@@ -5892,10 +5316,8 @@
                     <a:tint val="75000"/>
                   </a:prstClr>
                 </a:solidFill>
-                <a:latin typeface="Calibri"/>
-              </a:rPr>
-              <a:pPr/>
-              <a:t>3/22/18</a:t>
+                <a:latin typeface="Calibri" panose="020F0502020204030204"/>
+              </a:rPr>
             </a:fld>
             <a:endParaRPr lang="en-US">
               <a:solidFill>
@@ -5903,7 +5325,7 @@
                   <a:tint val="75000"/>
                 </a:prstClr>
               </a:solidFill>
-              <a:latin typeface="Calibri"/>
+              <a:latin typeface="Calibri" panose="020F0502020204030204"/>
             </a:endParaRPr>
           </a:p>
         </p:txBody>
@@ -5947,7 +5369,7 @@
                   <a:tint val="75000"/>
                 </a:prstClr>
               </a:solidFill>
-              <a:latin typeface="Calibri"/>
+              <a:latin typeface="Calibri" panose="020F0502020204030204"/>
             </a:endParaRPr>
           </a:p>
         </p:txBody>
@@ -5992,10 +5414,8 @@
                     <a:tint val="75000"/>
                   </a:prstClr>
                 </a:solidFill>
-                <a:latin typeface="Calibri"/>
-              </a:rPr>
-              <a:pPr/>
-              <a:t>‹#›</a:t>
+                <a:latin typeface="Calibri" panose="020F0502020204030204"/>
+              </a:rPr>
             </a:fld>
             <a:endParaRPr lang="en-US">
               <a:solidFill>
@@ -6003,31 +5423,26 @@
                   <a:tint val="75000"/>
                 </a:prstClr>
               </a:solidFill>
-              <a:latin typeface="Calibri"/>
+              <a:latin typeface="Calibri" panose="020F0502020204030204"/>
             </a:endParaRPr>
           </a:p>
         </p:txBody>
       </p:sp>
     </p:spTree>
-    <p:extLst>
-      <p:ext uri="{BB962C8B-B14F-4D97-AF65-F5344CB8AC3E}">
-        <p14:creationId xmlns:p14="http://schemas.microsoft.com/office/powerpoint/2010/main" val="2084925436"/>
-      </p:ext>
-    </p:extLst>
   </p:cSld>
   <p:clrMap bg1="lt1" tx1="dk1" bg2="lt2" tx2="dk2" accent1="accent1" accent2="accent2" accent3="accent3" accent4="accent4" accent5="accent5" accent6="accent6" hlink="hlink" folHlink="folHlink"/>
   <p:sldLayoutIdLst>
-    <p:sldLayoutId id="2147483661" r:id="rId1"/>
-    <p:sldLayoutId id="2147483662" r:id="rId2"/>
-    <p:sldLayoutId id="2147483663" r:id="rId3"/>
-    <p:sldLayoutId id="2147483664" r:id="rId4"/>
-    <p:sldLayoutId id="2147483665" r:id="rId5"/>
-    <p:sldLayoutId id="2147483666" r:id="rId6"/>
-    <p:sldLayoutId id="2147483667" r:id="rId7"/>
-    <p:sldLayoutId id="2147483668" r:id="rId8"/>
-    <p:sldLayoutId id="2147483669" r:id="rId9"/>
-    <p:sldLayoutId id="2147483670" r:id="rId10"/>
-    <p:sldLayoutId id="2147483671" r:id="rId11"/>
+    <p:sldLayoutId id="2147483649" r:id="rId1"/>
+    <p:sldLayoutId id="2147483650" r:id="rId2"/>
+    <p:sldLayoutId id="2147483651" r:id="rId3"/>
+    <p:sldLayoutId id="2147483652" r:id="rId4"/>
+    <p:sldLayoutId id="2147483653" r:id="rId5"/>
+    <p:sldLayoutId id="2147483654" r:id="rId6"/>
+    <p:sldLayoutId id="2147483655" r:id="rId7"/>
+    <p:sldLayoutId id="2147483656" r:id="rId8"/>
+    <p:sldLayoutId id="2147483657" r:id="rId9"/>
+    <p:sldLayoutId id="2147483658" r:id="rId10"/>
+    <p:sldLayoutId id="2147483659" r:id="rId11"/>
   </p:sldLayoutIdLst>
   <p:txStyles>
     <p:titleStyle>
@@ -6040,9 +5455,9 @@
           <a:solidFill>
             <a:srgbClr val="3366FF"/>
           </a:solidFill>
-          <a:latin typeface="Tahoma"/>
+          <a:latin typeface="Tahoma" panose="020B0604030504040204"/>
           <a:ea typeface="+mj-ea"/>
-          <a:cs typeface="Tahoma"/>
+          <a:cs typeface="Tahoma" panose="020B0604030504040204"/>
         </a:defRPr>
       </a:lvl1pPr>
     </p:titleStyle>
@@ -6051,82 +5466,82 @@
         <a:spcBef>
           <a:spcPct val="20000"/>
         </a:spcBef>
-        <a:buFont typeface="Arial" pitchFamily="34" charset="0"/>
+        <a:buFont typeface="Arial" panose="020B0604020202020204" pitchFamily="34" charset="0"/>
         <a:buChar char="•"/>
         <a:defRPr sz="2800" kern="1200">
           <a:solidFill>
             <a:schemeClr val="tx1"/>
           </a:solidFill>
-          <a:latin typeface="Arial"/>
+          <a:latin typeface="Arial" panose="020B0604020202020204"/>
           <a:ea typeface="+mn-ea"/>
-          <a:cs typeface="Arial"/>
+          <a:cs typeface="Arial" panose="020B0604020202020204"/>
         </a:defRPr>
       </a:lvl1pPr>
       <a:lvl2pPr marL="742950" indent="-285750" algn="l" defTabSz="914400" rtl="0" eaLnBrk="1" latinLnBrk="0" hangingPunct="1">
         <a:spcBef>
           <a:spcPct val="20000"/>
         </a:spcBef>
-        <a:buFont typeface="Arial" pitchFamily="34" charset="0"/>
+        <a:buFont typeface="Arial" panose="020B0604020202020204" pitchFamily="34" charset="0"/>
         <a:buChar char="–"/>
         <a:defRPr sz="2400" kern="1200">
           <a:solidFill>
             <a:schemeClr val="tx1"/>
           </a:solidFill>
-          <a:latin typeface="Arial"/>
+          <a:latin typeface="Arial" panose="020B0604020202020204"/>
           <a:ea typeface="+mn-ea"/>
-          <a:cs typeface="Arial"/>
+          <a:cs typeface="Arial" panose="020B0604020202020204"/>
         </a:defRPr>
       </a:lvl2pPr>
       <a:lvl3pPr marL="1143000" indent="-228600" algn="l" defTabSz="914400" rtl="0" eaLnBrk="1" latinLnBrk="0" hangingPunct="1">
         <a:spcBef>
           <a:spcPct val="20000"/>
         </a:spcBef>
-        <a:buFont typeface="Arial" pitchFamily="34" charset="0"/>
+        <a:buFont typeface="Arial" panose="020B0604020202020204" pitchFamily="34" charset="0"/>
         <a:buChar char="•"/>
         <a:defRPr sz="2000" kern="1200">
           <a:solidFill>
             <a:schemeClr val="tx1"/>
           </a:solidFill>
-          <a:latin typeface="Arial"/>
+          <a:latin typeface="Arial" panose="020B0604020202020204"/>
           <a:ea typeface="+mn-ea"/>
-          <a:cs typeface="Arial"/>
+          <a:cs typeface="Arial" panose="020B0604020202020204"/>
         </a:defRPr>
       </a:lvl3pPr>
       <a:lvl4pPr marL="1600200" indent="-228600" algn="l" defTabSz="914400" rtl="0" eaLnBrk="1" latinLnBrk="0" hangingPunct="1">
         <a:spcBef>
           <a:spcPct val="20000"/>
         </a:spcBef>
-        <a:buFont typeface="Arial" pitchFamily="34" charset="0"/>
+        <a:buFont typeface="Arial" panose="020B0604020202020204" pitchFamily="34" charset="0"/>
         <a:buChar char="–"/>
         <a:defRPr sz="1800" kern="1200">
           <a:solidFill>
             <a:schemeClr val="tx1"/>
           </a:solidFill>
-          <a:latin typeface="Arial"/>
+          <a:latin typeface="Arial" panose="020B0604020202020204"/>
           <a:ea typeface="+mn-ea"/>
-          <a:cs typeface="Arial"/>
+          <a:cs typeface="Arial" panose="020B0604020202020204"/>
         </a:defRPr>
       </a:lvl4pPr>
       <a:lvl5pPr marL="2057400" indent="-228600" algn="l" defTabSz="914400" rtl="0" eaLnBrk="1" latinLnBrk="0" hangingPunct="1">
         <a:spcBef>
           <a:spcPct val="20000"/>
         </a:spcBef>
-        <a:buFont typeface="Arial" pitchFamily="34" charset="0"/>
+        <a:buFont typeface="Arial" panose="020B0604020202020204" pitchFamily="34" charset="0"/>
         <a:buChar char="»"/>
         <a:defRPr sz="1800" kern="1200">
           <a:solidFill>
             <a:schemeClr val="tx1"/>
           </a:solidFill>
-          <a:latin typeface="Arial"/>
+          <a:latin typeface="Arial" panose="020B0604020202020204"/>
           <a:ea typeface="+mn-ea"/>
-          <a:cs typeface="Arial"/>
+          <a:cs typeface="Arial" panose="020B0604020202020204"/>
         </a:defRPr>
       </a:lvl5pPr>
       <a:lvl6pPr marL="2514600" indent="-228600" algn="l" defTabSz="914400" rtl="0" eaLnBrk="1" latinLnBrk="0" hangingPunct="1">
         <a:spcBef>
           <a:spcPct val="20000"/>
         </a:spcBef>
-        <a:buFont typeface="Arial" pitchFamily="34" charset="0"/>
+        <a:buFont typeface="Arial" panose="020B0604020202020204" pitchFamily="34" charset="0"/>
         <a:buChar char="•"/>
         <a:defRPr sz="2000" kern="1200">
           <a:solidFill>
@@ -6141,7 +5556,7 @@
         <a:spcBef>
           <a:spcPct val="20000"/>
         </a:spcBef>
-        <a:buFont typeface="Arial" pitchFamily="34" charset="0"/>
+        <a:buFont typeface="Arial" panose="020B0604020202020204" pitchFamily="34" charset="0"/>
         <a:buChar char="•"/>
         <a:defRPr sz="2000" kern="1200">
           <a:solidFill>
@@ -6156,7 +5571,7 @@
         <a:spcBef>
           <a:spcPct val="20000"/>
         </a:spcBef>
-        <a:buFont typeface="Arial" pitchFamily="34" charset="0"/>
+        <a:buFont typeface="Arial" panose="020B0604020202020204" pitchFamily="34" charset="0"/>
         <a:buChar char="•"/>
         <a:defRPr sz="2000" kern="1200">
           <a:solidFill>
@@ -6171,7 +5586,7 @@
         <a:spcBef>
           <a:spcPct val="20000"/>
         </a:spcBef>
-        <a:buFont typeface="Arial" pitchFamily="34" charset="0"/>
+        <a:buFont typeface="Arial" panose="020B0604020202020204" pitchFamily="34" charset="0"/>
         <a:buChar char="•"/>
         <a:defRPr sz="2000" kern="1200">
           <a:solidFill>
@@ -6315,30 +5730,7 @@
             <a:ext cx="7772400" cy="1470025"/>
           </a:xfrm>
           <a:noFill/>
-          <a:ln/>
           <a:effectLst/>
-          <a:extLst>
-            <a:ext uri="{91240B29-F687-4f45-9708-019B960494DF}">
-              <a14:hiddenLine xmlns="" xmlns:a14="http://schemas.microsoft.com/office/drawing/2010/main" w="9525" cap="flat" cmpd="sng">
-                <a:solidFill>
-                  <a:schemeClr val="tx1"/>
-                </a:solidFill>
-                <a:prstDash val="solid"/>
-                <a:miter lim="800000"/>
-                <a:headEnd/>
-                <a:tailEnd/>
-              </a14:hiddenLine>
-            </a:ext>
-            <a:ext uri="{AF507438-7753-43e0-B8FC-AC1667EBCBE1}">
-              <a14:hiddenEffects xmlns="" xmlns:a14="http://schemas.microsoft.com/office/drawing/2010/main">
-                <a:effectLst>
-                  <a:outerShdw blurRad="63500" dist="53882" dir="2700000" algn="ctr" rotWithShape="0">
-                    <a:srgbClr val="969696"/>
-                  </a:outerShdw>
-                </a:effectLst>
-              </a14:hiddenEffects>
-            </a:ext>
-          </a:extLst>
         </p:spPr>
         <p:txBody>
           <a:bodyPr>
@@ -6410,33 +5802,32 @@
           <a:p>
             <a:r>
               <a:rPr kumimoji="0" lang="en-US" altLang="zh-CN" dirty="0" smtClean="0">
-                <a:latin typeface="Arial" charset="0"/>
-                <a:ea typeface="宋体" charset="0"/>
+                <a:latin typeface="Arial" panose="020B0604020202020204" pitchFamily="34" charset="0"/>
+                <a:ea typeface="宋体" panose="02010600030101010101" pitchFamily="2" charset="-122"/>
               </a:rPr>
               <a:t>Yubin Xia</a:t>
             </a:r>
+            <a:endParaRPr kumimoji="0" lang="en-US" altLang="zh-CN" dirty="0" smtClean="0">
+              <a:latin typeface="Arial" panose="020B0604020202020204" pitchFamily="34" charset="0"/>
+              <a:ea typeface="宋体" panose="02010600030101010101" pitchFamily="2" charset="-122"/>
+            </a:endParaRPr>
           </a:p>
           <a:p>
             <a:r>
               <a:rPr lang="en-US" altLang="zh-CN" dirty="0" smtClean="0">
-                <a:latin typeface="Arial" charset="0"/>
-                <a:ea typeface="宋体" charset="0"/>
+                <a:latin typeface="Arial" panose="020B0604020202020204" pitchFamily="34" charset="0"/>
+                <a:ea typeface="宋体" panose="02010600030101010101" pitchFamily="2" charset="-122"/>
               </a:rPr>
               <a:t>IPADS, SJTU</a:t>
             </a:r>
             <a:endParaRPr kumimoji="0" lang="en-US" altLang="zh-CN" dirty="0">
-              <a:latin typeface="Arial" charset="0"/>
-              <a:ea typeface="宋体" charset="0"/>
+              <a:latin typeface="Arial" panose="020B0604020202020204" pitchFamily="34" charset="0"/>
+              <a:ea typeface="宋体" panose="02010600030101010101" pitchFamily="2" charset="-122"/>
             </a:endParaRPr>
           </a:p>
         </p:txBody>
       </p:sp>
     </p:spTree>
-    <p:extLst>
-      <p:ext uri="{BB962C8B-B14F-4D97-AF65-F5344CB8AC3E}">
-        <p14:creationId xmlns:p14="http://schemas.microsoft.com/office/powerpoint/2010/main" val="2954558120"/>
-      </p:ext>
-    </p:extLst>
   </p:cSld>
   <p:clrMapOvr>
     <a:masterClrMapping/>
@@ -6486,14 +5877,14 @@
           <a:p>
             <a:r>
               <a:rPr kumimoji="0" lang="en-US" altLang="zh-CN">
-                <a:latin typeface="Garamond" charset="0"/>
-                <a:ea typeface="宋体" charset="0"/>
+                <a:latin typeface="Garamond" panose="02020404030301010803" charset="0"/>
+                <a:ea typeface="宋体" panose="02010600030101010101" pitchFamily="2" charset="-122"/>
               </a:rPr>
               <a:t>Example of IPC in xv6: Pipe (pipe.c)</a:t>
             </a:r>
             <a:endParaRPr kumimoji="0" lang="zh-CN" altLang="en-US">
-              <a:latin typeface="Garamond" charset="0"/>
-              <a:ea typeface="宋体" charset="0"/>
+              <a:latin typeface="Garamond" panose="02020404030301010803" charset="0"/>
+              <a:ea typeface="宋体" panose="02010600030101010101" pitchFamily="2" charset="-122"/>
             </a:endParaRPr>
           </a:p>
         </p:txBody>
@@ -6507,7 +5898,7 @@
           <p:nvPr/>
         </p:nvPicPr>
         <p:blipFill>
-          <a:blip r:embed="rId2"/>
+          <a:blip r:embed="rId1"/>
           <a:stretch>
             <a:fillRect/>
           </a:stretch>
@@ -6523,11 +5914,6 @@
         </p:spPr>
       </p:pic>
     </p:spTree>
-    <p:extLst>
-      <p:ext uri="{BB962C8B-B14F-4D97-AF65-F5344CB8AC3E}">
-        <p14:creationId xmlns:p14="http://schemas.microsoft.com/office/powerpoint/2010/main" val="1442233555"/>
-      </p:ext>
-    </p:extLst>
   </p:cSld>
   <p:clrMapOvr>
     <a:masterClrMapping/>
@@ -6568,7 +5954,7 @@
           <p:nvPr/>
         </p:nvPicPr>
         <p:blipFill>
-          <a:blip r:embed="rId3"/>
+          <a:blip r:embed="rId1"/>
           <a:stretch>
             <a:fillRect/>
           </a:stretch>
@@ -6584,11 +5970,6 @@
         </p:spPr>
       </p:pic>
     </p:spTree>
-    <p:extLst>
-      <p:ext uri="{BB962C8B-B14F-4D97-AF65-F5344CB8AC3E}">
-        <p14:creationId xmlns:p14="http://schemas.microsoft.com/office/powerpoint/2010/main" val="1360706573"/>
-      </p:ext>
-    </p:extLst>
   </p:cSld>
   <p:clrMapOvr>
     <a:masterClrMapping/>
@@ -6629,7 +6010,7 @@
           <p:nvPr/>
         </p:nvPicPr>
         <p:blipFill>
-          <a:blip r:embed="rId3"/>
+          <a:blip r:embed="rId1"/>
           <a:stretch>
             <a:fillRect/>
           </a:stretch>
@@ -6645,11 +6026,6 @@
         </p:spPr>
       </p:pic>
     </p:spTree>
-    <p:extLst>
-      <p:ext uri="{BB962C8B-B14F-4D97-AF65-F5344CB8AC3E}">
-        <p14:creationId xmlns:p14="http://schemas.microsoft.com/office/powerpoint/2010/main" val="1168581909"/>
-      </p:ext>
-    </p:extLst>
   </p:cSld>
   <p:clrMapOvr>
     <a:masterClrMapping/>
@@ -6705,25 +6081,29 @@
           <a:p>
             <a:r>
               <a:rPr kumimoji="0" lang="en-US" altLang="zh-CN" sz="3400">
-                <a:latin typeface="Garamond" charset="0"/>
-                <a:ea typeface="宋体" charset="0"/>
+                <a:latin typeface="Garamond" panose="02020404030301010803" charset="0"/>
+                <a:ea typeface="宋体" panose="02010600030101010101" pitchFamily="2" charset="-122"/>
               </a:rPr>
               <a:t>Interprocess Communication </a:t>
             </a:r>
             <a:r>
               <a:rPr kumimoji="0" lang="en-US" altLang="zh-CN" sz="3400">
-                <a:latin typeface="Arial" charset="0"/>
-                <a:ea typeface="宋体" charset="0"/>
+                <a:latin typeface="Arial" panose="020B0604020202020204" pitchFamily="34" charset="0"/>
+                <a:ea typeface="宋体" panose="02010600030101010101" pitchFamily="2" charset="-122"/>
               </a:rPr>
               <a:t>–</a:t>
             </a:r>
             <a:r>
               <a:rPr kumimoji="0" lang="en-US" altLang="zh-CN" sz="3400">
-                <a:latin typeface="Garamond" charset="0"/>
-                <a:ea typeface="宋体" charset="0"/>
+                <a:latin typeface="Garamond" panose="02020404030301010803" charset="0"/>
+                <a:ea typeface="宋体" panose="02010600030101010101" pitchFamily="2" charset="-122"/>
               </a:rPr>
               <a:t> Message Passing</a:t>
             </a:r>
+            <a:endParaRPr kumimoji="0" lang="en-US" altLang="zh-CN" sz="3400">
+              <a:latin typeface="Garamond" panose="02020404030301010803" charset="0"/>
+              <a:ea typeface="宋体" panose="02010600030101010101" pitchFamily="2" charset="-122"/>
+            </a:endParaRPr>
           </a:p>
         </p:txBody>
       </p:sp>
@@ -6754,11 +6134,15 @@
             </a:pPr>
             <a:r>
               <a:rPr kumimoji="0" lang="en-US" altLang="zh-CN">
-                <a:latin typeface="Arial" charset="0"/>
-                <a:ea typeface="宋体" charset="0"/>
+                <a:latin typeface="Arial" panose="020B0604020202020204" pitchFamily="34" charset="0"/>
+                <a:ea typeface="宋体" panose="02010600030101010101" pitchFamily="2" charset="-122"/>
               </a:rPr>
               <a:t>Mechanism for processes to communicate and to synchronize their actions</a:t>
             </a:r>
+            <a:endParaRPr kumimoji="0" lang="en-US" altLang="zh-CN">
+              <a:latin typeface="Arial" panose="020B0604020202020204" pitchFamily="34" charset="0"/>
+              <a:ea typeface="宋体" panose="02010600030101010101" pitchFamily="2" charset="-122"/>
+            </a:endParaRPr>
           </a:p>
           <a:p>
             <a:pPr>
@@ -6767,8 +6151,8 @@
               </a:lnSpc>
             </a:pPr>
             <a:endParaRPr kumimoji="0" lang="en-US" altLang="zh-CN">
-              <a:latin typeface="Arial" charset="0"/>
-              <a:ea typeface="宋体" charset="0"/>
+              <a:latin typeface="Arial" panose="020B0604020202020204" pitchFamily="34" charset="0"/>
+              <a:ea typeface="宋体" panose="02010600030101010101" pitchFamily="2" charset="-122"/>
             </a:endParaRPr>
           </a:p>
           <a:p>
@@ -6779,11 +6163,15 @@
             </a:pPr>
             <a:r>
               <a:rPr kumimoji="0" lang="en-US" altLang="zh-CN">
-                <a:latin typeface="Arial" charset="0"/>
-                <a:ea typeface="宋体" charset="0"/>
+                <a:latin typeface="Arial" panose="020B0604020202020204" pitchFamily="34" charset="0"/>
+                <a:ea typeface="宋体" panose="02010600030101010101" pitchFamily="2" charset="-122"/>
               </a:rPr>
               <a:t>Message system</a:t>
             </a:r>
+            <a:endParaRPr kumimoji="0" lang="en-US" altLang="zh-CN">
+              <a:latin typeface="Arial" panose="020B0604020202020204" pitchFamily="34" charset="0"/>
+              <a:ea typeface="宋体" panose="02010600030101010101" pitchFamily="2" charset="-122"/>
+            </a:endParaRPr>
           </a:p>
           <a:p>
             <a:pPr lvl="1">
@@ -6793,11 +6181,15 @@
             </a:pPr>
             <a:r>
               <a:rPr kumimoji="0" lang="en-US" altLang="zh-CN">
-                <a:latin typeface="Arial" charset="0"/>
-                <a:ea typeface="宋体" charset="0"/>
+                <a:latin typeface="Arial" panose="020B0604020202020204" pitchFamily="34" charset="0"/>
+                <a:ea typeface="宋体" panose="02010600030101010101" pitchFamily="2" charset="-122"/>
               </a:rPr>
               <a:t>processes communicate with each other without resorting to shared variables</a:t>
             </a:r>
+            <a:endParaRPr kumimoji="0" lang="en-US" altLang="zh-CN">
+              <a:latin typeface="Arial" panose="020B0604020202020204" pitchFamily="34" charset="0"/>
+              <a:ea typeface="宋体" panose="02010600030101010101" pitchFamily="2" charset="-122"/>
+            </a:endParaRPr>
           </a:p>
           <a:p>
             <a:pPr>
@@ -6806,8 +6198,8 @@
               </a:lnSpc>
             </a:pPr>
             <a:endParaRPr kumimoji="0" lang="en-US" altLang="zh-CN">
-              <a:latin typeface="Arial" charset="0"/>
-              <a:ea typeface="宋体" charset="0"/>
+              <a:latin typeface="Arial" panose="020B0604020202020204" pitchFamily="34" charset="0"/>
+              <a:ea typeface="宋体" panose="02010600030101010101" pitchFamily="2" charset="-122"/>
             </a:endParaRPr>
           </a:p>
           <a:p>
@@ -6818,11 +6210,15 @@
             </a:pPr>
             <a:r>
               <a:rPr kumimoji="0" lang="en-US" altLang="zh-CN">
-                <a:latin typeface="Arial" charset="0"/>
-                <a:ea typeface="宋体" charset="0"/>
+                <a:latin typeface="Arial" panose="020B0604020202020204" pitchFamily="34" charset="0"/>
+                <a:ea typeface="宋体" panose="02010600030101010101" pitchFamily="2" charset="-122"/>
               </a:rPr>
               <a:t>IPC facility provides two operations:</a:t>
             </a:r>
+            <a:endParaRPr kumimoji="0" lang="en-US" altLang="zh-CN">
+              <a:latin typeface="Arial" panose="020B0604020202020204" pitchFamily="34" charset="0"/>
+              <a:ea typeface="宋体" panose="02010600030101010101" pitchFamily="2" charset="-122"/>
+            </a:endParaRPr>
           </a:p>
           <a:p>
             <a:pPr lvl="1">
@@ -6832,32 +6228,36 @@
             </a:pPr>
             <a:r>
               <a:rPr kumimoji="0" lang="en-US" altLang="zh-CN" b="1">
-                <a:latin typeface="Arial" charset="0"/>
-                <a:ea typeface="宋体" charset="0"/>
+                <a:latin typeface="Arial" panose="020B0604020202020204" pitchFamily="34" charset="0"/>
+                <a:ea typeface="宋体" panose="02010600030101010101" pitchFamily="2" charset="-122"/>
               </a:rPr>
               <a:t>send</a:t>
             </a:r>
             <a:r>
               <a:rPr kumimoji="0" lang="en-US" altLang="zh-CN">
-                <a:latin typeface="Arial" charset="0"/>
-                <a:ea typeface="宋体" charset="0"/>
+                <a:latin typeface="Arial" panose="020B0604020202020204" pitchFamily="34" charset="0"/>
+                <a:ea typeface="宋体" panose="02010600030101010101" pitchFamily="2" charset="-122"/>
               </a:rPr>
               <a:t>(</a:t>
             </a:r>
             <a:r>
               <a:rPr kumimoji="0" lang="en-US" altLang="zh-CN" i="1">
-                <a:latin typeface="Arial" charset="0"/>
-                <a:ea typeface="宋体" charset="0"/>
+                <a:latin typeface="Arial" panose="020B0604020202020204" pitchFamily="34" charset="0"/>
+                <a:ea typeface="宋体" panose="02010600030101010101" pitchFamily="2" charset="-122"/>
               </a:rPr>
               <a:t>message</a:t>
             </a:r>
             <a:r>
               <a:rPr kumimoji="0" lang="en-US" altLang="zh-CN">
-                <a:latin typeface="Arial" charset="0"/>
-                <a:ea typeface="宋体" charset="0"/>
+                <a:latin typeface="Arial" panose="020B0604020202020204" pitchFamily="34" charset="0"/>
+                <a:ea typeface="宋体" panose="02010600030101010101" pitchFamily="2" charset="-122"/>
               </a:rPr>
               <a:t>) – message size fixed or variable </a:t>
             </a:r>
+            <a:endParaRPr kumimoji="0" lang="en-US" altLang="zh-CN">
+              <a:latin typeface="Arial" panose="020B0604020202020204" pitchFamily="34" charset="0"/>
+              <a:ea typeface="宋体" panose="02010600030101010101" pitchFamily="2" charset="-122"/>
+            </a:endParaRPr>
           </a:p>
           <a:p>
             <a:pPr lvl="1">
@@ -6867,41 +6267,40 @@
             </a:pPr>
             <a:r>
               <a:rPr kumimoji="0" lang="en-US" altLang="zh-CN" b="1">
-                <a:latin typeface="Arial" charset="0"/>
-                <a:ea typeface="宋体" charset="0"/>
+                <a:latin typeface="Arial" panose="020B0604020202020204" pitchFamily="34" charset="0"/>
+                <a:ea typeface="宋体" panose="02010600030101010101" pitchFamily="2" charset="-122"/>
               </a:rPr>
               <a:t>receive</a:t>
             </a:r>
             <a:r>
               <a:rPr kumimoji="0" lang="en-US" altLang="zh-CN">
-                <a:latin typeface="Arial" charset="0"/>
-                <a:ea typeface="宋体" charset="0"/>
+                <a:latin typeface="Arial" panose="020B0604020202020204" pitchFamily="34" charset="0"/>
+                <a:ea typeface="宋体" panose="02010600030101010101" pitchFamily="2" charset="-122"/>
               </a:rPr>
               <a:t>(</a:t>
             </a:r>
             <a:r>
               <a:rPr kumimoji="0" lang="en-US" altLang="zh-CN" i="1">
-                <a:latin typeface="Arial" charset="0"/>
-                <a:ea typeface="宋体" charset="0"/>
+                <a:latin typeface="Arial" panose="020B0604020202020204" pitchFamily="34" charset="0"/>
+                <a:ea typeface="宋体" panose="02010600030101010101" pitchFamily="2" charset="-122"/>
               </a:rPr>
               <a:t>message</a:t>
             </a:r>
             <a:r>
               <a:rPr kumimoji="0" lang="en-US" altLang="zh-CN">
-                <a:latin typeface="Arial" charset="0"/>
-                <a:ea typeface="宋体" charset="0"/>
+                <a:latin typeface="Arial" panose="020B0604020202020204" pitchFamily="34" charset="0"/>
+                <a:ea typeface="宋体" panose="02010600030101010101" pitchFamily="2" charset="-122"/>
               </a:rPr>
               <a:t>)</a:t>
             </a:r>
+            <a:endParaRPr kumimoji="0" lang="en-US" altLang="zh-CN">
+              <a:latin typeface="Arial" panose="020B0604020202020204" pitchFamily="34" charset="0"/>
+              <a:ea typeface="宋体" panose="02010600030101010101" pitchFamily="2" charset="-122"/>
+            </a:endParaRPr>
           </a:p>
         </p:txBody>
       </p:sp>
     </p:spTree>
-    <p:extLst>
-      <p:ext uri="{BB962C8B-B14F-4D97-AF65-F5344CB8AC3E}">
-        <p14:creationId xmlns:p14="http://schemas.microsoft.com/office/powerpoint/2010/main" val="3278853542"/>
-      </p:ext>
-    </p:extLst>
   </p:cSld>
   <p:clrMapOvr>
     <a:masterClrMapping/>
@@ -6950,11 +6349,15 @@
           <a:p>
             <a:r>
               <a:rPr kumimoji="0" lang="en-US" altLang="zh-CN">
-                <a:latin typeface="Garamond" charset="0"/>
-                <a:ea typeface="宋体" charset="0"/>
+                <a:latin typeface="Garamond" panose="02020404030301010803" charset="0"/>
+                <a:ea typeface="宋体" panose="02010600030101010101" pitchFamily="2" charset="-122"/>
               </a:rPr>
               <a:t>Message Passing (Cont.)</a:t>
             </a:r>
+            <a:endParaRPr kumimoji="0" lang="en-US" altLang="zh-CN">
+              <a:latin typeface="Garamond" panose="02020404030301010803" charset="0"/>
+              <a:ea typeface="宋体" panose="02010600030101010101" pitchFamily="2" charset="-122"/>
+            </a:endParaRPr>
           </a:p>
         </p:txBody>
       </p:sp>
@@ -6975,137 +6378,156 @@
           <a:p>
             <a:r>
               <a:rPr kumimoji="0" lang="en-US" altLang="zh-CN">
-                <a:latin typeface="Arial" charset="0"/>
-                <a:ea typeface="宋体" charset="0"/>
+                <a:latin typeface="Arial" panose="020B0604020202020204" pitchFamily="34" charset="0"/>
+                <a:ea typeface="宋体" panose="02010600030101010101" pitchFamily="2" charset="-122"/>
               </a:rPr>
               <a:t>If </a:t>
             </a:r>
             <a:r>
               <a:rPr kumimoji="0" lang="en-US" altLang="zh-CN" i="1">
-                <a:latin typeface="Arial" charset="0"/>
-                <a:ea typeface="宋体" charset="0"/>
+                <a:latin typeface="Arial" panose="020B0604020202020204" pitchFamily="34" charset="0"/>
+                <a:ea typeface="宋体" panose="02010600030101010101" pitchFamily="2" charset="-122"/>
               </a:rPr>
               <a:t>P</a:t>
             </a:r>
             <a:r>
               <a:rPr kumimoji="0" lang="en-US" altLang="zh-CN">
-                <a:latin typeface="Arial" charset="0"/>
-                <a:ea typeface="宋体" charset="0"/>
+                <a:latin typeface="Arial" panose="020B0604020202020204" pitchFamily="34" charset="0"/>
+                <a:ea typeface="宋体" panose="02010600030101010101" pitchFamily="2" charset="-122"/>
               </a:rPr>
               <a:t> and </a:t>
             </a:r>
             <a:r>
               <a:rPr kumimoji="0" lang="en-US" altLang="zh-CN" i="1">
-                <a:latin typeface="Arial" charset="0"/>
-                <a:ea typeface="宋体" charset="0"/>
+                <a:latin typeface="Arial" panose="020B0604020202020204" pitchFamily="34" charset="0"/>
+                <a:ea typeface="宋体" panose="02010600030101010101" pitchFamily="2" charset="-122"/>
               </a:rPr>
               <a:t>Q</a:t>
             </a:r>
             <a:r>
               <a:rPr kumimoji="0" lang="en-US" altLang="zh-CN">
-                <a:latin typeface="Arial" charset="0"/>
-                <a:ea typeface="宋体" charset="0"/>
+                <a:latin typeface="Arial" panose="020B0604020202020204" pitchFamily="34" charset="0"/>
+                <a:ea typeface="宋体" panose="02010600030101010101" pitchFamily="2" charset="-122"/>
               </a:rPr>
               <a:t> wish to communicate, they need to:</a:t>
             </a:r>
+            <a:endParaRPr kumimoji="0" lang="en-US" altLang="zh-CN">
+              <a:latin typeface="Arial" panose="020B0604020202020204" pitchFamily="34" charset="0"/>
+              <a:ea typeface="宋体" panose="02010600030101010101" pitchFamily="2" charset="-122"/>
+            </a:endParaRPr>
           </a:p>
           <a:p>
             <a:pPr lvl="1"/>
             <a:r>
               <a:rPr kumimoji="0" lang="en-US" altLang="zh-CN">
-                <a:latin typeface="Arial" charset="0"/>
-                <a:ea typeface="宋体" charset="0"/>
+                <a:latin typeface="Arial" panose="020B0604020202020204" pitchFamily="34" charset="0"/>
+                <a:ea typeface="宋体" panose="02010600030101010101" pitchFamily="2" charset="-122"/>
               </a:rPr>
               <a:t>establish a </a:t>
             </a:r>
             <a:r>
               <a:rPr kumimoji="0" lang="en-US" altLang="zh-CN" i="1">
-                <a:latin typeface="Arial" charset="0"/>
-                <a:ea typeface="宋体" charset="0"/>
+                <a:latin typeface="Arial" panose="020B0604020202020204" pitchFamily="34" charset="0"/>
+                <a:ea typeface="宋体" panose="02010600030101010101" pitchFamily="2" charset="-122"/>
               </a:rPr>
               <a:t>communication</a:t>
             </a:r>
             <a:r>
               <a:rPr kumimoji="0" lang="en-US" altLang="zh-CN">
-                <a:latin typeface="Arial" charset="0"/>
-                <a:ea typeface="宋体" charset="0"/>
+                <a:latin typeface="Arial" panose="020B0604020202020204" pitchFamily="34" charset="0"/>
+                <a:ea typeface="宋体" panose="02010600030101010101" pitchFamily="2" charset="-122"/>
               </a:rPr>
               <a:t> </a:t>
             </a:r>
             <a:r>
               <a:rPr kumimoji="0" lang="en-US" altLang="zh-CN" i="1">
-                <a:latin typeface="Arial" charset="0"/>
-                <a:ea typeface="宋体" charset="0"/>
+                <a:latin typeface="Arial" panose="020B0604020202020204" pitchFamily="34" charset="0"/>
+                <a:ea typeface="宋体" panose="02010600030101010101" pitchFamily="2" charset="-122"/>
               </a:rPr>
               <a:t>link</a:t>
             </a:r>
             <a:r>
               <a:rPr kumimoji="0" lang="en-US" altLang="zh-CN">
-                <a:latin typeface="Arial" charset="0"/>
-                <a:ea typeface="宋体" charset="0"/>
+                <a:latin typeface="Arial" panose="020B0604020202020204" pitchFamily="34" charset="0"/>
+                <a:ea typeface="宋体" panose="02010600030101010101" pitchFamily="2" charset="-122"/>
               </a:rPr>
               <a:t> between them</a:t>
             </a:r>
+            <a:endParaRPr kumimoji="0" lang="en-US" altLang="zh-CN">
+              <a:latin typeface="Arial" panose="020B0604020202020204" pitchFamily="34" charset="0"/>
+              <a:ea typeface="宋体" panose="02010600030101010101" pitchFamily="2" charset="-122"/>
+            </a:endParaRPr>
           </a:p>
           <a:p>
             <a:pPr lvl="1"/>
             <a:r>
               <a:rPr kumimoji="0" lang="en-US" altLang="zh-CN">
-                <a:latin typeface="Arial" charset="0"/>
-                <a:ea typeface="宋体" charset="0"/>
+                <a:latin typeface="Arial" panose="020B0604020202020204" pitchFamily="34" charset="0"/>
+                <a:ea typeface="宋体" panose="02010600030101010101" pitchFamily="2" charset="-122"/>
               </a:rPr>
               <a:t>exchange messages via send/receive</a:t>
             </a:r>
-          </a:p>
-          <a:p>
             <a:endParaRPr kumimoji="0" lang="en-US" altLang="zh-CN">
-              <a:latin typeface="Arial" charset="0"/>
-              <a:ea typeface="宋体" charset="0"/>
+              <a:latin typeface="Arial" panose="020B0604020202020204" pitchFamily="34" charset="0"/>
+              <a:ea typeface="宋体" panose="02010600030101010101" pitchFamily="2" charset="-122"/>
+            </a:endParaRPr>
+          </a:p>
+          <a:p>
+            <a:endParaRPr kumimoji="0" lang="en-US" altLang="zh-CN">
+              <a:latin typeface="Arial" panose="020B0604020202020204" pitchFamily="34" charset="0"/>
+              <a:ea typeface="宋体" panose="02010600030101010101" pitchFamily="2" charset="-122"/>
             </a:endParaRPr>
           </a:p>
           <a:p>
             <a:r>
               <a:rPr kumimoji="0" lang="en-US" altLang="zh-CN">
-                <a:latin typeface="Arial" charset="0"/>
-                <a:ea typeface="宋体" charset="0"/>
+                <a:latin typeface="Arial" panose="020B0604020202020204" pitchFamily="34" charset="0"/>
+                <a:ea typeface="宋体" panose="02010600030101010101" pitchFamily="2" charset="-122"/>
               </a:rPr>
               <a:t>Implementation of communication link</a:t>
             </a:r>
+            <a:endParaRPr kumimoji="0" lang="en-US" altLang="zh-CN">
+              <a:latin typeface="Arial" panose="020B0604020202020204" pitchFamily="34" charset="0"/>
+              <a:ea typeface="宋体" panose="02010600030101010101" pitchFamily="2" charset="-122"/>
+            </a:endParaRPr>
           </a:p>
           <a:p>
             <a:pPr lvl="1"/>
             <a:r>
               <a:rPr kumimoji="0" lang="en-US" altLang="zh-CN">
-                <a:latin typeface="Arial" charset="0"/>
-                <a:ea typeface="宋体" charset="0"/>
+                <a:latin typeface="Arial" panose="020B0604020202020204" pitchFamily="34" charset="0"/>
+                <a:ea typeface="宋体" panose="02010600030101010101" pitchFamily="2" charset="-122"/>
               </a:rPr>
               <a:t>physical (e.g., shared memory, hardware bus)</a:t>
             </a:r>
+            <a:endParaRPr kumimoji="0" lang="en-US" altLang="zh-CN">
+              <a:latin typeface="Arial" panose="020B0604020202020204" pitchFamily="34" charset="0"/>
+              <a:ea typeface="宋体" panose="02010600030101010101" pitchFamily="2" charset="-122"/>
+            </a:endParaRPr>
           </a:p>
           <a:p>
             <a:pPr lvl="1"/>
             <a:r>
               <a:rPr kumimoji="0" lang="en-US" altLang="zh-CN">
-                <a:latin typeface="Arial" charset="0"/>
-                <a:ea typeface="宋体" charset="0"/>
+                <a:latin typeface="Arial" panose="020B0604020202020204" pitchFamily="34" charset="0"/>
+                <a:ea typeface="宋体" panose="02010600030101010101" pitchFamily="2" charset="-122"/>
               </a:rPr>
               <a:t>logical (e.g., logical properties)</a:t>
             </a:r>
+            <a:endParaRPr kumimoji="0" lang="en-US" altLang="zh-CN">
+              <a:latin typeface="Arial" panose="020B0604020202020204" pitchFamily="34" charset="0"/>
+              <a:ea typeface="宋体" panose="02010600030101010101" pitchFamily="2" charset="-122"/>
+            </a:endParaRPr>
           </a:p>
           <a:p>
             <a:endParaRPr kumimoji="0" lang="zh-CN" altLang="en-US">
-              <a:latin typeface="Arial" charset="0"/>
-              <a:ea typeface="宋体" charset="0"/>
+              <a:latin typeface="Arial" panose="020B0604020202020204" pitchFamily="34" charset="0"/>
+              <a:ea typeface="宋体" panose="02010600030101010101" pitchFamily="2" charset="-122"/>
             </a:endParaRPr>
           </a:p>
         </p:txBody>
       </p:sp>
     </p:spTree>
-    <p:extLst>
-      <p:ext uri="{BB962C8B-B14F-4D97-AF65-F5344CB8AC3E}">
-        <p14:creationId xmlns:p14="http://schemas.microsoft.com/office/powerpoint/2010/main" val="1908055528"/>
-      </p:ext>
-    </p:extLst>
   </p:cSld>
   <p:clrMapOvr>
     <a:masterClrMapping/>
@@ -7159,11 +6581,15 @@
           <a:p>
             <a:r>
               <a:rPr kumimoji="0" lang="en-US" altLang="zh-CN">
-                <a:latin typeface="Garamond" charset="0"/>
-                <a:ea typeface="宋体" charset="0"/>
+                <a:latin typeface="Garamond" panose="02020404030301010803" charset="0"/>
+                <a:ea typeface="宋体" panose="02010600030101010101" pitchFamily="2" charset="-122"/>
               </a:rPr>
               <a:t>Implementation Questions</a:t>
             </a:r>
+            <a:endParaRPr kumimoji="0" lang="en-US" altLang="zh-CN">
+              <a:latin typeface="Garamond" panose="02020404030301010803" charset="0"/>
+              <a:ea typeface="宋体" panose="02010600030101010101" pitchFamily="2" charset="-122"/>
+            </a:endParaRPr>
           </a:p>
         </p:txBody>
       </p:sp>
@@ -7189,75 +6615,94 @@
           <a:p>
             <a:r>
               <a:rPr kumimoji="0" lang="en-US" altLang="zh-CN">
-                <a:latin typeface="Arial" charset="0"/>
-                <a:ea typeface="宋体" charset="0"/>
+                <a:latin typeface="Arial" panose="020B0604020202020204" pitchFamily="34" charset="0"/>
+                <a:ea typeface="宋体" panose="02010600030101010101" pitchFamily="2" charset="-122"/>
               </a:rPr>
               <a:t>How are links established?</a:t>
             </a:r>
+            <a:endParaRPr kumimoji="0" lang="en-US" altLang="zh-CN">
+              <a:latin typeface="Arial" panose="020B0604020202020204" pitchFamily="34" charset="0"/>
+              <a:ea typeface="宋体" panose="02010600030101010101" pitchFamily="2" charset="-122"/>
+            </a:endParaRPr>
           </a:p>
           <a:p>
             <a:r>
               <a:rPr kumimoji="0" lang="en-US" altLang="zh-CN">
-                <a:latin typeface="Arial" charset="0"/>
-                <a:ea typeface="宋体" charset="0"/>
+                <a:latin typeface="Arial" panose="020B0604020202020204" pitchFamily="34" charset="0"/>
+                <a:ea typeface="宋体" panose="02010600030101010101" pitchFamily="2" charset="-122"/>
               </a:rPr>
               <a:t>Can a link be associated with more than two processes?</a:t>
             </a:r>
+            <a:endParaRPr kumimoji="0" lang="en-US" altLang="zh-CN">
+              <a:latin typeface="Arial" panose="020B0604020202020204" pitchFamily="34" charset="0"/>
+              <a:ea typeface="宋体" panose="02010600030101010101" pitchFamily="2" charset="-122"/>
+            </a:endParaRPr>
           </a:p>
           <a:p>
             <a:r>
               <a:rPr kumimoji="0" lang="en-US" altLang="zh-CN">
-                <a:latin typeface="Arial" charset="0"/>
-                <a:ea typeface="宋体" charset="0"/>
+                <a:latin typeface="Arial" panose="020B0604020202020204" pitchFamily="34" charset="0"/>
+                <a:ea typeface="宋体" panose="02010600030101010101" pitchFamily="2" charset="-122"/>
               </a:rPr>
               <a:t>How many links can be between every pair of communicating processes?</a:t>
             </a:r>
+            <a:endParaRPr kumimoji="0" lang="en-US" altLang="zh-CN">
+              <a:latin typeface="Arial" panose="020B0604020202020204" pitchFamily="34" charset="0"/>
+              <a:ea typeface="宋体" panose="02010600030101010101" pitchFamily="2" charset="-122"/>
+            </a:endParaRPr>
           </a:p>
           <a:p>
             <a:r>
               <a:rPr kumimoji="0" lang="en-US" altLang="zh-CN">
-                <a:latin typeface="Arial" charset="0"/>
-                <a:ea typeface="宋体" charset="0"/>
+                <a:latin typeface="Arial" panose="020B0604020202020204" pitchFamily="34" charset="0"/>
+                <a:ea typeface="宋体" panose="02010600030101010101" pitchFamily="2" charset="-122"/>
               </a:rPr>
               <a:t>What is the capacity of a link?</a:t>
             </a:r>
+            <a:endParaRPr kumimoji="0" lang="en-US" altLang="zh-CN">
+              <a:latin typeface="Arial" panose="020B0604020202020204" pitchFamily="34" charset="0"/>
+              <a:ea typeface="宋体" panose="02010600030101010101" pitchFamily="2" charset="-122"/>
+            </a:endParaRPr>
           </a:p>
           <a:p>
             <a:r>
               <a:rPr kumimoji="0" lang="en-US" altLang="zh-CN">
-                <a:latin typeface="Arial" charset="0"/>
-                <a:ea typeface="宋体" charset="0"/>
+                <a:latin typeface="Arial" panose="020B0604020202020204" pitchFamily="34" charset="0"/>
+                <a:ea typeface="宋体" panose="02010600030101010101" pitchFamily="2" charset="-122"/>
               </a:rPr>
               <a:t>Is the size of a message that the link can accommodate fixed or variable?</a:t>
             </a:r>
+            <a:endParaRPr kumimoji="0" lang="en-US" altLang="zh-CN">
+              <a:latin typeface="Arial" panose="020B0604020202020204" pitchFamily="34" charset="0"/>
+              <a:ea typeface="宋体" panose="02010600030101010101" pitchFamily="2" charset="-122"/>
+            </a:endParaRPr>
           </a:p>
           <a:p>
             <a:r>
               <a:rPr kumimoji="0" lang="en-US" altLang="zh-CN">
-                <a:latin typeface="Arial" charset="0"/>
-                <a:ea typeface="宋体" charset="0"/>
+                <a:latin typeface="Arial" panose="020B0604020202020204" pitchFamily="34" charset="0"/>
+                <a:ea typeface="宋体" panose="02010600030101010101" pitchFamily="2" charset="-122"/>
               </a:rPr>
               <a:t>Is a link unidirectional or bi-directional?</a:t>
             </a:r>
+            <a:endParaRPr kumimoji="0" lang="en-US" altLang="zh-CN">
+              <a:latin typeface="Arial" panose="020B0604020202020204" pitchFamily="34" charset="0"/>
+              <a:ea typeface="宋体" panose="02010600030101010101" pitchFamily="2" charset="-122"/>
+            </a:endParaRPr>
           </a:p>
         </p:txBody>
       </p:sp>
     </p:spTree>
-    <p:extLst>
-      <p:ext uri="{BB962C8B-B14F-4D97-AF65-F5344CB8AC3E}">
-        <p14:creationId xmlns:p14="http://schemas.microsoft.com/office/powerpoint/2010/main" val="504234475"/>
-      </p:ext>
-    </p:extLst>
   </p:cSld>
   <p:clrMapOvr>
     <a:masterClrMapping/>
   </p:clrMapOvr>
-  <mc:AlternateContent xmlns:mc="http://schemas.openxmlformats.org/markup-compatibility/2006" xmlns:p14="http://schemas.microsoft.com/office/powerpoint/2010/main">
-    <mc:Choice Requires="p14">
+  <mc:AlternateContent xmlns:mc="http://schemas.openxmlformats.org/markup-compatibility/2006">
+    <mc:Choice xmlns:p14="http://schemas.microsoft.com/office/powerpoint/2010/main" Requires="p14">
       <p:transition spd="slow" p14:dur="2000"/>
     </mc:Choice>
-    <mc:Fallback xmlns="">
-      <p:transition xmlns:p14="http://schemas.microsoft.com/office/powerpoint/2010/main" spd="slow"/>
+    <mc:Fallback>
+      <p:transition spd="slow"/>
     </mc:Fallback>
   </mc:AlternateContent>
   <p:timing>
@@ -7309,11 +6754,15 @@
           <a:p>
             <a:r>
               <a:rPr kumimoji="0" lang="en-US" altLang="zh-CN">
-                <a:latin typeface="Garamond" charset="0"/>
-                <a:ea typeface="宋体" charset="0"/>
+                <a:latin typeface="Garamond" panose="02020404030301010803" charset="0"/>
+                <a:ea typeface="宋体" panose="02010600030101010101" pitchFamily="2" charset="-122"/>
               </a:rPr>
               <a:t>Direct Communication</a:t>
             </a:r>
+            <a:endParaRPr kumimoji="0" lang="en-US" altLang="zh-CN">
+              <a:latin typeface="Garamond" panose="02020404030301010803" charset="0"/>
+              <a:ea typeface="宋体" panose="02010600030101010101" pitchFamily="2" charset="-122"/>
+            </a:endParaRPr>
           </a:p>
         </p:txBody>
       </p:sp>
@@ -7339,131 +6788,158 @@
           <a:p>
             <a:r>
               <a:rPr kumimoji="0" lang="en-US" altLang="zh-CN">
-                <a:latin typeface="Arial" charset="0"/>
-                <a:ea typeface="宋体" charset="0"/>
+                <a:latin typeface="Arial" panose="020B0604020202020204" pitchFamily="34" charset="0"/>
+                <a:ea typeface="宋体" panose="02010600030101010101" pitchFamily="2" charset="-122"/>
               </a:rPr>
               <a:t>Processes must name each other explicitly:</a:t>
             </a:r>
+            <a:endParaRPr kumimoji="0" lang="en-US" altLang="zh-CN">
+              <a:latin typeface="Arial" panose="020B0604020202020204" pitchFamily="34" charset="0"/>
+              <a:ea typeface="宋体" panose="02010600030101010101" pitchFamily="2" charset="-122"/>
+            </a:endParaRPr>
           </a:p>
           <a:p>
             <a:pPr lvl="1"/>
             <a:r>
               <a:rPr kumimoji="0" lang="en-US" altLang="zh-CN" b="1">
-                <a:latin typeface="Arial" charset="0"/>
-                <a:ea typeface="宋体" charset="0"/>
+                <a:latin typeface="Arial" panose="020B0604020202020204" pitchFamily="34" charset="0"/>
+                <a:ea typeface="宋体" panose="02010600030101010101" pitchFamily="2" charset="-122"/>
               </a:rPr>
               <a:t>send</a:t>
             </a:r>
             <a:r>
               <a:rPr kumimoji="0" lang="en-US" altLang="zh-CN">
-                <a:latin typeface="Arial" charset="0"/>
-                <a:ea typeface="宋体" charset="0"/>
+                <a:latin typeface="Arial" panose="020B0604020202020204" pitchFamily="34" charset="0"/>
+                <a:ea typeface="宋体" panose="02010600030101010101" pitchFamily="2" charset="-122"/>
               </a:rPr>
               <a:t> (</a:t>
             </a:r>
             <a:r>
               <a:rPr kumimoji="0" lang="en-US" altLang="zh-CN" i="1">
-                <a:latin typeface="Arial" charset="0"/>
-                <a:ea typeface="宋体" charset="0"/>
+                <a:latin typeface="Arial" panose="020B0604020202020204" pitchFamily="34" charset="0"/>
+                <a:ea typeface="宋体" panose="02010600030101010101" pitchFamily="2" charset="-122"/>
               </a:rPr>
               <a:t>P, message</a:t>
             </a:r>
             <a:r>
               <a:rPr kumimoji="0" lang="en-US" altLang="zh-CN">
-                <a:latin typeface="Arial" charset="0"/>
-                <a:ea typeface="宋体" charset="0"/>
+                <a:latin typeface="Arial" panose="020B0604020202020204" pitchFamily="34" charset="0"/>
+                <a:ea typeface="宋体" panose="02010600030101010101" pitchFamily="2" charset="-122"/>
               </a:rPr>
               <a:t>) – send a message to process P</a:t>
             </a:r>
+            <a:endParaRPr kumimoji="0" lang="en-US" altLang="zh-CN">
+              <a:latin typeface="Arial" panose="020B0604020202020204" pitchFamily="34" charset="0"/>
+              <a:ea typeface="宋体" panose="02010600030101010101" pitchFamily="2" charset="-122"/>
+            </a:endParaRPr>
           </a:p>
           <a:p>
             <a:pPr lvl="1"/>
             <a:r>
               <a:rPr kumimoji="0" lang="en-US" altLang="zh-CN" b="1">
-                <a:latin typeface="Arial" charset="0"/>
-                <a:ea typeface="宋体" charset="0"/>
+                <a:latin typeface="Arial" panose="020B0604020202020204" pitchFamily="34" charset="0"/>
+                <a:ea typeface="宋体" panose="02010600030101010101" pitchFamily="2" charset="-122"/>
               </a:rPr>
               <a:t>receive</a:t>
             </a:r>
             <a:r>
               <a:rPr kumimoji="0" lang="en-US" altLang="zh-CN">
-                <a:latin typeface="Arial" charset="0"/>
-                <a:ea typeface="宋体" charset="0"/>
+                <a:latin typeface="Arial" panose="020B0604020202020204" pitchFamily="34" charset="0"/>
+                <a:ea typeface="宋体" panose="02010600030101010101" pitchFamily="2" charset="-122"/>
               </a:rPr>
               <a:t>(</a:t>
             </a:r>
             <a:r>
               <a:rPr kumimoji="0" lang="en-US" altLang="zh-CN" i="1">
-                <a:latin typeface="Arial" charset="0"/>
-                <a:ea typeface="宋体" charset="0"/>
+                <a:latin typeface="Arial" panose="020B0604020202020204" pitchFamily="34" charset="0"/>
+                <a:ea typeface="宋体" panose="02010600030101010101" pitchFamily="2" charset="-122"/>
               </a:rPr>
               <a:t>Q, message</a:t>
             </a:r>
             <a:r>
               <a:rPr kumimoji="0" lang="en-US" altLang="zh-CN">
-                <a:latin typeface="Arial" charset="0"/>
-                <a:ea typeface="宋体" charset="0"/>
+                <a:latin typeface="Arial" panose="020B0604020202020204" pitchFamily="34" charset="0"/>
+                <a:ea typeface="宋体" panose="02010600030101010101" pitchFamily="2" charset="-122"/>
               </a:rPr>
               <a:t>) – receive a message from process Q</a:t>
             </a:r>
+            <a:endParaRPr kumimoji="0" lang="en-US" altLang="zh-CN">
+              <a:latin typeface="Arial" panose="020B0604020202020204" pitchFamily="34" charset="0"/>
+              <a:ea typeface="宋体" panose="02010600030101010101" pitchFamily="2" charset="-122"/>
+            </a:endParaRPr>
           </a:p>
           <a:p>
             <a:r>
               <a:rPr kumimoji="0" lang="en-US" altLang="zh-CN">
-                <a:latin typeface="Arial" charset="0"/>
-                <a:ea typeface="宋体" charset="0"/>
+                <a:latin typeface="Arial" panose="020B0604020202020204" pitchFamily="34" charset="0"/>
+                <a:ea typeface="宋体" panose="02010600030101010101" pitchFamily="2" charset="-122"/>
               </a:rPr>
               <a:t>Properties of communication link</a:t>
             </a:r>
+            <a:endParaRPr kumimoji="0" lang="en-US" altLang="zh-CN">
+              <a:latin typeface="Arial" panose="020B0604020202020204" pitchFamily="34" charset="0"/>
+              <a:ea typeface="宋体" panose="02010600030101010101" pitchFamily="2" charset="-122"/>
+            </a:endParaRPr>
           </a:p>
           <a:p>
             <a:pPr lvl="1"/>
             <a:r>
               <a:rPr kumimoji="0" lang="en-US" altLang="zh-CN">
-                <a:latin typeface="Arial" charset="0"/>
-                <a:ea typeface="宋体" charset="0"/>
+                <a:latin typeface="Arial" panose="020B0604020202020204" pitchFamily="34" charset="0"/>
+                <a:ea typeface="宋体" panose="02010600030101010101" pitchFamily="2" charset="-122"/>
               </a:rPr>
               <a:t>Links are established automatically</a:t>
             </a:r>
+            <a:endParaRPr kumimoji="0" lang="en-US" altLang="zh-CN">
+              <a:latin typeface="Arial" panose="020B0604020202020204" pitchFamily="34" charset="0"/>
+              <a:ea typeface="宋体" panose="02010600030101010101" pitchFamily="2" charset="-122"/>
+            </a:endParaRPr>
           </a:p>
           <a:p>
             <a:pPr lvl="1"/>
             <a:r>
               <a:rPr kumimoji="0" lang="en-US" altLang="zh-CN">
-                <a:latin typeface="Arial" charset="0"/>
-                <a:ea typeface="宋体" charset="0"/>
+                <a:latin typeface="Arial" panose="020B0604020202020204" pitchFamily="34" charset="0"/>
+                <a:ea typeface="宋体" panose="02010600030101010101" pitchFamily="2" charset="-122"/>
               </a:rPr>
               <a:t>A link is associated with exactly one pair of communicating processes</a:t>
             </a:r>
+            <a:endParaRPr kumimoji="0" lang="en-US" altLang="zh-CN">
+              <a:latin typeface="Arial" panose="020B0604020202020204" pitchFamily="34" charset="0"/>
+              <a:ea typeface="宋体" panose="02010600030101010101" pitchFamily="2" charset="-122"/>
+            </a:endParaRPr>
           </a:p>
           <a:p>
             <a:pPr lvl="1"/>
             <a:r>
               <a:rPr kumimoji="0" lang="en-US" altLang="zh-CN">
-                <a:latin typeface="Arial" charset="0"/>
-                <a:ea typeface="宋体" charset="0"/>
+                <a:latin typeface="Arial" panose="020B0604020202020204" pitchFamily="34" charset="0"/>
+                <a:ea typeface="宋体" panose="02010600030101010101" pitchFamily="2" charset="-122"/>
               </a:rPr>
               <a:t>Between each pair there exists exactly one link</a:t>
             </a:r>
+            <a:endParaRPr kumimoji="0" lang="en-US" altLang="zh-CN">
+              <a:latin typeface="Arial" panose="020B0604020202020204" pitchFamily="34" charset="0"/>
+              <a:ea typeface="宋体" panose="02010600030101010101" pitchFamily="2" charset="-122"/>
+            </a:endParaRPr>
           </a:p>
           <a:p>
             <a:pPr lvl="1"/>
             <a:r>
               <a:rPr kumimoji="0" lang="en-US" altLang="zh-CN">
-                <a:latin typeface="Arial" charset="0"/>
-                <a:ea typeface="宋体" charset="0"/>
+                <a:latin typeface="Arial" panose="020B0604020202020204" pitchFamily="34" charset="0"/>
+                <a:ea typeface="宋体" panose="02010600030101010101" pitchFamily="2" charset="-122"/>
               </a:rPr>
               <a:t>The link may be unidirectional, but is usually bi-directional</a:t>
             </a:r>
+            <a:endParaRPr kumimoji="0" lang="en-US" altLang="zh-CN">
+              <a:latin typeface="Arial" panose="020B0604020202020204" pitchFamily="34" charset="0"/>
+              <a:ea typeface="宋体" panose="02010600030101010101" pitchFamily="2" charset="-122"/>
+            </a:endParaRPr>
           </a:p>
         </p:txBody>
       </p:sp>
     </p:spTree>
-    <p:extLst>
-      <p:ext uri="{BB962C8B-B14F-4D97-AF65-F5344CB8AC3E}">
-        <p14:creationId xmlns:p14="http://schemas.microsoft.com/office/powerpoint/2010/main" val="3161003667"/>
-      </p:ext>
-    </p:extLst>
   </p:cSld>
   <p:clrMapOvr>
     <a:masterClrMapping/>
@@ -7477,13 +6953,13 @@
               <p:cTn id="2" dur="indefinite" nodeType="mainSeq">
                 <p:childTnLst>
                   <p:par>
-                    <p:cTn id="3" fill="hold" nodeType="clickPar">
+                    <p:cTn id="3" fill="hold">
                       <p:stCondLst>
                         <p:cond delay="indefinite"/>
                       </p:stCondLst>
                       <p:childTnLst>
                         <p:par>
-                          <p:cTn id="4" fill="hold" nodeType="withGroup">
+                          <p:cTn id="4" fill="hold">
                             <p:stCondLst>
                               <p:cond delay="0"/>
                             </p:stCondLst>
@@ -7588,13 +7064,13 @@
                     </p:cTn>
                   </p:par>
                   <p:par>
-                    <p:cTn id="11" fill="hold" nodeType="clickPar">
+                    <p:cTn id="11" fill="hold">
                       <p:stCondLst>
                         <p:cond delay="indefinite"/>
                       </p:stCondLst>
                       <p:childTnLst>
                         <p:par>
-                          <p:cTn id="12" fill="hold" nodeType="withGroup">
+                          <p:cTn id="12" fill="hold">
                             <p:stCondLst>
                               <p:cond delay="0"/>
                             </p:stCondLst>
@@ -7827,11 +7303,15 @@
           <a:p>
             <a:r>
               <a:rPr kumimoji="0" lang="en-US" altLang="zh-CN">
-                <a:latin typeface="Garamond" charset="0"/>
-                <a:ea typeface="宋体" charset="0"/>
+                <a:latin typeface="Garamond" panose="02020404030301010803" charset="0"/>
+                <a:ea typeface="宋体" panose="02010600030101010101" pitchFamily="2" charset="-122"/>
               </a:rPr>
               <a:t>Indirect Communication</a:t>
             </a:r>
+            <a:endParaRPr kumimoji="0" lang="en-US" altLang="zh-CN">
+              <a:latin typeface="Garamond" panose="02020404030301010803" charset="0"/>
+              <a:ea typeface="宋体" panose="02010600030101010101" pitchFamily="2" charset="-122"/>
+            </a:endParaRPr>
           </a:p>
         </p:txBody>
       </p:sp>
@@ -7857,40 +7337,47 @@
           <a:p>
             <a:r>
               <a:rPr kumimoji="0" lang="en-US" altLang="zh-CN">
-                <a:latin typeface="Arial" charset="0"/>
-                <a:ea typeface="宋体" charset="0"/>
+                <a:latin typeface="Arial" panose="020B0604020202020204" pitchFamily="34" charset="0"/>
+                <a:ea typeface="宋体" panose="02010600030101010101" pitchFamily="2" charset="-122"/>
               </a:rPr>
               <a:t>Messages are directed and received from mailboxes (also referred to as ports)</a:t>
             </a:r>
+            <a:endParaRPr kumimoji="0" lang="en-US" altLang="zh-CN">
+              <a:latin typeface="Arial" panose="020B0604020202020204" pitchFamily="34" charset="0"/>
+              <a:ea typeface="宋体" panose="02010600030101010101" pitchFamily="2" charset="-122"/>
+            </a:endParaRPr>
           </a:p>
           <a:p>
             <a:pPr lvl="1"/>
             <a:r>
               <a:rPr kumimoji="0" lang="en-US" altLang="zh-CN">
-                <a:latin typeface="Arial" charset="0"/>
-                <a:ea typeface="宋体" charset="0"/>
+                <a:latin typeface="Arial" panose="020B0604020202020204" pitchFamily="34" charset="0"/>
+                <a:ea typeface="宋体" panose="02010600030101010101" pitchFamily="2" charset="-122"/>
               </a:rPr>
               <a:t>Each mailbox has a unique id</a:t>
             </a:r>
+            <a:endParaRPr kumimoji="0" lang="en-US" altLang="zh-CN">
+              <a:latin typeface="Arial" panose="020B0604020202020204" pitchFamily="34" charset="0"/>
+              <a:ea typeface="宋体" panose="02010600030101010101" pitchFamily="2" charset="-122"/>
+            </a:endParaRPr>
           </a:p>
           <a:p>
             <a:pPr lvl="1"/>
             <a:r>
               <a:rPr kumimoji="0" lang="en-US" altLang="zh-CN">
-                <a:latin typeface="Arial" charset="0"/>
-                <a:ea typeface="宋体" charset="0"/>
+                <a:latin typeface="Arial" panose="020B0604020202020204" pitchFamily="34" charset="0"/>
+                <a:ea typeface="宋体" panose="02010600030101010101" pitchFamily="2" charset="-122"/>
               </a:rPr>
               <a:t>Processes can communicate only if they share a mailbox</a:t>
             </a:r>
+            <a:endParaRPr kumimoji="0" lang="en-US" altLang="zh-CN">
+              <a:latin typeface="Arial" panose="020B0604020202020204" pitchFamily="34" charset="0"/>
+              <a:ea typeface="宋体" panose="02010600030101010101" pitchFamily="2" charset="-122"/>
+            </a:endParaRPr>
           </a:p>
         </p:txBody>
       </p:sp>
     </p:spTree>
-    <p:extLst>
-      <p:ext uri="{BB962C8B-B14F-4D97-AF65-F5344CB8AC3E}">
-        <p14:creationId xmlns:p14="http://schemas.microsoft.com/office/powerpoint/2010/main" val="2513602517"/>
-      </p:ext>
-    </p:extLst>
   </p:cSld>
   <p:clrMapOvr>
     <a:masterClrMapping/>
@@ -7939,14 +7426,14 @@
           <a:p>
             <a:r>
               <a:rPr kumimoji="0" lang="en-US" altLang="zh-CN">
-                <a:latin typeface="Garamond" charset="0"/>
-                <a:ea typeface="宋体" charset="0"/>
+                <a:latin typeface="Garamond" panose="02020404030301010803" charset="0"/>
+                <a:ea typeface="宋体" panose="02010600030101010101" pitchFamily="2" charset="-122"/>
               </a:rPr>
               <a:t>Indirect Communication</a:t>
             </a:r>
             <a:endParaRPr kumimoji="0" lang="zh-CN" altLang="en-US">
-              <a:latin typeface="Garamond" charset="0"/>
-              <a:ea typeface="宋体" charset="0"/>
+              <a:latin typeface="Garamond" panose="02020404030301010803" charset="0"/>
+              <a:ea typeface="宋体" panose="02010600030101010101" pitchFamily="2" charset="-122"/>
             </a:endParaRPr>
           </a:p>
         </p:txBody>
@@ -7968,66 +7455,81 @@
           <a:p>
             <a:r>
               <a:rPr kumimoji="0" lang="en-US" altLang="zh-CN">
-                <a:latin typeface="Arial" charset="0"/>
-                <a:ea typeface="宋体" charset="0"/>
+                <a:latin typeface="Arial" panose="020B0604020202020204" pitchFamily="34" charset="0"/>
+                <a:ea typeface="宋体" panose="02010600030101010101" pitchFamily="2" charset="-122"/>
               </a:rPr>
               <a:t>Properties of communication link</a:t>
             </a:r>
+            <a:endParaRPr kumimoji="0" lang="en-US" altLang="zh-CN">
+              <a:latin typeface="Arial" panose="020B0604020202020204" pitchFamily="34" charset="0"/>
+              <a:ea typeface="宋体" panose="02010600030101010101" pitchFamily="2" charset="-122"/>
+            </a:endParaRPr>
           </a:p>
           <a:p>
             <a:pPr lvl="1"/>
             <a:r>
               <a:rPr kumimoji="0" lang="en-US" altLang="zh-CN">
-                <a:latin typeface="Arial" charset="0"/>
-                <a:ea typeface="宋体" charset="0"/>
+                <a:latin typeface="Arial" panose="020B0604020202020204" pitchFamily="34" charset="0"/>
+                <a:ea typeface="宋体" panose="02010600030101010101" pitchFamily="2" charset="-122"/>
               </a:rPr>
               <a:t>Link established only if processes share a common mailbox</a:t>
             </a:r>
+            <a:endParaRPr kumimoji="0" lang="en-US" altLang="zh-CN">
+              <a:latin typeface="Arial" panose="020B0604020202020204" pitchFamily="34" charset="0"/>
+              <a:ea typeface="宋体" panose="02010600030101010101" pitchFamily="2" charset="-122"/>
+            </a:endParaRPr>
           </a:p>
           <a:p>
             <a:pPr lvl="1"/>
             <a:r>
               <a:rPr kumimoji="0" lang="en-US" altLang="zh-CN">
-                <a:latin typeface="Arial" charset="0"/>
-                <a:ea typeface="宋体" charset="0"/>
+                <a:latin typeface="Arial" panose="020B0604020202020204" pitchFamily="34" charset="0"/>
+                <a:ea typeface="宋体" panose="02010600030101010101" pitchFamily="2" charset="-122"/>
               </a:rPr>
               <a:t>A link may be associated with many processes</a:t>
             </a:r>
+            <a:endParaRPr kumimoji="0" lang="en-US" altLang="zh-CN">
+              <a:latin typeface="Arial" panose="020B0604020202020204" pitchFamily="34" charset="0"/>
+              <a:ea typeface="宋体" panose="02010600030101010101" pitchFamily="2" charset="-122"/>
+            </a:endParaRPr>
           </a:p>
           <a:p>
             <a:pPr lvl="1"/>
             <a:r>
               <a:rPr kumimoji="0" lang="en-US" altLang="zh-CN">
-                <a:latin typeface="Arial" charset="0"/>
-                <a:ea typeface="宋体" charset="0"/>
+                <a:latin typeface="Arial" panose="020B0604020202020204" pitchFamily="34" charset="0"/>
+                <a:ea typeface="宋体" panose="02010600030101010101" pitchFamily="2" charset="-122"/>
               </a:rPr>
               <a:t>Each pair of processes may share several communication links</a:t>
             </a:r>
+            <a:endParaRPr kumimoji="0" lang="en-US" altLang="zh-CN">
+              <a:latin typeface="Arial" panose="020B0604020202020204" pitchFamily="34" charset="0"/>
+              <a:ea typeface="宋体" panose="02010600030101010101" pitchFamily="2" charset="-122"/>
+            </a:endParaRPr>
           </a:p>
           <a:p>
             <a:pPr lvl="1"/>
             <a:r>
               <a:rPr kumimoji="0" lang="en-US" altLang="zh-CN">
-                <a:latin typeface="Arial" charset="0"/>
-                <a:ea typeface="宋体" charset="0"/>
+                <a:latin typeface="Arial" panose="020B0604020202020204" pitchFamily="34" charset="0"/>
+                <a:ea typeface="宋体" panose="02010600030101010101" pitchFamily="2" charset="-122"/>
               </a:rPr>
               <a:t>Link may be unidirectional or bi-directional</a:t>
             </a:r>
+            <a:endParaRPr kumimoji="0" lang="en-US" altLang="zh-CN">
+              <a:latin typeface="Arial" panose="020B0604020202020204" pitchFamily="34" charset="0"/>
+              <a:ea typeface="宋体" panose="02010600030101010101" pitchFamily="2" charset="-122"/>
+            </a:endParaRPr>
           </a:p>
           <a:p>
             <a:endParaRPr kumimoji="0" lang="zh-CN" altLang="en-US">
-              <a:latin typeface="Arial" charset="0"/>
-              <a:ea typeface="宋体" charset="0"/>
+              <a:latin typeface="Arial" panose="020B0604020202020204" pitchFamily="34" charset="0"/>
+              <a:ea typeface="宋体" panose="02010600030101010101" pitchFamily="2" charset="-122"/>
             </a:endParaRPr>
           </a:p>
         </p:txBody>
       </p:sp>
     </p:spTree>
-    <p:extLst>
-      <p:ext uri="{BB962C8B-B14F-4D97-AF65-F5344CB8AC3E}">
-        <p14:creationId xmlns:p14="http://schemas.microsoft.com/office/powerpoint/2010/main" val="1611098579"/>
-      </p:ext>
-    </p:extLst>
   </p:cSld>
   <p:clrMapOvr>
     <a:masterClrMapping/>
@@ -8081,11 +7583,15 @@
           <a:p>
             <a:r>
               <a:rPr kumimoji="0" lang="en-US" altLang="zh-CN">
-                <a:latin typeface="Garamond" charset="0"/>
-                <a:ea typeface="宋体" charset="0"/>
+                <a:latin typeface="Garamond" panose="02020404030301010803" charset="0"/>
+                <a:ea typeface="宋体" panose="02010600030101010101" pitchFamily="2" charset="-122"/>
               </a:rPr>
               <a:t>Indirect Communication</a:t>
             </a:r>
+            <a:endParaRPr kumimoji="0" lang="en-US" altLang="zh-CN">
+              <a:latin typeface="Garamond" panose="02020404030301010803" charset="0"/>
+              <a:ea typeface="宋体" panose="02010600030101010101" pitchFamily="2" charset="-122"/>
+            </a:endParaRPr>
           </a:p>
         </p:txBody>
       </p:sp>
@@ -8111,147 +7617,170 @@
           <a:p>
             <a:r>
               <a:rPr kumimoji="0" lang="en-US" altLang="zh-CN">
-                <a:latin typeface="Arial" charset="0"/>
-                <a:ea typeface="宋体" charset="0"/>
+                <a:latin typeface="Arial" panose="020B0604020202020204" pitchFamily="34" charset="0"/>
+                <a:ea typeface="宋体" panose="02010600030101010101" pitchFamily="2" charset="-122"/>
               </a:rPr>
               <a:t>Operations</a:t>
             </a:r>
+            <a:endParaRPr kumimoji="0" lang="en-US" altLang="zh-CN">
+              <a:latin typeface="Arial" panose="020B0604020202020204" pitchFamily="34" charset="0"/>
+              <a:ea typeface="宋体" panose="02010600030101010101" pitchFamily="2" charset="-122"/>
+            </a:endParaRPr>
           </a:p>
           <a:p>
             <a:pPr lvl="1"/>
             <a:r>
               <a:rPr kumimoji="0" lang="en-US" altLang="zh-CN">
-                <a:latin typeface="Arial" charset="0"/>
-                <a:ea typeface="宋体" charset="0"/>
+                <a:latin typeface="Arial" panose="020B0604020202020204" pitchFamily="34" charset="0"/>
+                <a:ea typeface="宋体" panose="02010600030101010101" pitchFamily="2" charset="-122"/>
               </a:rPr>
               <a:t>create a new mailbox</a:t>
             </a:r>
+            <a:endParaRPr kumimoji="0" lang="en-US" altLang="zh-CN">
+              <a:latin typeface="Arial" panose="020B0604020202020204" pitchFamily="34" charset="0"/>
+              <a:ea typeface="宋体" panose="02010600030101010101" pitchFamily="2" charset="-122"/>
+            </a:endParaRPr>
           </a:p>
           <a:p>
             <a:pPr lvl="1"/>
             <a:r>
               <a:rPr kumimoji="0" lang="en-US" altLang="zh-CN">
-                <a:latin typeface="Arial" charset="0"/>
-                <a:ea typeface="宋体" charset="0"/>
+                <a:latin typeface="Arial" panose="020B0604020202020204" pitchFamily="34" charset="0"/>
+                <a:ea typeface="宋体" panose="02010600030101010101" pitchFamily="2" charset="-122"/>
               </a:rPr>
               <a:t>send and receive messages through mailbox</a:t>
             </a:r>
+            <a:endParaRPr kumimoji="0" lang="en-US" altLang="zh-CN">
+              <a:latin typeface="Arial" panose="020B0604020202020204" pitchFamily="34" charset="0"/>
+              <a:ea typeface="宋体" panose="02010600030101010101" pitchFamily="2" charset="-122"/>
+            </a:endParaRPr>
           </a:p>
           <a:p>
             <a:pPr lvl="1"/>
             <a:r>
               <a:rPr kumimoji="0" lang="en-US" altLang="zh-CN">
-                <a:latin typeface="Arial" charset="0"/>
-                <a:ea typeface="宋体" charset="0"/>
+                <a:latin typeface="Arial" panose="020B0604020202020204" pitchFamily="34" charset="0"/>
+                <a:ea typeface="宋体" panose="02010600030101010101" pitchFamily="2" charset="-122"/>
               </a:rPr>
               <a:t>destroy a mailbox</a:t>
             </a:r>
-          </a:p>
-          <a:p>
             <a:endParaRPr kumimoji="0" lang="en-US" altLang="zh-CN">
-              <a:latin typeface="Arial" charset="0"/>
-              <a:ea typeface="宋体" charset="0"/>
+              <a:latin typeface="Arial" panose="020B0604020202020204" pitchFamily="34" charset="0"/>
+              <a:ea typeface="宋体" panose="02010600030101010101" pitchFamily="2" charset="-122"/>
+            </a:endParaRPr>
+          </a:p>
+          <a:p>
+            <a:endParaRPr kumimoji="0" lang="en-US" altLang="zh-CN">
+              <a:latin typeface="Arial" panose="020B0604020202020204" pitchFamily="34" charset="0"/>
+              <a:ea typeface="宋体" panose="02010600030101010101" pitchFamily="2" charset="-122"/>
             </a:endParaRPr>
           </a:p>
           <a:p>
             <a:r>
               <a:rPr kumimoji="0" lang="en-US" altLang="zh-CN">
-                <a:latin typeface="Arial" charset="0"/>
-                <a:ea typeface="宋体" charset="0"/>
+                <a:latin typeface="Arial" panose="020B0604020202020204" pitchFamily="34" charset="0"/>
+                <a:ea typeface="宋体" panose="02010600030101010101" pitchFamily="2" charset="-122"/>
               </a:rPr>
               <a:t>Primitives are defined as:</a:t>
             </a:r>
+            <a:endParaRPr kumimoji="0" lang="en-US" altLang="zh-CN">
+              <a:latin typeface="Arial" panose="020B0604020202020204" pitchFamily="34" charset="0"/>
+              <a:ea typeface="宋体" panose="02010600030101010101" pitchFamily="2" charset="-122"/>
+            </a:endParaRPr>
           </a:p>
           <a:p>
             <a:pPr>
-              <a:buFont typeface="Wingdings" charset="0"/>
+              <a:buFont typeface="Wingdings" panose="05000000000000000000" charset="0"/>
               <a:buNone/>
             </a:pPr>
             <a:r>
               <a:rPr kumimoji="0" lang="en-US" altLang="zh-CN">
-                <a:latin typeface="Arial" charset="0"/>
-                <a:ea typeface="宋体" charset="0"/>
+                <a:latin typeface="Arial" panose="020B0604020202020204" pitchFamily="34" charset="0"/>
+                <a:ea typeface="宋体" panose="02010600030101010101" pitchFamily="2" charset="-122"/>
               </a:rPr>
               <a:t>	</a:t>
             </a:r>
             <a:r>
               <a:rPr kumimoji="0" lang="en-US" altLang="zh-CN" b="1">
-                <a:latin typeface="Arial" charset="0"/>
-                <a:ea typeface="宋体" charset="0"/>
+                <a:latin typeface="Arial" panose="020B0604020202020204" pitchFamily="34" charset="0"/>
+                <a:ea typeface="宋体" panose="02010600030101010101" pitchFamily="2" charset="-122"/>
               </a:rPr>
               <a:t>send</a:t>
             </a:r>
             <a:r>
               <a:rPr kumimoji="0" lang="en-US" altLang="zh-CN">
-                <a:latin typeface="Arial" charset="0"/>
-                <a:ea typeface="宋体" charset="0"/>
+                <a:latin typeface="Arial" panose="020B0604020202020204" pitchFamily="34" charset="0"/>
+                <a:ea typeface="宋体" panose="02010600030101010101" pitchFamily="2" charset="-122"/>
               </a:rPr>
               <a:t>(</a:t>
             </a:r>
             <a:r>
               <a:rPr kumimoji="0" lang="en-US" altLang="zh-CN" i="1">
-                <a:latin typeface="Arial" charset="0"/>
-                <a:ea typeface="宋体" charset="0"/>
+                <a:latin typeface="Arial" panose="020B0604020202020204" pitchFamily="34" charset="0"/>
+                <a:ea typeface="宋体" panose="02010600030101010101" pitchFamily="2" charset="-122"/>
               </a:rPr>
               <a:t>A, message</a:t>
             </a:r>
             <a:r>
               <a:rPr kumimoji="0" lang="en-US" altLang="zh-CN">
-                <a:latin typeface="Arial" charset="0"/>
-                <a:ea typeface="宋体" charset="0"/>
+                <a:latin typeface="Arial" panose="020B0604020202020204" pitchFamily="34" charset="0"/>
+                <a:ea typeface="宋体" panose="02010600030101010101" pitchFamily="2" charset="-122"/>
               </a:rPr>
               <a:t>) – send a message to mailbox A</a:t>
             </a:r>
+            <a:endParaRPr kumimoji="0" lang="en-US" altLang="zh-CN">
+              <a:latin typeface="Arial" panose="020B0604020202020204" pitchFamily="34" charset="0"/>
+              <a:ea typeface="宋体" panose="02010600030101010101" pitchFamily="2" charset="-122"/>
+            </a:endParaRPr>
           </a:p>
           <a:p>
             <a:pPr>
-              <a:buFont typeface="Wingdings" charset="0"/>
+              <a:buFont typeface="Wingdings" panose="05000000000000000000" charset="0"/>
               <a:buNone/>
             </a:pPr>
             <a:r>
               <a:rPr kumimoji="0" lang="en-US" altLang="zh-CN">
-                <a:latin typeface="Arial" charset="0"/>
-                <a:ea typeface="宋体" charset="0"/>
+                <a:latin typeface="Arial" panose="020B0604020202020204" pitchFamily="34" charset="0"/>
+                <a:ea typeface="宋体" panose="02010600030101010101" pitchFamily="2" charset="-122"/>
               </a:rPr>
               <a:t>	</a:t>
             </a:r>
             <a:r>
               <a:rPr kumimoji="0" lang="en-US" altLang="zh-CN" b="1">
-                <a:latin typeface="Arial" charset="0"/>
-                <a:ea typeface="宋体" charset="0"/>
+                <a:latin typeface="Arial" panose="020B0604020202020204" pitchFamily="34" charset="0"/>
+                <a:ea typeface="宋体" panose="02010600030101010101" pitchFamily="2" charset="-122"/>
               </a:rPr>
               <a:t>receive</a:t>
             </a:r>
             <a:r>
               <a:rPr kumimoji="0" lang="en-US" altLang="zh-CN">
-                <a:latin typeface="Arial" charset="0"/>
-                <a:ea typeface="宋体" charset="0"/>
+                <a:latin typeface="Arial" panose="020B0604020202020204" pitchFamily="34" charset="0"/>
+                <a:ea typeface="宋体" panose="02010600030101010101" pitchFamily="2" charset="-122"/>
               </a:rPr>
               <a:t>(</a:t>
             </a:r>
             <a:r>
               <a:rPr kumimoji="0" lang="en-US" altLang="zh-CN" i="1">
-                <a:latin typeface="Arial" charset="0"/>
-                <a:ea typeface="宋体" charset="0"/>
+                <a:latin typeface="Arial" panose="020B0604020202020204" pitchFamily="34" charset="0"/>
+                <a:ea typeface="宋体" panose="02010600030101010101" pitchFamily="2" charset="-122"/>
               </a:rPr>
               <a:t>A, message</a:t>
             </a:r>
             <a:r>
               <a:rPr kumimoji="0" lang="en-US" altLang="zh-CN">
-                <a:latin typeface="Arial" charset="0"/>
-                <a:ea typeface="宋体" charset="0"/>
+                <a:latin typeface="Arial" panose="020B0604020202020204" pitchFamily="34" charset="0"/>
+                <a:ea typeface="宋体" panose="02010600030101010101" pitchFamily="2" charset="-122"/>
               </a:rPr>
               <a:t>) – receive a message from mailbox A</a:t>
             </a:r>
+            <a:endParaRPr kumimoji="0" lang="en-US" altLang="zh-CN">
+              <a:latin typeface="Arial" panose="020B0604020202020204" pitchFamily="34" charset="0"/>
+              <a:ea typeface="宋体" panose="02010600030101010101" pitchFamily="2" charset="-122"/>
+            </a:endParaRPr>
           </a:p>
         </p:txBody>
       </p:sp>
     </p:spTree>
-    <p:extLst>
-      <p:ext uri="{BB962C8B-B14F-4D97-AF65-F5344CB8AC3E}">
-        <p14:creationId xmlns:p14="http://schemas.microsoft.com/office/powerpoint/2010/main" val="3403469227"/>
-      </p:ext>
-    </p:extLst>
   </p:cSld>
   <p:clrMapOvr>
     <a:masterClrMapping/>
@@ -8323,7 +7852,7 @@
           <p:nvPr/>
         </p:nvPicPr>
         <p:blipFill>
-          <a:blip r:embed="rId2" cstate="print">
+          <a:blip r:embed="rId1" cstate="print">
             <a:extLst>
               <a:ext uri="{28A0092B-C50C-407E-A947-70E740481C1C}">
                 <a14:useLocalDpi xmlns:a14="http://schemas.microsoft.com/office/drawing/2010/main" val="0"/>
@@ -8347,33 +7876,9 @@
           <a:ln>
             <a:noFill/>
           </a:ln>
-          <a:extLst>
-            <a:ext uri="{909E8E84-426E-40dd-AFC4-6F175D3DCCD1}">
-              <a14:hiddenFill xmlns="" xmlns:a14="http://schemas.microsoft.com/office/drawing/2010/main">
-                <a:solidFill>
-                  <a:srgbClr val="FFFFFF"/>
-                </a:solidFill>
-              </a14:hiddenFill>
-            </a:ext>
-            <a:ext uri="{91240B29-F687-4f45-9708-019B960494DF}">
-              <a14:hiddenLine xmlns="" xmlns:a14="http://schemas.microsoft.com/office/drawing/2010/main" w="9525">
-                <a:solidFill>
-                  <a:srgbClr val="000000"/>
-                </a:solidFill>
-                <a:miter lim="800000"/>
-                <a:headEnd/>
-                <a:tailEnd/>
-              </a14:hiddenLine>
-            </a:ext>
-          </a:extLst>
         </p:spPr>
       </p:pic>
     </p:spTree>
-    <p:extLst>
-      <p:ext uri="{BB962C8B-B14F-4D97-AF65-F5344CB8AC3E}">
-        <p14:creationId xmlns:p14="http://schemas.microsoft.com/office/powerpoint/2010/main" val="3704233030"/>
-      </p:ext>
-    </p:extLst>
   </p:cSld>
   <p:clrMapOvr>
     <a:masterClrMapping/>
@@ -8427,11 +7932,15 @@
           <a:p>
             <a:r>
               <a:rPr kumimoji="0" lang="en-US" altLang="zh-CN">
-                <a:latin typeface="Garamond" charset="0"/>
-                <a:ea typeface="宋体" charset="0"/>
+                <a:latin typeface="Garamond" panose="02020404030301010803" charset="0"/>
+                <a:ea typeface="宋体" panose="02010600030101010101" pitchFamily="2" charset="-122"/>
               </a:rPr>
               <a:t>Indirect Communication</a:t>
             </a:r>
+            <a:endParaRPr kumimoji="0" lang="en-US" altLang="zh-CN">
+              <a:latin typeface="Garamond" panose="02020404030301010803" charset="0"/>
+              <a:ea typeface="宋体" panose="02010600030101010101" pitchFamily="2" charset="-122"/>
+            </a:endParaRPr>
           </a:p>
         </p:txBody>
       </p:sp>
@@ -8457,208 +7966,235 @@
           <a:p>
             <a:r>
               <a:rPr kumimoji="0" lang="en-US" altLang="zh-CN">
-                <a:latin typeface="Arial" charset="0"/>
-                <a:ea typeface="宋体" charset="0"/>
+                <a:latin typeface="Arial" panose="020B0604020202020204" pitchFamily="34" charset="0"/>
+                <a:ea typeface="宋体" panose="02010600030101010101" pitchFamily="2" charset="-122"/>
               </a:rPr>
               <a:t>Mailbox sharing</a:t>
             </a:r>
+            <a:endParaRPr kumimoji="0" lang="en-US" altLang="zh-CN">
+              <a:latin typeface="Arial" panose="020B0604020202020204" pitchFamily="34" charset="0"/>
+              <a:ea typeface="宋体" panose="02010600030101010101" pitchFamily="2" charset="-122"/>
+            </a:endParaRPr>
           </a:p>
           <a:p>
             <a:pPr lvl="1"/>
             <a:r>
               <a:rPr kumimoji="0" lang="en-US" altLang="zh-CN" i="1">
-                <a:latin typeface="Arial" charset="0"/>
-                <a:ea typeface="宋体" charset="0"/>
+                <a:latin typeface="Arial" panose="020B0604020202020204" pitchFamily="34" charset="0"/>
+                <a:ea typeface="宋体" panose="02010600030101010101" pitchFamily="2" charset="-122"/>
               </a:rPr>
               <a:t>P</a:t>
             </a:r>
             <a:r>
               <a:rPr kumimoji="0" lang="en-US" altLang="zh-CN" i="1" baseline="-25000">
-                <a:latin typeface="Arial" charset="0"/>
-                <a:ea typeface="宋体" charset="0"/>
+                <a:latin typeface="Arial" panose="020B0604020202020204" pitchFamily="34" charset="0"/>
+                <a:ea typeface="宋体" panose="02010600030101010101" pitchFamily="2" charset="-122"/>
               </a:rPr>
               <a:t>1</a:t>
             </a:r>
             <a:r>
               <a:rPr kumimoji="0" lang="en-US" altLang="zh-CN" i="1">
-                <a:latin typeface="Arial" charset="0"/>
-                <a:ea typeface="宋体" charset="0"/>
+                <a:latin typeface="Arial" panose="020B0604020202020204" pitchFamily="34" charset="0"/>
+                <a:ea typeface="宋体" panose="02010600030101010101" pitchFamily="2" charset="-122"/>
               </a:rPr>
               <a:t>, P</a:t>
             </a:r>
             <a:r>
               <a:rPr kumimoji="0" lang="en-US" altLang="zh-CN" i="1" baseline="-25000">
-                <a:latin typeface="Arial" charset="0"/>
-                <a:ea typeface="宋体" charset="0"/>
+                <a:latin typeface="Arial" panose="020B0604020202020204" pitchFamily="34" charset="0"/>
+                <a:ea typeface="宋体" panose="02010600030101010101" pitchFamily="2" charset="-122"/>
               </a:rPr>
               <a:t>2</a:t>
             </a:r>
             <a:r>
               <a:rPr kumimoji="0" lang="en-US" altLang="zh-CN" i="1">
-                <a:latin typeface="Arial" charset="0"/>
-                <a:ea typeface="宋体" charset="0"/>
+                <a:latin typeface="Arial" panose="020B0604020202020204" pitchFamily="34" charset="0"/>
+                <a:ea typeface="宋体" panose="02010600030101010101" pitchFamily="2" charset="-122"/>
               </a:rPr>
               <a:t>,</a:t>
             </a:r>
             <a:r>
               <a:rPr kumimoji="0" lang="en-US" altLang="zh-CN">
-                <a:latin typeface="Arial" charset="0"/>
-                <a:ea typeface="宋体" charset="0"/>
+                <a:latin typeface="Arial" panose="020B0604020202020204" pitchFamily="34" charset="0"/>
+                <a:ea typeface="宋体" panose="02010600030101010101" pitchFamily="2" charset="-122"/>
               </a:rPr>
               <a:t> and</a:t>
             </a:r>
             <a:r>
               <a:rPr kumimoji="0" lang="en-US" altLang="zh-CN" i="1">
-                <a:latin typeface="Arial" charset="0"/>
-                <a:ea typeface="宋体" charset="0"/>
+                <a:latin typeface="Arial" panose="020B0604020202020204" pitchFamily="34" charset="0"/>
+                <a:ea typeface="宋体" panose="02010600030101010101" pitchFamily="2" charset="-122"/>
               </a:rPr>
               <a:t> P</a:t>
             </a:r>
             <a:r>
               <a:rPr kumimoji="0" lang="en-US" altLang="zh-CN" i="1" baseline="-25000">
-                <a:latin typeface="Arial" charset="0"/>
-                <a:ea typeface="宋体" charset="0"/>
+                <a:latin typeface="Arial" panose="020B0604020202020204" pitchFamily="34" charset="0"/>
+                <a:ea typeface="宋体" panose="02010600030101010101" pitchFamily="2" charset="-122"/>
               </a:rPr>
               <a:t>3</a:t>
             </a:r>
             <a:r>
               <a:rPr kumimoji="0" lang="en-US" altLang="zh-CN">
-                <a:latin typeface="Arial" charset="0"/>
-                <a:ea typeface="宋体" charset="0"/>
+                <a:latin typeface="Arial" panose="020B0604020202020204" pitchFamily="34" charset="0"/>
+                <a:ea typeface="宋体" panose="02010600030101010101" pitchFamily="2" charset="-122"/>
               </a:rPr>
               <a:t> share mailbox A</a:t>
             </a:r>
+            <a:endParaRPr kumimoji="0" lang="en-US" altLang="zh-CN">
+              <a:latin typeface="Arial" panose="020B0604020202020204" pitchFamily="34" charset="0"/>
+              <a:ea typeface="宋体" panose="02010600030101010101" pitchFamily="2" charset="-122"/>
+            </a:endParaRPr>
           </a:p>
           <a:p>
             <a:pPr lvl="1"/>
             <a:r>
               <a:rPr kumimoji="0" lang="en-US" altLang="zh-CN" i="1">
-                <a:latin typeface="Arial" charset="0"/>
-                <a:ea typeface="宋体" charset="0"/>
+                <a:latin typeface="Arial" panose="020B0604020202020204" pitchFamily="34" charset="0"/>
+                <a:ea typeface="宋体" panose="02010600030101010101" pitchFamily="2" charset="-122"/>
               </a:rPr>
               <a:t>P</a:t>
             </a:r>
             <a:r>
               <a:rPr kumimoji="0" lang="en-US" altLang="zh-CN" i="1" baseline="-25000">
-                <a:latin typeface="Arial" charset="0"/>
-                <a:ea typeface="宋体" charset="0"/>
+                <a:latin typeface="Arial" panose="020B0604020202020204" pitchFamily="34" charset="0"/>
+                <a:ea typeface="宋体" panose="02010600030101010101" pitchFamily="2" charset="-122"/>
               </a:rPr>
               <a:t>1</a:t>
             </a:r>
             <a:r>
               <a:rPr kumimoji="0" lang="en-US" altLang="zh-CN">
-                <a:latin typeface="Arial" charset="0"/>
-                <a:ea typeface="宋体" charset="0"/>
+                <a:latin typeface="Arial" panose="020B0604020202020204" pitchFamily="34" charset="0"/>
+                <a:ea typeface="宋体" panose="02010600030101010101" pitchFamily="2" charset="-122"/>
               </a:rPr>
               <a:t>, sends; </a:t>
             </a:r>
             <a:r>
               <a:rPr kumimoji="0" lang="en-US" altLang="zh-CN" i="1">
-                <a:latin typeface="Arial" charset="0"/>
-                <a:ea typeface="宋体" charset="0"/>
+                <a:latin typeface="Arial" panose="020B0604020202020204" pitchFamily="34" charset="0"/>
+                <a:ea typeface="宋体" panose="02010600030101010101" pitchFamily="2" charset="-122"/>
               </a:rPr>
               <a:t>P</a:t>
             </a:r>
             <a:r>
               <a:rPr kumimoji="0" lang="en-US" altLang="zh-CN" i="1" baseline="-25000">
-                <a:latin typeface="Arial" charset="0"/>
-                <a:ea typeface="宋体" charset="0"/>
+                <a:latin typeface="Arial" panose="020B0604020202020204" pitchFamily="34" charset="0"/>
+                <a:ea typeface="宋体" panose="02010600030101010101" pitchFamily="2" charset="-122"/>
               </a:rPr>
               <a:t>2</a:t>
             </a:r>
             <a:r>
               <a:rPr kumimoji="0" lang="en-US" altLang="zh-CN" i="1">
-                <a:latin typeface="Arial" charset="0"/>
-                <a:ea typeface="宋体" charset="0"/>
+                <a:latin typeface="Arial" panose="020B0604020202020204" pitchFamily="34" charset="0"/>
+                <a:ea typeface="宋体" panose="02010600030101010101" pitchFamily="2" charset="-122"/>
               </a:rPr>
               <a:t> </a:t>
             </a:r>
             <a:r>
               <a:rPr kumimoji="0" lang="en-US" altLang="zh-CN">
-                <a:latin typeface="Arial" charset="0"/>
-                <a:ea typeface="宋体" charset="0"/>
+                <a:latin typeface="Arial" panose="020B0604020202020204" pitchFamily="34" charset="0"/>
+                <a:ea typeface="宋体" panose="02010600030101010101" pitchFamily="2" charset="-122"/>
               </a:rPr>
               <a:t>and</a:t>
             </a:r>
             <a:r>
               <a:rPr kumimoji="0" lang="en-US" altLang="zh-CN" i="1">
-                <a:latin typeface="Arial" charset="0"/>
-                <a:ea typeface="宋体" charset="0"/>
+                <a:latin typeface="Arial" panose="020B0604020202020204" pitchFamily="34" charset="0"/>
+                <a:ea typeface="宋体" panose="02010600030101010101" pitchFamily="2" charset="-122"/>
               </a:rPr>
               <a:t> P</a:t>
             </a:r>
             <a:r>
               <a:rPr kumimoji="0" lang="en-US" altLang="zh-CN" i="1" baseline="-25000">
-                <a:latin typeface="Arial" charset="0"/>
-                <a:ea typeface="宋体" charset="0"/>
+                <a:latin typeface="Arial" panose="020B0604020202020204" pitchFamily="34" charset="0"/>
+                <a:ea typeface="宋体" panose="02010600030101010101" pitchFamily="2" charset="-122"/>
               </a:rPr>
               <a:t>3</a:t>
             </a:r>
             <a:r>
               <a:rPr kumimoji="0" lang="en-US" altLang="zh-CN">
-                <a:latin typeface="Arial" charset="0"/>
-                <a:ea typeface="宋体" charset="0"/>
+                <a:latin typeface="Arial" panose="020B0604020202020204" pitchFamily="34" charset="0"/>
+                <a:ea typeface="宋体" panose="02010600030101010101" pitchFamily="2" charset="-122"/>
               </a:rPr>
               <a:t> receive</a:t>
             </a:r>
+            <a:endParaRPr kumimoji="0" lang="en-US" altLang="zh-CN">
+              <a:latin typeface="Arial" panose="020B0604020202020204" pitchFamily="34" charset="0"/>
+              <a:ea typeface="宋体" panose="02010600030101010101" pitchFamily="2" charset="-122"/>
+            </a:endParaRPr>
           </a:p>
           <a:p>
             <a:pPr lvl="1"/>
             <a:r>
               <a:rPr kumimoji="0" lang="en-US" altLang="zh-CN">
-                <a:latin typeface="Arial" charset="0"/>
-                <a:ea typeface="宋体" charset="0"/>
+                <a:latin typeface="Arial" panose="020B0604020202020204" pitchFamily="34" charset="0"/>
+                <a:ea typeface="宋体" panose="02010600030101010101" pitchFamily="2" charset="-122"/>
               </a:rPr>
               <a:t>Who gets the message?</a:t>
             </a:r>
+            <a:endParaRPr kumimoji="0" lang="en-US" altLang="zh-CN">
+              <a:latin typeface="Arial" panose="020B0604020202020204" pitchFamily="34" charset="0"/>
+              <a:ea typeface="宋体" panose="02010600030101010101" pitchFamily="2" charset="-122"/>
+            </a:endParaRPr>
           </a:p>
           <a:p>
             <a:r>
               <a:rPr kumimoji="0" lang="en-US" altLang="zh-CN">
-                <a:latin typeface="Arial" charset="0"/>
-                <a:ea typeface="宋体" charset="0"/>
+                <a:latin typeface="Arial" panose="020B0604020202020204" pitchFamily="34" charset="0"/>
+                <a:ea typeface="宋体" panose="02010600030101010101" pitchFamily="2" charset="-122"/>
               </a:rPr>
               <a:t>Solutions</a:t>
             </a:r>
+            <a:endParaRPr kumimoji="0" lang="en-US" altLang="zh-CN">
+              <a:latin typeface="Arial" panose="020B0604020202020204" pitchFamily="34" charset="0"/>
+              <a:ea typeface="宋体" panose="02010600030101010101" pitchFamily="2" charset="-122"/>
+            </a:endParaRPr>
           </a:p>
           <a:p>
             <a:pPr lvl="1"/>
             <a:r>
               <a:rPr kumimoji="0" lang="en-US" altLang="zh-CN">
-                <a:latin typeface="Arial" charset="0"/>
-                <a:ea typeface="宋体" charset="0"/>
+                <a:latin typeface="Arial" panose="020B0604020202020204" pitchFamily="34" charset="0"/>
+                <a:ea typeface="宋体" panose="02010600030101010101" pitchFamily="2" charset="-122"/>
               </a:rPr>
               <a:t>Allow a link to be associated with at most two processes</a:t>
             </a:r>
+            <a:endParaRPr kumimoji="0" lang="en-US" altLang="zh-CN">
+              <a:latin typeface="Arial" panose="020B0604020202020204" pitchFamily="34" charset="0"/>
+              <a:ea typeface="宋体" panose="02010600030101010101" pitchFamily="2" charset="-122"/>
+            </a:endParaRPr>
           </a:p>
           <a:p>
             <a:pPr lvl="1"/>
             <a:r>
               <a:rPr kumimoji="0" lang="en-US" altLang="zh-CN">
-                <a:latin typeface="Arial" charset="0"/>
-                <a:ea typeface="宋体" charset="0"/>
+                <a:latin typeface="Arial" panose="020B0604020202020204" pitchFamily="34" charset="0"/>
+                <a:ea typeface="宋体" panose="02010600030101010101" pitchFamily="2" charset="-122"/>
               </a:rPr>
               <a:t>Allow only one process at a time to execute a receive operation</a:t>
             </a:r>
+            <a:endParaRPr kumimoji="0" lang="en-US" altLang="zh-CN">
+              <a:latin typeface="Arial" panose="020B0604020202020204" pitchFamily="34" charset="0"/>
+              <a:ea typeface="宋体" panose="02010600030101010101" pitchFamily="2" charset="-122"/>
+            </a:endParaRPr>
           </a:p>
           <a:p>
             <a:pPr lvl="1"/>
             <a:r>
               <a:rPr kumimoji="0" lang="en-US" altLang="zh-CN">
-                <a:latin typeface="Arial" charset="0"/>
-                <a:ea typeface="宋体" charset="0"/>
+                <a:latin typeface="Arial" panose="020B0604020202020204" pitchFamily="34" charset="0"/>
+                <a:ea typeface="宋体" panose="02010600030101010101" pitchFamily="2" charset="-122"/>
               </a:rPr>
               <a:t>Allow the system to select arbitrarily the receiver.  Sender is notified who the receiver was.</a:t>
             </a:r>
+            <a:endParaRPr kumimoji="0" lang="en-US" altLang="zh-CN">
+              <a:latin typeface="Arial" panose="020B0604020202020204" pitchFamily="34" charset="0"/>
+              <a:ea typeface="宋体" panose="02010600030101010101" pitchFamily="2" charset="-122"/>
+            </a:endParaRPr>
           </a:p>
         </p:txBody>
       </p:sp>
     </p:spTree>
-    <p:extLst>
-      <p:ext uri="{BB962C8B-B14F-4D97-AF65-F5344CB8AC3E}">
-        <p14:creationId xmlns:p14="http://schemas.microsoft.com/office/powerpoint/2010/main" val="2913651986"/>
-      </p:ext>
-    </p:extLst>
   </p:cSld>
   <p:clrMapOvr>
     <a:masterClrMapping/>
@@ -8672,13 +8208,13 @@
               <p:cTn id="2" dur="indefinite" nodeType="mainSeq">
                 <p:childTnLst>
                   <p:par>
-                    <p:cTn id="3" fill="hold" nodeType="clickPar">
+                    <p:cTn id="3" fill="hold">
                       <p:stCondLst>
                         <p:cond delay="indefinite"/>
                       </p:stCondLst>
                       <p:childTnLst>
                         <p:par>
-                          <p:cTn id="4" fill="hold" nodeType="withGroup">
+                          <p:cTn id="4" fill="hold">
                             <p:stCondLst>
                               <p:cond delay="0"/>
                             </p:stCondLst>
@@ -8814,13 +8350,13 @@
                     </p:cTn>
                   </p:par>
                   <p:par>
-                    <p:cTn id="13" fill="hold" nodeType="clickPar">
+                    <p:cTn id="13" fill="hold">
                       <p:stCondLst>
                         <p:cond delay="indefinite"/>
                       </p:stCondLst>
                       <p:childTnLst>
                         <p:par>
-                          <p:cTn id="14" fill="hold" nodeType="withGroup">
+                          <p:cTn id="14" fill="hold">
                             <p:stCondLst>
                               <p:cond delay="0"/>
                             </p:stCondLst>
@@ -9022,14 +8558,14 @@
           <a:p>
             <a:r>
               <a:rPr kumimoji="0" lang="en-US" altLang="zh-CN" sz="3800" dirty="0" smtClean="0">
-                <a:latin typeface="Garamond" charset="0"/>
-                <a:ea typeface="宋体" charset="0"/>
+                <a:latin typeface="Garamond" panose="02020404030301010803" charset="0"/>
+                <a:ea typeface="宋体" panose="02010600030101010101" pitchFamily="2" charset="-122"/>
               </a:rPr>
               <a:t>Synchronization &amp; Asynchronous</a:t>
             </a:r>
             <a:endParaRPr kumimoji="0" lang="en-US" altLang="zh-CN" sz="3800" dirty="0">
-              <a:latin typeface="Garamond" charset="0"/>
-              <a:ea typeface="宋体" charset="0"/>
+              <a:latin typeface="Garamond" panose="02020404030301010803" charset="0"/>
+              <a:ea typeface="宋体" panose="02010600030101010101" pitchFamily="2" charset="-122"/>
             </a:endParaRPr>
           </a:p>
         </p:txBody>
@@ -9057,136 +8593,159 @@
             <a:pPr marL="381000" indent="-381000"/>
             <a:r>
               <a:rPr kumimoji="0" lang="en-US" altLang="zh-CN">
-                <a:latin typeface="Arial" charset="0"/>
-                <a:ea typeface="宋体" charset="0"/>
+                <a:latin typeface="Arial" panose="020B0604020202020204" pitchFamily="34" charset="0"/>
+                <a:ea typeface="宋体" panose="02010600030101010101" pitchFamily="2" charset="-122"/>
               </a:rPr>
               <a:t>Message passing may be either blocking or non-blocking</a:t>
             </a:r>
+            <a:endParaRPr kumimoji="0" lang="en-US" altLang="zh-CN">
+              <a:latin typeface="Arial" panose="020B0604020202020204" pitchFamily="34" charset="0"/>
+              <a:ea typeface="宋体" panose="02010600030101010101" pitchFamily="2" charset="-122"/>
+            </a:endParaRPr>
           </a:p>
           <a:p>
             <a:pPr marL="381000" indent="-381000"/>
             <a:r>
               <a:rPr kumimoji="0" lang="en-US" altLang="zh-CN" b="1">
-                <a:latin typeface="Arial" charset="0"/>
-                <a:ea typeface="宋体" charset="0"/>
+                <a:latin typeface="Arial" panose="020B0604020202020204" pitchFamily="34" charset="0"/>
+                <a:ea typeface="宋体" panose="02010600030101010101" pitchFamily="2" charset="-122"/>
               </a:rPr>
               <a:t>Blocking</a:t>
             </a:r>
             <a:r>
               <a:rPr kumimoji="0" lang="en-US" altLang="zh-CN">
-                <a:latin typeface="Arial" charset="0"/>
-                <a:ea typeface="宋体" charset="0"/>
+                <a:latin typeface="Arial" panose="020B0604020202020204" pitchFamily="34" charset="0"/>
+                <a:ea typeface="宋体" panose="02010600030101010101" pitchFamily="2" charset="-122"/>
               </a:rPr>
               <a:t> is considered </a:t>
             </a:r>
             <a:r>
               <a:rPr kumimoji="0" lang="en-US" altLang="zh-CN" b="1">
-                <a:latin typeface="Arial" charset="0"/>
-                <a:ea typeface="宋体" charset="0"/>
+                <a:latin typeface="Arial" panose="020B0604020202020204" pitchFamily="34" charset="0"/>
+                <a:ea typeface="宋体" panose="02010600030101010101" pitchFamily="2" charset="-122"/>
               </a:rPr>
               <a:t>synchronous</a:t>
             </a:r>
-          </a:p>
-          <a:p>
-            <a:pPr marL="800100" lvl="1" indent="-455613"/>
+            <a:endParaRPr kumimoji="0" lang="en-US" altLang="zh-CN" b="1">
+              <a:latin typeface="Arial" panose="020B0604020202020204" pitchFamily="34" charset="0"/>
+              <a:ea typeface="宋体" panose="02010600030101010101" pitchFamily="2" charset="-122"/>
+            </a:endParaRPr>
+          </a:p>
+          <a:p>
+            <a:pPr marL="800100" lvl="1" indent="-455930"/>
             <a:r>
               <a:rPr kumimoji="0" lang="en-US" altLang="zh-CN" b="1">
-                <a:latin typeface="Arial" charset="0"/>
-                <a:ea typeface="宋体" charset="0"/>
+                <a:latin typeface="Arial" panose="020B0604020202020204" pitchFamily="34" charset="0"/>
+                <a:ea typeface="宋体" panose="02010600030101010101" pitchFamily="2" charset="-122"/>
               </a:rPr>
               <a:t>Blocking send </a:t>
             </a:r>
             <a:r>
               <a:rPr kumimoji="0" lang="en-US" altLang="zh-CN">
-                <a:latin typeface="Arial" charset="0"/>
-                <a:ea typeface="宋体" charset="0"/>
+                <a:latin typeface="Arial" panose="020B0604020202020204" pitchFamily="34" charset="0"/>
+                <a:ea typeface="宋体" panose="02010600030101010101" pitchFamily="2" charset="-122"/>
               </a:rPr>
               <a:t>has the sender block until the message is received</a:t>
             </a:r>
-          </a:p>
-          <a:p>
-            <a:pPr marL="800100" lvl="1" indent="-455613"/>
+            <a:endParaRPr kumimoji="0" lang="en-US" altLang="zh-CN">
+              <a:latin typeface="Arial" panose="020B0604020202020204" pitchFamily="34" charset="0"/>
+              <a:ea typeface="宋体" panose="02010600030101010101" pitchFamily="2" charset="-122"/>
+            </a:endParaRPr>
+          </a:p>
+          <a:p>
+            <a:pPr marL="800100" lvl="1" indent="-455930"/>
             <a:r>
               <a:rPr kumimoji="0" lang="en-US" altLang="zh-CN" b="1">
-                <a:latin typeface="Arial" charset="0"/>
-                <a:ea typeface="宋体" charset="0"/>
+                <a:latin typeface="Arial" panose="020B0604020202020204" pitchFamily="34" charset="0"/>
+                <a:ea typeface="宋体" panose="02010600030101010101" pitchFamily="2" charset="-122"/>
               </a:rPr>
               <a:t>Blocking receive </a:t>
             </a:r>
             <a:r>
               <a:rPr kumimoji="0" lang="en-US" altLang="zh-CN">
-                <a:latin typeface="Arial" charset="0"/>
-                <a:ea typeface="宋体" charset="0"/>
+                <a:latin typeface="Arial" panose="020B0604020202020204" pitchFamily="34" charset="0"/>
+                <a:ea typeface="宋体" panose="02010600030101010101" pitchFamily="2" charset="-122"/>
               </a:rPr>
               <a:t>has the receiver block until a message is available</a:t>
             </a:r>
+            <a:endParaRPr kumimoji="0" lang="en-US" altLang="zh-CN">
+              <a:latin typeface="Arial" panose="020B0604020202020204" pitchFamily="34" charset="0"/>
+              <a:ea typeface="宋体" panose="02010600030101010101" pitchFamily="2" charset="-122"/>
+            </a:endParaRPr>
           </a:p>
           <a:p>
             <a:pPr marL="381000" indent="-381000"/>
             <a:r>
               <a:rPr kumimoji="0" lang="en-US" altLang="zh-CN" b="1">
-                <a:latin typeface="Arial" charset="0"/>
-                <a:ea typeface="宋体" charset="0"/>
+                <a:latin typeface="Arial" panose="020B0604020202020204" pitchFamily="34" charset="0"/>
+                <a:ea typeface="宋体" panose="02010600030101010101" pitchFamily="2" charset="-122"/>
               </a:rPr>
               <a:t>Non-blocking</a:t>
             </a:r>
             <a:r>
               <a:rPr kumimoji="0" lang="en-US" altLang="zh-CN">
-                <a:latin typeface="Arial" charset="0"/>
-                <a:ea typeface="宋体" charset="0"/>
+                <a:latin typeface="Arial" panose="020B0604020202020204" pitchFamily="34" charset="0"/>
+                <a:ea typeface="宋体" panose="02010600030101010101" pitchFamily="2" charset="-122"/>
               </a:rPr>
               <a:t> is considered </a:t>
             </a:r>
             <a:r>
               <a:rPr kumimoji="0" lang="en-US" altLang="zh-CN" b="1">
-                <a:latin typeface="Arial" charset="0"/>
-                <a:ea typeface="宋体" charset="0"/>
+                <a:latin typeface="Arial" panose="020B0604020202020204" pitchFamily="34" charset="0"/>
+                <a:ea typeface="宋体" panose="02010600030101010101" pitchFamily="2" charset="-122"/>
               </a:rPr>
               <a:t>asynchronous</a:t>
             </a:r>
-          </a:p>
-          <a:p>
-            <a:pPr marL="800100" lvl="1" indent="-455613"/>
+            <a:endParaRPr kumimoji="0" lang="en-US" altLang="zh-CN" b="1">
+              <a:latin typeface="Arial" panose="020B0604020202020204" pitchFamily="34" charset="0"/>
+              <a:ea typeface="宋体" panose="02010600030101010101" pitchFamily="2" charset="-122"/>
+            </a:endParaRPr>
+          </a:p>
+          <a:p>
+            <a:pPr marL="800100" lvl="1" indent="-455930"/>
             <a:r>
               <a:rPr kumimoji="0" lang="en-US" altLang="zh-CN" b="1">
-                <a:latin typeface="Arial" charset="0"/>
-                <a:ea typeface="宋体" charset="0"/>
+                <a:latin typeface="Arial" panose="020B0604020202020204" pitchFamily="34" charset="0"/>
+                <a:ea typeface="宋体" panose="02010600030101010101" pitchFamily="2" charset="-122"/>
               </a:rPr>
               <a:t>Non-blocking </a:t>
             </a:r>
             <a:r>
               <a:rPr kumimoji="0" lang="en-US" altLang="zh-CN">
-                <a:latin typeface="Arial" charset="0"/>
-                <a:ea typeface="宋体" charset="0"/>
+                <a:latin typeface="Arial" panose="020B0604020202020204" pitchFamily="34" charset="0"/>
+                <a:ea typeface="宋体" panose="02010600030101010101" pitchFamily="2" charset="-122"/>
               </a:rPr>
               <a:t>send has the sender send the message and continue</a:t>
             </a:r>
-          </a:p>
-          <a:p>
-            <a:pPr marL="800100" lvl="1" indent="-455613"/>
+            <a:endParaRPr kumimoji="0" lang="en-US" altLang="zh-CN">
+              <a:latin typeface="Arial" panose="020B0604020202020204" pitchFamily="34" charset="0"/>
+              <a:ea typeface="宋体" panose="02010600030101010101" pitchFamily="2" charset="-122"/>
+            </a:endParaRPr>
+          </a:p>
+          <a:p>
+            <a:pPr marL="800100" lvl="1" indent="-455930"/>
             <a:r>
               <a:rPr kumimoji="0" lang="en-US" altLang="zh-CN" b="1">
-                <a:latin typeface="Arial" charset="0"/>
-                <a:ea typeface="宋体" charset="0"/>
+                <a:latin typeface="Arial" panose="020B0604020202020204" pitchFamily="34" charset="0"/>
+                <a:ea typeface="宋体" panose="02010600030101010101" pitchFamily="2" charset="-122"/>
               </a:rPr>
               <a:t>Non-blocking </a:t>
             </a:r>
             <a:r>
               <a:rPr kumimoji="0" lang="en-US" altLang="zh-CN">
-                <a:latin typeface="Arial" charset="0"/>
-                <a:ea typeface="宋体" charset="0"/>
+                <a:latin typeface="Arial" panose="020B0604020202020204" pitchFamily="34" charset="0"/>
+                <a:ea typeface="宋体" panose="02010600030101010101" pitchFamily="2" charset="-122"/>
               </a:rPr>
               <a:t>receive has the receiver receive a valid message or null</a:t>
             </a:r>
+            <a:endParaRPr kumimoji="0" lang="en-US" altLang="zh-CN">
+              <a:latin typeface="Arial" panose="020B0604020202020204" pitchFamily="34" charset="0"/>
+              <a:ea typeface="宋体" panose="02010600030101010101" pitchFamily="2" charset="-122"/>
+            </a:endParaRPr>
           </a:p>
         </p:txBody>
       </p:sp>
     </p:spTree>
-    <p:extLst>
-      <p:ext uri="{BB962C8B-B14F-4D97-AF65-F5344CB8AC3E}">
-        <p14:creationId xmlns:p14="http://schemas.microsoft.com/office/powerpoint/2010/main" val="2387659894"/>
-      </p:ext>
-    </p:extLst>
   </p:cSld>
   <p:clrMapOvr>
     <a:masterClrMapping/>
@@ -9200,13 +8759,13 @@
               <p:cTn id="2" dur="indefinite" nodeType="mainSeq">
                 <p:childTnLst>
                   <p:par>
-                    <p:cTn id="3" fill="hold" nodeType="clickPar">
+                    <p:cTn id="3" fill="hold">
                       <p:stCondLst>
                         <p:cond delay="indefinite"/>
                       </p:stCondLst>
                       <p:childTnLst>
                         <p:par>
-                          <p:cTn id="4" fill="hold" nodeType="withGroup">
+                          <p:cTn id="4" fill="hold">
                             <p:stCondLst>
                               <p:cond delay="0"/>
                             </p:stCondLst>
@@ -9249,13 +8808,13 @@
                     </p:cTn>
                   </p:par>
                   <p:par>
-                    <p:cTn id="7" fill="hold" nodeType="clickPar">
+                    <p:cTn id="7" fill="hold">
                       <p:stCondLst>
                         <p:cond delay="indefinite"/>
                       </p:stCondLst>
                       <p:childTnLst>
                         <p:par>
-                          <p:cTn id="8" fill="hold" nodeType="withGroup">
+                          <p:cTn id="8" fill="hold">
                             <p:stCondLst>
                               <p:cond delay="0"/>
                             </p:stCondLst>
@@ -9360,13 +8919,13 @@
                     </p:cTn>
                   </p:par>
                   <p:par>
-                    <p:cTn id="15" fill="hold" nodeType="clickPar">
+                    <p:cTn id="15" fill="hold">
                       <p:stCondLst>
                         <p:cond delay="indefinite"/>
                       </p:stCondLst>
                       <p:childTnLst>
                         <p:par>
-                          <p:cTn id="16" fill="hold" nodeType="withGroup">
+                          <p:cTn id="16" fill="hold">
                             <p:stCondLst>
                               <p:cond delay="0"/>
                             </p:stCondLst>
@@ -9471,13 +9030,13 @@
                     </p:cTn>
                   </p:par>
                   <p:par>
-                    <p:cTn id="23" fill="hold" nodeType="clickPar">
+                    <p:cTn id="23" fill="hold">
                       <p:stCondLst>
                         <p:cond delay="indefinite"/>
                       </p:stCondLst>
                       <p:childTnLst>
                         <p:par>
-                          <p:cTn id="24" fill="hold" nodeType="withGroup">
+                          <p:cTn id="24" fill="hold">
                             <p:stCondLst>
                               <p:cond delay="0"/>
                             </p:stCondLst>
@@ -9520,13 +9079,13 @@
                     </p:cTn>
                   </p:par>
                   <p:par>
-                    <p:cTn id="27" fill="hold" nodeType="clickPar">
+                    <p:cTn id="27" fill="hold">
                       <p:stCondLst>
                         <p:cond delay="indefinite"/>
                       </p:stCondLst>
                       <p:childTnLst>
                         <p:par>
-                          <p:cTn id="28" fill="hold" nodeType="withGroup">
+                          <p:cTn id="28" fill="hold">
                             <p:stCondLst>
                               <p:cond delay="0"/>
                             </p:stCondLst>
@@ -9631,13 +9190,13 @@
                     </p:cTn>
                   </p:par>
                   <p:par>
-                    <p:cTn id="35" fill="hold" nodeType="clickPar">
+                    <p:cTn id="35" fill="hold">
                       <p:stCondLst>
                         <p:cond delay="indefinite"/>
                       </p:stCondLst>
                       <p:childTnLst>
                         <p:par>
-                          <p:cTn id="36" fill="hold" nodeType="withGroup">
+                          <p:cTn id="36" fill="hold">
                             <p:stCondLst>
                               <p:cond delay="0"/>
                             </p:stCondLst>
@@ -9809,11 +9368,15 @@
           <a:p>
             <a:r>
               <a:rPr kumimoji="0" lang="en-US" altLang="zh-CN">
-                <a:latin typeface="Garamond" charset="0"/>
-                <a:ea typeface="宋体" charset="0"/>
+                <a:latin typeface="Garamond" panose="02020404030301010803" charset="0"/>
+                <a:ea typeface="宋体" panose="02010600030101010101" pitchFamily="2" charset="-122"/>
               </a:rPr>
               <a:t>Buffering</a:t>
             </a:r>
+            <a:endParaRPr kumimoji="0" lang="en-US" altLang="zh-CN">
+              <a:latin typeface="Garamond" panose="02020404030301010803" charset="0"/>
+              <a:ea typeface="宋体" panose="02010600030101010101" pitchFamily="2" charset="-122"/>
+            </a:endParaRPr>
           </a:p>
         </p:txBody>
       </p:sp>
@@ -9839,15 +9402,19 @@
           <a:p>
             <a:r>
               <a:rPr kumimoji="0" lang="en-US" altLang="zh-CN" dirty="0">
-                <a:latin typeface="Arial" charset="0"/>
-                <a:ea typeface="宋体" charset="0"/>
+                <a:latin typeface="Arial" panose="020B0604020202020204" pitchFamily="34" charset="0"/>
+                <a:ea typeface="宋体" panose="02010600030101010101" pitchFamily="2" charset="-122"/>
               </a:rPr>
               <a:t>Queue of messages attached to the link; implemented in one of three ways</a:t>
             </a:r>
+            <a:endParaRPr kumimoji="0" lang="en-US" altLang="zh-CN" dirty="0">
+              <a:latin typeface="Arial" panose="020B0604020202020204" pitchFamily="34" charset="0"/>
+              <a:ea typeface="宋体" panose="02010600030101010101" pitchFamily="2" charset="-122"/>
+            </a:endParaRPr>
           </a:p>
           <a:p>
             <a:pPr lvl="1">
-              <a:buFont typeface="Wingdings" charset="0"/>
+              <a:buFont typeface="Wingdings" panose="05000000000000000000" charset="0"/>
               <a:buNone/>
             </a:pPr>
             <a:r>
@@ -9855,35 +9422,39 @@
                 <a:solidFill>
                   <a:srgbClr val="CC6600"/>
                 </a:solidFill>
-                <a:latin typeface="Arial" charset="0"/>
-                <a:ea typeface="宋体" charset="0"/>
+                <a:latin typeface="Arial" panose="020B0604020202020204" pitchFamily="34" charset="0"/>
+                <a:ea typeface="宋体" panose="02010600030101010101" pitchFamily="2" charset="-122"/>
               </a:rPr>
               <a:t>1.</a:t>
             </a:r>
             <a:r>
               <a:rPr kumimoji="0" lang="en-US" altLang="zh-CN" dirty="0">
-                <a:latin typeface="Arial" charset="0"/>
-                <a:ea typeface="宋体" charset="0"/>
+                <a:latin typeface="Arial" panose="020B0604020202020204" pitchFamily="34" charset="0"/>
+                <a:ea typeface="宋体" panose="02010600030101010101" pitchFamily="2" charset="-122"/>
               </a:rPr>
               <a:t>	Zero capacity – 0 messages</a:t>
             </a:r>
             <a:br>
               <a:rPr kumimoji="0" lang="en-US" altLang="zh-CN" dirty="0">
-                <a:latin typeface="Arial" charset="0"/>
-                <a:ea typeface="宋体" charset="0"/>
+                <a:latin typeface="Arial" panose="020B0604020202020204" pitchFamily="34" charset="0"/>
+                <a:ea typeface="宋体" panose="02010600030101010101" pitchFamily="2" charset="-122"/>
               </a:rPr>
             </a:br>
             <a:r>
               <a:rPr kumimoji="0" lang="en-US" altLang="zh-CN" dirty="0">
-                <a:latin typeface="Arial" charset="0"/>
-                <a:ea typeface="宋体" charset="0"/>
+                <a:latin typeface="Arial" panose="020B0604020202020204" pitchFamily="34" charset="0"/>
+                <a:ea typeface="宋体" panose="02010600030101010101" pitchFamily="2" charset="-122"/>
               </a:rPr>
               <a:t>Sender must wait for receiver (rendezvous)</a:t>
             </a:r>
+            <a:endParaRPr kumimoji="0" lang="en-US" altLang="zh-CN" dirty="0">
+              <a:latin typeface="Arial" panose="020B0604020202020204" pitchFamily="34" charset="0"/>
+              <a:ea typeface="宋体" panose="02010600030101010101" pitchFamily="2" charset="-122"/>
+            </a:endParaRPr>
           </a:p>
           <a:p>
             <a:pPr lvl="1">
-              <a:buFont typeface="Wingdings" charset="0"/>
+              <a:buFont typeface="Wingdings" panose="05000000000000000000" charset="0"/>
               <a:buNone/>
             </a:pPr>
             <a:r>
@@ -9891,49 +9462,53 @@
                 <a:solidFill>
                   <a:srgbClr val="CC6600"/>
                 </a:solidFill>
-                <a:latin typeface="Arial" charset="0"/>
-                <a:ea typeface="宋体" charset="0"/>
+                <a:latin typeface="Arial" panose="020B0604020202020204" pitchFamily="34" charset="0"/>
+                <a:ea typeface="宋体" panose="02010600030101010101" pitchFamily="2" charset="-122"/>
               </a:rPr>
               <a:t>2.</a:t>
             </a:r>
             <a:r>
               <a:rPr kumimoji="0" lang="en-US" altLang="zh-CN" dirty="0">
-                <a:latin typeface="Arial" charset="0"/>
-                <a:ea typeface="宋体" charset="0"/>
+                <a:latin typeface="Arial" panose="020B0604020202020204" pitchFamily="34" charset="0"/>
+                <a:ea typeface="宋体" panose="02010600030101010101" pitchFamily="2" charset="-122"/>
               </a:rPr>
               <a:t>	Bounded capacity – finite length of </a:t>
             </a:r>
             <a:r>
               <a:rPr kumimoji="0" lang="en-US" altLang="zh-CN" i="1" dirty="0">
-                <a:latin typeface="Arial" charset="0"/>
-                <a:ea typeface="宋体" charset="0"/>
+                <a:latin typeface="Arial" panose="020B0604020202020204" pitchFamily="34" charset="0"/>
+                <a:ea typeface="宋体" panose="02010600030101010101" pitchFamily="2" charset="-122"/>
               </a:rPr>
               <a:t>n</a:t>
             </a:r>
             <a:r>
               <a:rPr kumimoji="0" lang="en-US" altLang="zh-CN" dirty="0">
-                <a:latin typeface="Arial" charset="0"/>
-                <a:ea typeface="宋体" charset="0"/>
+                <a:latin typeface="Arial" panose="020B0604020202020204" pitchFamily="34" charset="0"/>
+                <a:ea typeface="宋体" panose="02010600030101010101" pitchFamily="2" charset="-122"/>
               </a:rPr>
               <a:t> messages</a:t>
             </a:r>
             <a:br>
               <a:rPr kumimoji="0" lang="en-US" altLang="zh-CN" dirty="0">
-                <a:latin typeface="Arial" charset="0"/>
-                <a:ea typeface="宋体" charset="0"/>
+                <a:latin typeface="Arial" panose="020B0604020202020204" pitchFamily="34" charset="0"/>
+                <a:ea typeface="宋体" panose="02010600030101010101" pitchFamily="2" charset="-122"/>
               </a:rPr>
             </a:br>
             <a:r>
               <a:rPr kumimoji="0" lang="en-US" altLang="zh-CN" dirty="0">
-                <a:latin typeface="Arial" charset="0"/>
-                <a:ea typeface="宋体" charset="0"/>
+                <a:latin typeface="Arial" panose="020B0604020202020204" pitchFamily="34" charset="0"/>
+                <a:ea typeface="宋体" panose="02010600030101010101" pitchFamily="2" charset="-122"/>
               </a:rPr>
               <a:t>Sender must wait if link full</a:t>
             </a:r>
+            <a:endParaRPr kumimoji="0" lang="en-US" altLang="zh-CN" dirty="0">
+              <a:latin typeface="Arial" panose="020B0604020202020204" pitchFamily="34" charset="0"/>
+              <a:ea typeface="宋体" panose="02010600030101010101" pitchFamily="2" charset="-122"/>
+            </a:endParaRPr>
           </a:p>
           <a:p>
             <a:pPr lvl="1">
-              <a:buFont typeface="Wingdings" charset="0"/>
+              <a:buFont typeface="Wingdings" panose="05000000000000000000" charset="0"/>
               <a:buNone/>
             </a:pPr>
             <a:r>
@@ -9941,40 +9516,39 @@
                 <a:solidFill>
                   <a:srgbClr val="CC6600"/>
                 </a:solidFill>
-                <a:latin typeface="Arial" charset="0"/>
-                <a:ea typeface="宋体" charset="0"/>
+                <a:latin typeface="Arial" panose="020B0604020202020204" pitchFamily="34" charset="0"/>
+                <a:ea typeface="宋体" panose="02010600030101010101" pitchFamily="2" charset="-122"/>
               </a:rPr>
               <a:t>3.</a:t>
             </a:r>
             <a:r>
               <a:rPr kumimoji="0" lang="en-US" altLang="zh-CN" dirty="0">
-                <a:latin typeface="Arial" charset="0"/>
-                <a:ea typeface="宋体" charset="0"/>
+                <a:latin typeface="Arial" panose="020B0604020202020204" pitchFamily="34" charset="0"/>
+                <a:ea typeface="宋体" panose="02010600030101010101" pitchFamily="2" charset="-122"/>
               </a:rPr>
               <a:t>	Unbounded capacity – infinite length </a:t>
             </a:r>
             <a:br>
               <a:rPr kumimoji="0" lang="en-US" altLang="zh-CN" dirty="0">
-                <a:latin typeface="Arial" charset="0"/>
-                <a:ea typeface="宋体" charset="0"/>
+                <a:latin typeface="Arial" panose="020B0604020202020204" pitchFamily="34" charset="0"/>
+                <a:ea typeface="宋体" panose="02010600030101010101" pitchFamily="2" charset="-122"/>
               </a:rPr>
             </a:br>
             <a:r>
               <a:rPr kumimoji="0" lang="en-US" altLang="zh-CN" dirty="0">
-                <a:latin typeface="Arial" charset="0"/>
-                <a:ea typeface="宋体" charset="0"/>
+                <a:latin typeface="Arial" panose="020B0604020202020204" pitchFamily="34" charset="0"/>
+                <a:ea typeface="宋体" panose="02010600030101010101" pitchFamily="2" charset="-122"/>
               </a:rPr>
               <a:t>Sender never waits</a:t>
             </a:r>
+            <a:endParaRPr kumimoji="0" lang="en-US" altLang="zh-CN" dirty="0">
+              <a:latin typeface="Arial" panose="020B0604020202020204" pitchFamily="34" charset="0"/>
+              <a:ea typeface="宋体" panose="02010600030101010101" pitchFamily="2" charset="-122"/>
+            </a:endParaRPr>
           </a:p>
         </p:txBody>
       </p:sp>
     </p:spTree>
-    <p:extLst>
-      <p:ext uri="{BB962C8B-B14F-4D97-AF65-F5344CB8AC3E}">
-        <p14:creationId xmlns:p14="http://schemas.microsoft.com/office/powerpoint/2010/main" val="2748623122"/>
-      </p:ext>
-    </p:extLst>
   </p:cSld>
   <p:clrMapOvr>
     <a:masterClrMapping/>
@@ -10030,11 +9604,15 @@
           <a:p>
             <a:r>
               <a:rPr kumimoji="0" lang="en-US" altLang="zh-CN">
-                <a:latin typeface="Garamond" charset="0"/>
-                <a:ea typeface="宋体" charset="0"/>
+                <a:latin typeface="Garamond" panose="02020404030301010803" charset="0"/>
+                <a:ea typeface="宋体" panose="02010600030101010101" pitchFamily="2" charset="-122"/>
               </a:rPr>
               <a:t>Examples of IPC Systems - POSIX</a:t>
             </a:r>
+            <a:endParaRPr kumimoji="0" lang="en-US" altLang="zh-CN">
+              <a:latin typeface="Garamond" panose="02020404030301010803" charset="0"/>
+              <a:ea typeface="宋体" panose="02010600030101010101" pitchFamily="2" charset="-122"/>
+            </a:endParaRPr>
           </a:p>
         </p:txBody>
       </p:sp>
@@ -10062,116 +9640,151 @@
           <a:p>
             <a:r>
               <a:rPr kumimoji="0" lang="en-US" altLang="zh-CN">
-                <a:latin typeface="Arial" charset="0"/>
-                <a:ea typeface="宋体" charset="0"/>
+                <a:latin typeface="Arial" panose="020B0604020202020204" pitchFamily="34" charset="0"/>
+                <a:ea typeface="宋体" panose="02010600030101010101" pitchFamily="2" charset="-122"/>
               </a:rPr>
               <a:t>POSIX Shared Memory</a:t>
             </a:r>
+            <a:endParaRPr kumimoji="0" lang="en-US" altLang="zh-CN">
+              <a:latin typeface="Arial" panose="020B0604020202020204" pitchFamily="34" charset="0"/>
+              <a:ea typeface="宋体" panose="02010600030101010101" pitchFamily="2" charset="-122"/>
+            </a:endParaRPr>
           </a:p>
           <a:p>
             <a:pPr lvl="1"/>
             <a:r>
               <a:rPr kumimoji="0" lang="en-US" altLang="zh-CN" sz="2200">
-                <a:latin typeface="Arial" charset="0"/>
-                <a:ea typeface="宋体" charset="0"/>
+                <a:latin typeface="Arial" panose="020B0604020202020204" pitchFamily="34" charset="0"/>
+                <a:ea typeface="宋体" panose="02010600030101010101" pitchFamily="2" charset="-122"/>
               </a:rPr>
               <a:t>Process first creates shared memory segment</a:t>
             </a:r>
+            <a:endParaRPr kumimoji="0" lang="en-US" altLang="zh-CN" sz="2200">
+              <a:latin typeface="Arial" panose="020B0604020202020204" pitchFamily="34" charset="0"/>
+              <a:ea typeface="宋体" panose="02010600030101010101" pitchFamily="2" charset="-122"/>
+            </a:endParaRPr>
           </a:p>
           <a:p>
             <a:pPr lvl="1">
-              <a:buFont typeface="Wingdings" charset="0"/>
+              <a:buFont typeface="Wingdings" panose="05000000000000000000" charset="0"/>
               <a:buNone/>
             </a:pPr>
             <a:r>
               <a:rPr kumimoji="0" lang="en-US" altLang="zh-CN" sz="2200">
-                <a:latin typeface="Courier New" charset="0"/>
-                <a:ea typeface="ＭＳ Ｐゴシック" charset="0"/>
-                <a:cs typeface="Courier New" charset="0"/>
+                <a:latin typeface="Courier New" panose="02070309020205020404" charset="0"/>
+                <a:ea typeface="MS PGothic" panose="020B0600070205080204" charset="-128"/>
+                <a:cs typeface="Courier New" panose="02070309020205020404" charset="0"/>
               </a:rPr>
               <a:t>segment id = shmget(IPC PRIVATE, size, S IRUSR | S IWUSR);</a:t>
             </a:r>
+            <a:endParaRPr kumimoji="0" lang="en-US" altLang="zh-CN" sz="2200">
+              <a:latin typeface="Courier New" panose="02070309020205020404" charset="0"/>
+              <a:ea typeface="MS PGothic" panose="020B0600070205080204" charset="-128"/>
+              <a:cs typeface="Courier New" panose="02070309020205020404" charset="0"/>
+            </a:endParaRPr>
           </a:p>
           <a:p>
             <a:pPr lvl="1"/>
             <a:r>
               <a:rPr kumimoji="0" lang="en-US" altLang="zh-CN" sz="2200">
-                <a:latin typeface="Arial" charset="0"/>
-                <a:ea typeface="宋体" charset="0"/>
+                <a:latin typeface="Arial" panose="020B0604020202020204" pitchFamily="34" charset="0"/>
+                <a:ea typeface="宋体" panose="02010600030101010101" pitchFamily="2" charset="-122"/>
               </a:rPr>
               <a:t>Process wanting access to that shared memory must attach to it</a:t>
             </a:r>
+            <a:endParaRPr kumimoji="0" lang="en-US" altLang="zh-CN" sz="2200">
+              <a:latin typeface="Arial" panose="020B0604020202020204" pitchFamily="34" charset="0"/>
+              <a:ea typeface="宋体" panose="02010600030101010101" pitchFamily="2" charset="-122"/>
+            </a:endParaRPr>
           </a:p>
           <a:p>
             <a:pPr lvl="1">
-              <a:buFont typeface="Wingdings" charset="0"/>
+              <a:buFont typeface="Wingdings" panose="05000000000000000000" charset="0"/>
               <a:buNone/>
             </a:pPr>
             <a:r>
               <a:rPr kumimoji="0" lang="en-US" altLang="zh-CN" sz="2200">
-                <a:latin typeface="Courier New" charset="0"/>
-                <a:ea typeface="ＭＳ Ｐゴシック" charset="0"/>
-                <a:cs typeface="Courier New" charset="0"/>
+                <a:latin typeface="Courier New" panose="02070309020205020404" charset="0"/>
+                <a:ea typeface="MS PGothic" panose="020B0600070205080204" charset="-128"/>
+                <a:cs typeface="Courier New" panose="02070309020205020404" charset="0"/>
               </a:rPr>
               <a:t>shared memory = (char *) shmat(id, NULL, 0);</a:t>
             </a:r>
+            <a:endParaRPr kumimoji="0" lang="en-US" altLang="zh-CN" sz="2200">
+              <a:latin typeface="Courier New" panose="02070309020205020404" charset="0"/>
+              <a:ea typeface="MS PGothic" panose="020B0600070205080204" charset="-128"/>
+              <a:cs typeface="Courier New" panose="02070309020205020404" charset="0"/>
+            </a:endParaRPr>
           </a:p>
           <a:p>
             <a:pPr lvl="1"/>
             <a:r>
               <a:rPr kumimoji="0" lang="en-US" altLang="zh-CN" sz="2200">
-                <a:latin typeface="Arial" charset="0"/>
-                <a:ea typeface="宋体" charset="0"/>
+                <a:latin typeface="Arial" panose="020B0604020202020204" pitchFamily="34" charset="0"/>
+                <a:ea typeface="宋体" panose="02010600030101010101" pitchFamily="2" charset="-122"/>
               </a:rPr>
               <a:t>Now the process could write to the shared memory</a:t>
             </a:r>
+            <a:endParaRPr kumimoji="0" lang="en-US" altLang="zh-CN" sz="2200">
+              <a:latin typeface="Arial" panose="020B0604020202020204" pitchFamily="34" charset="0"/>
+              <a:ea typeface="宋体" panose="02010600030101010101" pitchFamily="2" charset="-122"/>
+            </a:endParaRPr>
           </a:p>
           <a:p>
             <a:pPr lvl="1">
-              <a:buFont typeface="Wingdings" charset="0"/>
+              <a:buFont typeface="Wingdings" panose="05000000000000000000" charset="0"/>
               <a:buNone/>
             </a:pPr>
             <a:r>
               <a:rPr kumimoji="0" lang="en-US" altLang="zh-CN" sz="2200">
-                <a:latin typeface="Courier New" charset="0"/>
-                <a:ea typeface="ＭＳ Ｐゴシック" charset="0"/>
-                <a:cs typeface="Courier New" charset="0"/>
+                <a:latin typeface="Courier New" panose="02070309020205020404" charset="0"/>
+                <a:ea typeface="MS PGothic" panose="020B0600070205080204" charset="-128"/>
+                <a:cs typeface="Courier New" panose="02070309020205020404" charset="0"/>
               </a:rPr>
               <a:t>sprintf(shared memory, "Writing to shared memory");</a:t>
             </a:r>
+            <a:endParaRPr kumimoji="0" lang="en-US" altLang="zh-CN" sz="2200">
+              <a:latin typeface="Courier New" panose="02070309020205020404" charset="0"/>
+              <a:ea typeface="MS PGothic" panose="020B0600070205080204" charset="-128"/>
+              <a:cs typeface="Courier New" panose="02070309020205020404" charset="0"/>
+            </a:endParaRPr>
           </a:p>
           <a:p>
             <a:pPr lvl="1"/>
             <a:r>
               <a:rPr kumimoji="0" lang="en-US" altLang="zh-CN" sz="2200">
-                <a:latin typeface="Arial" charset="0"/>
-                <a:ea typeface="宋体" charset="0"/>
+                <a:latin typeface="Arial" panose="020B0604020202020204" pitchFamily="34" charset="0"/>
+                <a:ea typeface="宋体" panose="02010600030101010101" pitchFamily="2" charset="-122"/>
               </a:rPr>
               <a:t>When done a process can detach the shared memory from its address space</a:t>
             </a:r>
+            <a:endParaRPr kumimoji="0" lang="en-US" altLang="zh-CN" sz="2200">
+              <a:latin typeface="Arial" panose="020B0604020202020204" pitchFamily="34" charset="0"/>
+              <a:ea typeface="宋体" panose="02010600030101010101" pitchFamily="2" charset="-122"/>
+            </a:endParaRPr>
           </a:p>
           <a:p>
             <a:pPr lvl="1">
-              <a:buFont typeface="Wingdings" charset="0"/>
+              <a:buFont typeface="Wingdings" panose="05000000000000000000" charset="0"/>
               <a:buNone/>
             </a:pPr>
             <a:r>
               <a:rPr kumimoji="0" lang="en-US" altLang="zh-CN" sz="2200">
-                <a:latin typeface="Courier New" charset="0"/>
-                <a:ea typeface="ＭＳ Ｐゴシック" charset="0"/>
-                <a:cs typeface="Courier New" charset="0"/>
+                <a:latin typeface="Courier New" panose="02070309020205020404" charset="0"/>
+                <a:ea typeface="MS PGothic" panose="020B0600070205080204" charset="-128"/>
+                <a:cs typeface="Courier New" panose="02070309020205020404" charset="0"/>
               </a:rPr>
               <a:t>shmdt(shared memory);</a:t>
             </a:r>
+            <a:endParaRPr kumimoji="0" lang="en-US" altLang="zh-CN" sz="2200">
+              <a:latin typeface="Courier New" panose="02070309020205020404" charset="0"/>
+              <a:ea typeface="MS PGothic" panose="020B0600070205080204" charset="-128"/>
+              <a:cs typeface="Courier New" panose="02070309020205020404" charset="0"/>
+            </a:endParaRPr>
           </a:p>
         </p:txBody>
       </p:sp>
     </p:spTree>
-    <p:extLst>
-      <p:ext uri="{BB962C8B-B14F-4D97-AF65-F5344CB8AC3E}">
-        <p14:creationId xmlns:p14="http://schemas.microsoft.com/office/powerpoint/2010/main" val="1103659349"/>
-      </p:ext>
-    </p:extLst>
   </p:cSld>
   <p:clrMapOvr>
     <a:masterClrMapping/>
@@ -10227,11 +9840,15 @@
           <a:p>
             <a:r>
               <a:rPr kumimoji="0" lang="en-US" altLang="zh-CN" sz="3800">
-                <a:latin typeface="Garamond" charset="0"/>
-                <a:ea typeface="宋体" charset="0"/>
+                <a:latin typeface="Garamond" panose="02020404030301010803" charset="0"/>
+                <a:ea typeface="宋体" panose="02010600030101010101" pitchFamily="2" charset="-122"/>
               </a:rPr>
               <a:t>Communications in Client-Server Systems</a:t>
             </a:r>
+            <a:endParaRPr kumimoji="0" lang="en-US" altLang="zh-CN" sz="3800">
+              <a:latin typeface="Garamond" panose="02020404030301010803" charset="0"/>
+              <a:ea typeface="宋体" panose="02010600030101010101" pitchFamily="2" charset="-122"/>
+            </a:endParaRPr>
           </a:p>
         </p:txBody>
       </p:sp>
@@ -10252,50 +9869,57 @@
           <a:p>
             <a:r>
               <a:rPr kumimoji="0" lang="en-US" altLang="zh-CN">
-                <a:latin typeface="Arial" charset="0"/>
-                <a:ea typeface="宋体" charset="0"/>
+                <a:latin typeface="Arial" panose="020B0604020202020204" pitchFamily="34" charset="0"/>
+                <a:ea typeface="宋体" panose="02010600030101010101" pitchFamily="2" charset="-122"/>
               </a:rPr>
               <a:t>Sockets</a:t>
             </a:r>
-          </a:p>
-          <a:p>
             <a:endParaRPr kumimoji="0" lang="en-US" altLang="zh-CN">
-              <a:latin typeface="Arial" charset="0"/>
-              <a:ea typeface="宋体" charset="0"/>
+              <a:latin typeface="Arial" panose="020B0604020202020204" pitchFamily="34" charset="0"/>
+              <a:ea typeface="宋体" panose="02010600030101010101" pitchFamily="2" charset="-122"/>
+            </a:endParaRPr>
+          </a:p>
+          <a:p>
+            <a:endParaRPr kumimoji="0" lang="en-US" altLang="zh-CN">
+              <a:latin typeface="Arial" panose="020B0604020202020204" pitchFamily="34" charset="0"/>
+              <a:ea typeface="宋体" panose="02010600030101010101" pitchFamily="2" charset="-122"/>
             </a:endParaRPr>
           </a:p>
           <a:p>
             <a:r>
               <a:rPr kumimoji="0" lang="en-US" altLang="zh-CN">
-                <a:latin typeface="Arial" charset="0"/>
-                <a:ea typeface="宋体" charset="0"/>
+                <a:latin typeface="Arial" panose="020B0604020202020204" pitchFamily="34" charset="0"/>
+                <a:ea typeface="宋体" panose="02010600030101010101" pitchFamily="2" charset="-122"/>
               </a:rPr>
               <a:t>Remote Procedure Calls</a:t>
             </a:r>
-          </a:p>
-          <a:p>
             <a:endParaRPr kumimoji="0" lang="en-US" altLang="zh-CN">
-              <a:latin typeface="Arial" charset="0"/>
-              <a:ea typeface="宋体" charset="0"/>
+              <a:latin typeface="Arial" panose="020B0604020202020204" pitchFamily="34" charset="0"/>
+              <a:ea typeface="宋体" panose="02010600030101010101" pitchFamily="2" charset="-122"/>
+            </a:endParaRPr>
+          </a:p>
+          <a:p>
+            <a:endParaRPr kumimoji="0" lang="en-US" altLang="zh-CN">
+              <a:latin typeface="Arial" panose="020B0604020202020204" pitchFamily="34" charset="0"/>
+              <a:ea typeface="宋体" panose="02010600030101010101" pitchFamily="2" charset="-122"/>
             </a:endParaRPr>
           </a:p>
           <a:p>
             <a:r>
               <a:rPr kumimoji="0" lang="en-US" altLang="zh-CN">
-                <a:latin typeface="Arial" charset="0"/>
-                <a:ea typeface="宋体" charset="0"/>
+                <a:latin typeface="Arial" panose="020B0604020202020204" pitchFamily="34" charset="0"/>
+                <a:ea typeface="宋体" panose="02010600030101010101" pitchFamily="2" charset="-122"/>
               </a:rPr>
               <a:t>Remote Method Invocation (Java)</a:t>
             </a:r>
+            <a:endParaRPr kumimoji="0" lang="en-US" altLang="zh-CN">
+              <a:latin typeface="Arial" panose="020B0604020202020204" pitchFamily="34" charset="0"/>
+              <a:ea typeface="宋体" panose="02010600030101010101" pitchFamily="2" charset="-122"/>
+            </a:endParaRPr>
           </a:p>
         </p:txBody>
       </p:sp>
     </p:spTree>
-    <p:extLst>
-      <p:ext uri="{BB962C8B-B14F-4D97-AF65-F5344CB8AC3E}">
-        <p14:creationId xmlns:p14="http://schemas.microsoft.com/office/powerpoint/2010/main" val="2554439185"/>
-      </p:ext>
-    </p:extLst>
   </p:cSld>
   <p:clrMapOvr>
     <a:masterClrMapping/>
@@ -10370,11 +9994,6 @@
         </p:txBody>
       </p:sp>
     </p:spTree>
-    <p:extLst>
-      <p:ext uri="{BB962C8B-B14F-4D97-AF65-F5344CB8AC3E}">
-        <p14:creationId xmlns:p14="http://schemas.microsoft.com/office/powerpoint/2010/main" val="1239803752"/>
-      </p:ext>
-    </p:extLst>
   </p:cSld>
   <p:clrMapOvr>
     <a:masterClrMapping/>
@@ -10450,6 +10069,7 @@
               <a:rPr lang="en-US" altLang="zh-CN" dirty="0"/>
               <a:t>Pipes</a:t>
             </a:r>
+            <a:endParaRPr lang="en-US" altLang="zh-CN" dirty="0"/>
           </a:p>
           <a:p>
             <a:r>
@@ -10467,6 +10087,7 @@
               <a:rPr lang="en-US" altLang="zh-CN" dirty="0"/>
               <a:t>sockets</a:t>
             </a:r>
+            <a:endParaRPr lang="en-US" altLang="zh-CN" dirty="0"/>
           </a:p>
           <a:p>
             <a:r>
@@ -10477,6 +10098,7 @@
               <a:rPr lang="en-US" altLang="zh-CN" dirty="0"/>
               <a:t>semaphores</a:t>
             </a:r>
+            <a:endParaRPr lang="en-US" altLang="zh-CN" dirty="0"/>
           </a:p>
           <a:p>
             <a:r>
@@ -10487,6 +10109,7 @@
               <a:rPr lang="en-US" altLang="zh-CN" dirty="0"/>
               <a:t>(named pipes)</a:t>
             </a:r>
+            <a:endParaRPr lang="en-US" altLang="zh-CN" dirty="0"/>
           </a:p>
           <a:p>
             <a:r>
@@ -10497,6 +10120,7 @@
               <a:rPr lang="en-US" altLang="zh-CN" dirty="0"/>
               <a:t>memory segments</a:t>
             </a:r>
+            <a:endParaRPr lang="en-US" altLang="zh-CN" dirty="0"/>
           </a:p>
           <a:p>
             <a:r>
@@ -10507,6 +10131,7 @@
               <a:rPr lang="en-US" altLang="zh-CN" dirty="0"/>
               <a:t>V semaphore sets</a:t>
             </a:r>
+            <a:endParaRPr lang="en-US" altLang="zh-CN" dirty="0"/>
           </a:p>
           <a:p>
             <a:r>
@@ -10517,6 +10142,7 @@
               <a:rPr lang="en-US" altLang="zh-CN" dirty="0"/>
               <a:t>message queues</a:t>
             </a:r>
+            <a:endParaRPr lang="en-US" altLang="zh-CN" dirty="0"/>
           </a:p>
           <a:p>
             <a:r>
@@ -10527,6 +10153,7 @@
               <a:rPr lang="en-US" altLang="zh-CN" dirty="0"/>
               <a:t>V message queues</a:t>
             </a:r>
+            <a:endParaRPr lang="en-US" altLang="zh-CN" dirty="0"/>
           </a:p>
           <a:p>
             <a:r>
@@ -10542,11 +10169,6 @@
         </p:txBody>
       </p:sp>
     </p:spTree>
-    <p:extLst>
-      <p:ext uri="{BB962C8B-B14F-4D97-AF65-F5344CB8AC3E}">
-        <p14:creationId xmlns:p14="http://schemas.microsoft.com/office/powerpoint/2010/main" val="2261910149"/>
-      </p:ext>
-    </p:extLst>
   </p:cSld>
   <p:clrMapOvr>
     <a:masterClrMapping/>
@@ -10630,6 +10252,7 @@
               <a:rPr lang="en-US" altLang="zh-CN" dirty="0"/>
               <a:t>:</a:t>
             </a:r>
+            <a:endParaRPr lang="en-US" altLang="zh-CN" dirty="0"/>
           </a:p>
           <a:p>
             <a:pPr lvl="1"/>
@@ -10649,6 +10272,7 @@
               <a:rPr lang="en-US" altLang="zh-CN" dirty="0"/>
               <a:t>has happened)</a:t>
             </a:r>
+            <a:endParaRPr lang="en-US" altLang="zh-CN" dirty="0"/>
           </a:p>
           <a:p>
             <a:pPr lvl="1"/>
@@ -10668,6 +10292,7 @@
               <a:rPr lang="en-US" altLang="zh-CN" dirty="0"/>
               <a:t>the destination, or source)</a:t>
             </a:r>
+            <a:endParaRPr lang="en-US" altLang="zh-CN" dirty="0"/>
           </a:p>
           <a:p>
             <a:pPr lvl="1"/>
@@ -10687,6 +10312,7 @@
               <a:rPr lang="en-US" altLang="zh-CN" dirty="0"/>
               <a:t>)</a:t>
             </a:r>
+            <a:endParaRPr lang="en-US" altLang="zh-CN" dirty="0"/>
           </a:p>
           <a:p>
             <a:r>
@@ -10706,11 +10332,6 @@
         </p:txBody>
       </p:sp>
     </p:spTree>
-    <p:extLst>
-      <p:ext uri="{BB962C8B-B14F-4D97-AF65-F5344CB8AC3E}">
-        <p14:creationId xmlns:p14="http://schemas.microsoft.com/office/powerpoint/2010/main" val="526546935"/>
-      </p:ext>
-    </p:extLst>
   </p:cSld>
   <p:clrMapOvr>
     <a:masterClrMapping/>
@@ -10794,6 +10415,7 @@
               <a:rPr lang="en-US" altLang="zh-CN" dirty="0"/>
               <a:t>() or select()/poll()</a:t>
             </a:r>
+            <a:endParaRPr lang="en-US" altLang="zh-CN" dirty="0"/>
           </a:p>
           <a:p>
             <a:r>
@@ -10812,6 +10434,7 @@
               <a:rPr lang="en-US" altLang="zh-CN" dirty="0"/>
               <a:t>, but...</a:t>
             </a:r>
+            <a:endParaRPr lang="en-US" altLang="zh-CN" dirty="0"/>
           </a:p>
           <a:p>
             <a:pPr lvl="1"/>
@@ -10823,6 +10446,7 @@
               <a:rPr lang="en-US" altLang="zh-CN" dirty="0"/>
               <a:t>(small) stack</a:t>
             </a:r>
+            <a:endParaRPr lang="en-US" altLang="zh-CN" dirty="0"/>
           </a:p>
           <a:p>
             <a:pPr lvl="1"/>
@@ -10842,6 +10466,7 @@
               <a:rPr lang="en-US" altLang="zh-CN" dirty="0"/>
               <a:t> available (e.g. semaphores)</a:t>
             </a:r>
+            <a:endParaRPr lang="en-US" altLang="zh-CN" dirty="0"/>
           </a:p>
           <a:p>
             <a:pPr lvl="1"/>
@@ -10869,6 +10494,7 @@
               <a:rPr lang="en-US" altLang="zh-CN" dirty="0"/>
               <a:t>say the least</a:t>
             </a:r>
+            <a:endParaRPr lang="en-US" altLang="zh-CN" dirty="0"/>
           </a:p>
           <a:p>
             <a:r>
@@ -10896,11 +10522,6 @@
         </p:txBody>
       </p:sp>
     </p:spTree>
-    <p:extLst>
-      <p:ext uri="{BB962C8B-B14F-4D97-AF65-F5344CB8AC3E}">
-        <p14:creationId xmlns:p14="http://schemas.microsoft.com/office/powerpoint/2010/main" val="2161882863"/>
-      </p:ext>
-    </p:extLst>
   </p:cSld>
   <p:clrMapOvr>
     <a:masterClrMapping/>
@@ -10982,6 +10603,7 @@
               <a:rPr lang="en-US" altLang="zh-CN" dirty="0"/>
               <a:t>?</a:t>
             </a:r>
+            <a:endParaRPr lang="en-US" altLang="zh-CN" dirty="0"/>
           </a:p>
           <a:p>
             <a:r>
@@ -10992,6 +10614,7 @@
               <a:rPr lang="en-US" altLang="zh-CN" dirty="0"/>
               <a:t>the calling domain/process block?</a:t>
             </a:r>
+            <a:endParaRPr lang="en-US" altLang="zh-CN" dirty="0"/>
           </a:p>
           <a:p>
             <a:r>
@@ -11002,6 +10625,7 @@
               <a:rPr lang="en-US" altLang="zh-CN" dirty="0"/>
               <a:t>the scheduler involved?</a:t>
             </a:r>
+            <a:endParaRPr lang="en-US" altLang="zh-CN" dirty="0"/>
           </a:p>
           <a:p>
             <a:r>
@@ -11012,6 +10636,7 @@
               <a:rPr lang="en-US" altLang="zh-CN" dirty="0"/>
               <a:t>more than one thread involved?</a:t>
             </a:r>
+            <a:endParaRPr lang="en-US" altLang="zh-CN" dirty="0"/>
           </a:p>
           <a:p>
             <a:r>
@@ -11027,11 +10652,6 @@
         </p:txBody>
       </p:sp>
     </p:spTree>
-    <p:extLst>
-      <p:ext uri="{BB962C8B-B14F-4D97-AF65-F5344CB8AC3E}">
-        <p14:creationId xmlns:p14="http://schemas.microsoft.com/office/powerpoint/2010/main" val="4085668954"/>
-      </p:ext>
-    </p:extLst>
   </p:cSld>
   <p:clrMapOvr>
     <a:masterClrMapping/>
@@ -11085,11 +10705,15 @@
           <a:p>
             <a:r>
               <a:rPr kumimoji="0" lang="en-US" altLang="zh-CN">
-                <a:latin typeface="Garamond" charset="0"/>
-                <a:ea typeface="宋体" charset="0"/>
+                <a:latin typeface="Garamond" panose="02020404030301010803" charset="0"/>
+                <a:ea typeface="宋体" panose="02010600030101010101" pitchFamily="2" charset="-122"/>
               </a:rPr>
               <a:t>Cooperating Processes</a:t>
             </a:r>
+            <a:endParaRPr kumimoji="0" lang="en-US" altLang="zh-CN">
+              <a:latin typeface="Garamond" panose="02020404030301010803" charset="0"/>
+              <a:ea typeface="宋体" panose="02010600030101010101" pitchFamily="2" charset="-122"/>
+            </a:endParaRPr>
           </a:p>
         </p:txBody>
       </p:sp>
@@ -11115,18 +10739,22 @@
           <a:p>
             <a:r>
               <a:rPr kumimoji="0" lang="en-US" altLang="zh-CN" b="1">
-                <a:latin typeface="Arial" charset="0"/>
-                <a:ea typeface="宋体" charset="0"/>
+                <a:latin typeface="Arial" panose="020B0604020202020204" pitchFamily="34" charset="0"/>
+                <a:ea typeface="宋体" panose="02010600030101010101" pitchFamily="2" charset="-122"/>
               </a:rPr>
               <a:t>Independent</a:t>
             </a:r>
             <a:r>
               <a:rPr kumimoji="0" lang="en-US" altLang="zh-CN">
-                <a:latin typeface="Arial" charset="0"/>
-                <a:ea typeface="宋体" charset="0"/>
+                <a:latin typeface="Arial" panose="020B0604020202020204" pitchFamily="34" charset="0"/>
+                <a:ea typeface="宋体" panose="02010600030101010101" pitchFamily="2" charset="-122"/>
               </a:rPr>
               <a:t> process cannot affect or be affected by the execution of another process</a:t>
             </a:r>
+            <a:endParaRPr kumimoji="0" lang="en-US" altLang="zh-CN">
+              <a:latin typeface="Arial" panose="020B0604020202020204" pitchFamily="34" charset="0"/>
+              <a:ea typeface="宋体" panose="02010600030101010101" pitchFamily="2" charset="-122"/>
+            </a:endParaRPr>
           </a:p>
           <a:p>
             <a:r>
@@ -11134,76 +10762,95 @@
                 <a:solidFill>
                   <a:srgbClr val="000000"/>
                 </a:solidFill>
-                <a:latin typeface="Arial" charset="0"/>
-                <a:ea typeface="宋体" charset="0"/>
+                <a:latin typeface="Arial" panose="020B0604020202020204" pitchFamily="34" charset="0"/>
+                <a:ea typeface="宋体" panose="02010600030101010101" pitchFamily="2" charset="-122"/>
               </a:rPr>
               <a:t>Cooperating</a:t>
             </a:r>
             <a:r>
               <a:rPr kumimoji="0" lang="en-US" altLang="zh-CN">
-                <a:latin typeface="Arial" charset="0"/>
-                <a:ea typeface="宋体" charset="0"/>
+                <a:latin typeface="Arial" panose="020B0604020202020204" pitchFamily="34" charset="0"/>
+                <a:ea typeface="宋体" panose="02010600030101010101" pitchFamily="2" charset="-122"/>
               </a:rPr>
               <a:t> process can affect or be affected by the execution of another process</a:t>
             </a:r>
+            <a:endParaRPr kumimoji="0" lang="en-US" altLang="zh-CN">
+              <a:latin typeface="Arial" panose="020B0604020202020204" pitchFamily="34" charset="0"/>
+              <a:ea typeface="宋体" panose="02010600030101010101" pitchFamily="2" charset="-122"/>
+            </a:endParaRPr>
           </a:p>
           <a:p>
             <a:r>
               <a:rPr kumimoji="0" lang="en-US" altLang="zh-CN">
-                <a:latin typeface="Arial" charset="0"/>
-                <a:ea typeface="宋体" charset="0"/>
+                <a:latin typeface="Arial" panose="020B0604020202020204" pitchFamily="34" charset="0"/>
+                <a:ea typeface="宋体" panose="02010600030101010101" pitchFamily="2" charset="-122"/>
               </a:rPr>
               <a:t>Advantages of process cooperation</a:t>
             </a:r>
+            <a:endParaRPr kumimoji="0" lang="en-US" altLang="zh-CN">
+              <a:latin typeface="Arial" panose="020B0604020202020204" pitchFamily="34" charset="0"/>
+              <a:ea typeface="宋体" panose="02010600030101010101" pitchFamily="2" charset="-122"/>
+            </a:endParaRPr>
           </a:p>
           <a:p>
             <a:pPr lvl="1"/>
             <a:r>
               <a:rPr kumimoji="0" lang="en-US" altLang="zh-CN">
-                <a:latin typeface="Arial" charset="0"/>
-                <a:ea typeface="宋体" charset="0"/>
+                <a:latin typeface="Arial" panose="020B0604020202020204" pitchFamily="34" charset="0"/>
+                <a:ea typeface="宋体" panose="02010600030101010101" pitchFamily="2" charset="-122"/>
               </a:rPr>
               <a:t>Information sharing </a:t>
             </a:r>
+            <a:endParaRPr kumimoji="0" lang="en-US" altLang="zh-CN">
+              <a:latin typeface="Arial" panose="020B0604020202020204" pitchFamily="34" charset="0"/>
+              <a:ea typeface="宋体" panose="02010600030101010101" pitchFamily="2" charset="-122"/>
+            </a:endParaRPr>
           </a:p>
           <a:p>
             <a:pPr lvl="1"/>
             <a:r>
               <a:rPr kumimoji="0" lang="en-US" altLang="zh-CN">
-                <a:latin typeface="Arial" charset="0"/>
-                <a:ea typeface="宋体" charset="0"/>
+                <a:latin typeface="Arial" panose="020B0604020202020204" pitchFamily="34" charset="0"/>
+                <a:ea typeface="宋体" panose="02010600030101010101" pitchFamily="2" charset="-122"/>
               </a:rPr>
               <a:t>Computation speed-up</a:t>
             </a:r>
+            <a:endParaRPr kumimoji="0" lang="en-US" altLang="zh-CN">
+              <a:latin typeface="Arial" panose="020B0604020202020204" pitchFamily="34" charset="0"/>
+              <a:ea typeface="宋体" panose="02010600030101010101" pitchFamily="2" charset="-122"/>
+            </a:endParaRPr>
           </a:p>
           <a:p>
             <a:pPr lvl="1"/>
             <a:r>
               <a:rPr kumimoji="0" lang="en-US" altLang="zh-CN">
-                <a:latin typeface="Arial" charset="0"/>
-                <a:ea typeface="宋体" charset="0"/>
+                <a:latin typeface="Arial" panose="020B0604020202020204" pitchFamily="34" charset="0"/>
+                <a:ea typeface="宋体" panose="02010600030101010101" pitchFamily="2" charset="-122"/>
               </a:rPr>
               <a:t>Modularity</a:t>
             </a:r>
+            <a:endParaRPr kumimoji="0" lang="en-US" altLang="zh-CN">
+              <a:latin typeface="Arial" panose="020B0604020202020204" pitchFamily="34" charset="0"/>
+              <a:ea typeface="宋体" panose="02010600030101010101" pitchFamily="2" charset="-122"/>
+            </a:endParaRPr>
           </a:p>
           <a:p>
             <a:pPr lvl="1"/>
             <a:r>
               <a:rPr kumimoji="0" lang="en-US" altLang="zh-CN">
-                <a:latin typeface="Arial" charset="0"/>
-                <a:ea typeface="宋体" charset="0"/>
+                <a:latin typeface="Arial" panose="020B0604020202020204" pitchFamily="34" charset="0"/>
+                <a:ea typeface="宋体" panose="02010600030101010101" pitchFamily="2" charset="-122"/>
               </a:rPr>
               <a:t>Convenience</a:t>
             </a:r>
+            <a:endParaRPr kumimoji="0" lang="en-US" altLang="zh-CN">
+              <a:latin typeface="Arial" panose="020B0604020202020204" pitchFamily="34" charset="0"/>
+              <a:ea typeface="宋体" panose="02010600030101010101" pitchFamily="2" charset="-122"/>
+            </a:endParaRPr>
           </a:p>
         </p:txBody>
       </p:sp>
     </p:spTree>
-    <p:extLst>
-      <p:ext uri="{BB962C8B-B14F-4D97-AF65-F5344CB8AC3E}">
-        <p14:creationId xmlns:p14="http://schemas.microsoft.com/office/powerpoint/2010/main" val="4218079846"/>
-      </p:ext>
-    </p:extLst>
   </p:cSld>
   <p:clrMapOvr>
     <a:masterClrMapping/>
@@ -11294,6 +10941,7 @@
               <a:rPr lang="en-US" altLang="zh-CN" dirty="0"/>
               <a:t>in server’s domain</a:t>
             </a:r>
+            <a:endParaRPr lang="en-US" altLang="zh-CN" dirty="0"/>
           </a:p>
           <a:p>
             <a:r>
@@ -11312,6 +10960,7 @@
               <a:rPr lang="en-US" altLang="zh-CN" dirty="0"/>
               <a:t>registers</a:t>
             </a:r>
+            <a:endParaRPr lang="en-US" altLang="zh-CN" dirty="0"/>
           </a:p>
           <a:p>
             <a:r>
@@ -11322,6 +10971,7 @@
               <a:rPr lang="en-US" altLang="zh-CN" dirty="0"/>
               <a:t>stubs: i.e. highly optimized marshalling</a:t>
             </a:r>
+            <a:endParaRPr lang="en-US" altLang="zh-CN" dirty="0"/>
           </a:p>
           <a:p>
             <a:r>
@@ -11341,11 +10991,6 @@
         </p:txBody>
       </p:sp>
     </p:spTree>
-    <p:extLst>
-      <p:ext uri="{BB962C8B-B14F-4D97-AF65-F5344CB8AC3E}">
-        <p14:creationId xmlns:p14="http://schemas.microsoft.com/office/powerpoint/2010/main" val="1229050837"/>
-      </p:ext>
-    </p:extLst>
   </p:cSld>
   <p:clrMapOvr>
     <a:masterClrMapping/>
@@ -11435,6 +11080,7 @@
               <a:rPr lang="en-US" altLang="zh-CN" sz="2200" dirty="0"/>
               <a:t>copy lots of data (not an issue for the network)</a:t>
             </a:r>
+            <a:endParaRPr lang="en-US" altLang="zh-CN" sz="2200" dirty="0"/>
           </a:p>
           <a:p>
             <a:pPr marL="457200" indent="-457200">
@@ -11457,6 +11103,7 @@
               <a:rPr lang="en-US" altLang="zh-CN" sz="2200" dirty="0"/>
               <a:t>!)</a:t>
             </a:r>
+            <a:endParaRPr lang="en-US" altLang="zh-CN" sz="2200" dirty="0"/>
           </a:p>
           <a:p>
             <a:pPr marL="457200" indent="-457200">
@@ -11471,6 +11118,7 @@
               <a:rPr lang="en-US" altLang="zh-CN" sz="2200" dirty="0"/>
               <a:t>validation</a:t>
             </a:r>
+            <a:endParaRPr lang="en-US" altLang="zh-CN" sz="2200" dirty="0"/>
           </a:p>
           <a:p>
             <a:pPr marL="457200" indent="-457200">
@@ -11493,6 +11141,7 @@
               <a:rPr lang="en-US" altLang="zh-CN" sz="2200" dirty="0"/>
               <a:t> of messages)</a:t>
             </a:r>
+            <a:endParaRPr lang="en-US" altLang="zh-CN" sz="2200" dirty="0"/>
           </a:p>
           <a:p>
             <a:pPr marL="457200" indent="-457200">
@@ -11542,6 +11191,7 @@
               <a:rPr lang="en-US" altLang="zh-CN" sz="2200" dirty="0"/>
               <a:t>switch (x 2)</a:t>
             </a:r>
+            <a:endParaRPr lang="en-US" altLang="zh-CN" sz="2200" dirty="0"/>
           </a:p>
           <a:p>
             <a:pPr marL="457200" indent="-457200">
@@ -11577,11 +11227,6 @@
         </p:txBody>
       </p:sp>
     </p:spTree>
-    <p:extLst>
-      <p:ext uri="{BB962C8B-B14F-4D97-AF65-F5344CB8AC3E}">
-        <p14:creationId xmlns:p14="http://schemas.microsoft.com/office/powerpoint/2010/main" val="4231511693"/>
-      </p:ext>
-    </p:extLst>
   </p:cSld>
   <p:clrMapOvr>
     <a:masterClrMapping/>
@@ -11664,7 +11309,7 @@
           <p:nvPr/>
         </p:nvPicPr>
         <p:blipFill>
-          <a:blip r:embed="rId2"/>
+          <a:blip r:embed="rId1"/>
           <a:stretch>
             <a:fillRect/>
           </a:stretch>
@@ -11680,11 +11325,6 @@
         </p:spPr>
       </p:pic>
     </p:spTree>
-    <p:extLst>
-      <p:ext uri="{BB962C8B-B14F-4D97-AF65-F5344CB8AC3E}">
-        <p14:creationId xmlns:p14="http://schemas.microsoft.com/office/powerpoint/2010/main" val="1997816539"/>
-      </p:ext>
-    </p:extLst>
   </p:cSld>
   <p:clrMapOvr>
     <a:masterClrMapping/>
@@ -11777,6 +11417,7 @@
               <a:rPr lang="en-US" altLang="zh-CN" sz="2400" dirty="0"/>
               <a:t>for each procedure in the called interface</a:t>
             </a:r>
+            <a:endParaRPr lang="en-US" altLang="zh-CN" sz="2400" dirty="0"/>
           </a:p>
           <a:p>
             <a:r>
@@ -11830,6 +11471,7 @@
               <a:rPr lang="en-US" altLang="zh-CN" sz="2400" dirty="0"/>
               <a:t>A‐stacks</a:t>
             </a:r>
+            <a:endParaRPr lang="en-US" altLang="zh-CN" sz="2400" dirty="0"/>
           </a:p>
           <a:p>
             <a:r>
@@ -11853,11 +11495,6 @@
         </p:txBody>
       </p:sp>
     </p:spTree>
-    <p:extLst>
-      <p:ext uri="{BB962C8B-B14F-4D97-AF65-F5344CB8AC3E}">
-        <p14:creationId xmlns:p14="http://schemas.microsoft.com/office/powerpoint/2010/main" val="1350343422"/>
-      </p:ext>
-    </p:extLst>
   </p:cSld>
   <p:clrMapOvr>
     <a:masterClrMapping/>
@@ -11951,6 +11588,7 @@
               <a:rPr lang="en-US" altLang="zh-CN" dirty="0"/>
               <a:t>Binding Object, find correct PD</a:t>
             </a:r>
+            <a:endParaRPr lang="en-US" altLang="zh-CN" dirty="0"/>
           </a:p>
           <a:p>
             <a:pPr marL="514350" indent="-514350">
@@ -11965,6 +11603,7 @@
               <a:rPr lang="en-US" altLang="zh-CN" dirty="0"/>
               <a:t>A‐Stack, find corresponding linkage</a:t>
             </a:r>
+            <a:endParaRPr lang="en-US" altLang="zh-CN" dirty="0"/>
           </a:p>
           <a:p>
             <a:pPr marL="514350" indent="-514350">
@@ -11979,6 +11618,7 @@
               <a:rPr lang="en-US" altLang="zh-CN" dirty="0"/>
               <a:t>no other thread using that A‐stack/linkage pair</a:t>
             </a:r>
+            <a:endParaRPr lang="en-US" altLang="zh-CN" dirty="0"/>
           </a:p>
           <a:p>
             <a:pPr marL="514350" indent="-514350">
@@ -12001,6 +11641,7 @@
               <a:rPr lang="en-US" altLang="zh-CN" dirty="0"/>
               <a:t> and stack pointer in linkage</a:t>
             </a:r>
+            <a:endParaRPr lang="en-US" altLang="zh-CN" dirty="0"/>
           </a:p>
           <a:p>
             <a:pPr marL="514350" indent="-514350">
@@ -12023,6 +11664,7 @@
               <a:rPr lang="en-US" altLang="zh-CN" dirty="0"/>
               <a:t>calls)</a:t>
             </a:r>
+            <a:endParaRPr lang="en-US" altLang="zh-CN" dirty="0"/>
           </a:p>
           <a:p>
             <a:pPr marL="514350" indent="-514350">
@@ -12037,6 +11679,7 @@
               <a:rPr lang="en-US" altLang="zh-CN" dirty="0"/>
               <a:t>an execution stack (E‐stack) in server’s domain</a:t>
             </a:r>
+            <a:endParaRPr lang="en-US" altLang="zh-CN" dirty="0"/>
           </a:p>
           <a:p>
             <a:pPr marL="514350" indent="-514350">
@@ -12051,6 +11694,7 @@
               <a:rPr lang="en-US" altLang="zh-CN" dirty="0"/>
               <a:t>thread’s SP to run off E‐stack</a:t>
             </a:r>
+            <a:endParaRPr lang="en-US" altLang="zh-CN" dirty="0"/>
           </a:p>
           <a:p>
             <a:pPr marL="514350" indent="-514350">
@@ -12065,6 +11709,7 @@
               <a:rPr lang="en-US" altLang="zh-CN" dirty="0"/>
               <a:t>address space switch to server domain</a:t>
             </a:r>
+            <a:endParaRPr lang="en-US" altLang="zh-CN" dirty="0"/>
           </a:p>
           <a:p>
             <a:pPr marL="514350" indent="-514350">
@@ -12088,11 +11733,6 @@
         </p:txBody>
       </p:sp>
     </p:spTree>
-    <p:extLst>
-      <p:ext uri="{BB962C8B-B14F-4D97-AF65-F5344CB8AC3E}">
-        <p14:creationId xmlns:p14="http://schemas.microsoft.com/office/powerpoint/2010/main" val="905937913"/>
-      </p:ext>
-    </p:extLst>
   </p:cSld>
   <p:clrMapOvr>
     <a:masterClrMapping/>
@@ -12176,6 +11816,7 @@
               <a:rPr lang="en-US" altLang="zh-CN" sz="2400" dirty="0"/>
               <a:t>E‐stacks</a:t>
             </a:r>
+            <a:endParaRPr lang="en-US" altLang="zh-CN" sz="2400" dirty="0"/>
           </a:p>
           <a:p>
             <a:r>
@@ -12186,6 +11827,7 @@
               <a:rPr lang="en-US" altLang="zh-CN" sz="2400" dirty="0"/>
               <a:t>A‐stacks reduce copying of data while still safe</a:t>
             </a:r>
+            <a:endParaRPr lang="en-US" altLang="zh-CN" sz="2400" dirty="0"/>
           </a:p>
           <a:p>
             <a:r>
@@ -12196,6 +11838,7 @@
               <a:rPr lang="en-US" altLang="zh-CN" sz="2400" dirty="0"/>
               <a:t>incorporated other optimizations (see paper)</a:t>
             </a:r>
+            <a:endParaRPr lang="en-US" altLang="zh-CN" sz="2400" dirty="0"/>
           </a:p>
           <a:p>
             <a:r>
@@ -12214,6 +11857,7 @@
               <a:rPr lang="en-US" altLang="zh-CN" sz="2400" dirty="0"/>
               <a:t>)</a:t>
             </a:r>
+            <a:endParaRPr lang="en-US" altLang="zh-CN" sz="2400" dirty="0"/>
           </a:p>
           <a:p>
             <a:r>
@@ -12224,6 +11868,7 @@
               <a:rPr lang="en-US" altLang="zh-CN" sz="2400" dirty="0"/>
               <a:t>multiprocessors:</a:t>
             </a:r>
+            <a:endParaRPr lang="en-US" altLang="zh-CN" sz="2400" dirty="0"/>
           </a:p>
           <a:p>
             <a:pPr lvl="1"/>
@@ -12235,6 +11880,7 @@
               <a:rPr lang="en-US" altLang="zh-CN" sz="2000" dirty="0"/>
               <a:t>for processor idling on server domain</a:t>
             </a:r>
+            <a:endParaRPr lang="en-US" altLang="zh-CN" sz="2000" dirty="0"/>
           </a:p>
           <a:p>
             <a:pPr lvl="1"/>
@@ -12246,6 +11892,7 @@
               <a:rPr lang="en-US" altLang="zh-CN" sz="2000" dirty="0"/>
               <a:t>so, swap calling and idling threads</a:t>
             </a:r>
+            <a:endParaRPr lang="en-US" altLang="zh-CN" sz="2000" dirty="0"/>
           </a:p>
           <a:p>
             <a:pPr lvl="2"/>
@@ -12257,6 +11904,7 @@
               <a:rPr lang="en-US" altLang="zh-CN" sz="1800" dirty="0"/>
               <a:t>note: thread migration was very cheap on the Firefly!)</a:t>
             </a:r>
+            <a:endParaRPr lang="en-US" altLang="zh-CN" sz="1800" dirty="0"/>
           </a:p>
           <a:p>
             <a:pPr lvl="1"/>
@@ -12273,11 +11921,6 @@
         </p:txBody>
       </p:sp>
     </p:spTree>
-    <p:extLst>
-      <p:ext uri="{BB962C8B-B14F-4D97-AF65-F5344CB8AC3E}">
-        <p14:creationId xmlns:p14="http://schemas.microsoft.com/office/powerpoint/2010/main" val="4254722683"/>
-      </p:ext>
-    </p:extLst>
   </p:cSld>
   <p:clrMapOvr>
     <a:masterClrMapping/>
@@ -12331,11 +11974,15 @@
           <a:p>
             <a:r>
               <a:rPr kumimoji="0" lang="en-US" altLang="zh-CN">
-                <a:latin typeface="Garamond" charset="0"/>
-                <a:ea typeface="宋体" charset="0"/>
+                <a:latin typeface="Garamond" panose="02020404030301010803" charset="0"/>
+                <a:ea typeface="宋体" panose="02010600030101010101" pitchFamily="2" charset="-122"/>
               </a:rPr>
               <a:t>Communications Models </a:t>
             </a:r>
+            <a:endParaRPr kumimoji="0" lang="en-US" altLang="zh-CN">
+              <a:latin typeface="Garamond" panose="02020404030301010803" charset="0"/>
+              <a:ea typeface="宋体" panose="02010600030101010101" pitchFamily="2" charset="-122"/>
+            </a:endParaRPr>
           </a:p>
         </p:txBody>
       </p:sp>
@@ -12348,7 +11995,7 @@
           <p:nvPr/>
         </p:nvPicPr>
         <p:blipFill>
-          <a:blip r:embed="rId3">
+          <a:blip r:embed="rId1">
             <a:extLst>
               <a:ext uri="{28A0092B-C50C-407E-A947-70E740481C1C}">
                 <a14:useLocalDpi xmlns:a14="http://schemas.microsoft.com/office/drawing/2010/main" val="0"/>
@@ -12372,33 +12019,9 @@
           <a:ln>
             <a:noFill/>
           </a:ln>
-          <a:extLst>
-            <a:ext uri="{909E8E84-426E-40dd-AFC4-6F175D3DCCD1}">
-              <a14:hiddenFill xmlns="" xmlns:a14="http://schemas.microsoft.com/office/drawing/2010/main">
-                <a:solidFill>
-                  <a:srgbClr val="FFFFFF"/>
-                </a:solidFill>
-              </a14:hiddenFill>
-            </a:ext>
-            <a:ext uri="{91240B29-F687-4f45-9708-019B960494DF}">
-              <a14:hiddenLine xmlns="" xmlns:a14="http://schemas.microsoft.com/office/drawing/2010/main" w="9525">
-                <a:solidFill>
-                  <a:srgbClr val="000000"/>
-                </a:solidFill>
-                <a:miter lim="800000"/>
-                <a:headEnd/>
-                <a:tailEnd/>
-              </a14:hiddenLine>
-            </a:ext>
-          </a:extLst>
         </p:spPr>
       </p:pic>
     </p:spTree>
-    <p:extLst>
-      <p:ext uri="{BB962C8B-B14F-4D97-AF65-F5344CB8AC3E}">
-        <p14:creationId xmlns:p14="http://schemas.microsoft.com/office/powerpoint/2010/main" val="1836962769"/>
-      </p:ext>
-    </p:extLst>
   </p:cSld>
   <p:clrMapOvr>
     <a:masterClrMapping/>
@@ -12447,11 +12070,15 @@
           <a:p>
             <a:r>
               <a:rPr kumimoji="0" lang="en-US" altLang="zh-CN">
-                <a:latin typeface="Garamond" charset="0"/>
-                <a:ea typeface="宋体" charset="0"/>
+                <a:latin typeface="Garamond" panose="02020404030301010803" charset="0"/>
+                <a:ea typeface="宋体" panose="02010600030101010101" pitchFamily="2" charset="-122"/>
               </a:rPr>
               <a:t>IPC</a:t>
             </a:r>
+            <a:endParaRPr kumimoji="0" lang="en-US" altLang="zh-CN">
+              <a:latin typeface="Garamond" panose="02020404030301010803" charset="0"/>
+              <a:ea typeface="宋体" panose="02010600030101010101" pitchFamily="2" charset="-122"/>
+            </a:endParaRPr>
           </a:p>
         </p:txBody>
       </p:sp>
@@ -12477,89 +12104,100 @@
           <a:p>
             <a:r>
               <a:rPr kumimoji="0" lang="en-US" altLang="zh-CN">
-                <a:latin typeface="Arial" charset="0"/>
-                <a:ea typeface="宋体" charset="0"/>
+                <a:latin typeface="Arial" panose="020B0604020202020204" pitchFamily="34" charset="0"/>
+                <a:ea typeface="宋体" panose="02010600030101010101" pitchFamily="2" charset="-122"/>
               </a:rPr>
               <a:t>Cooperating processes need </a:t>
             </a:r>
             <a:r>
               <a:rPr kumimoji="0" lang="en-US" altLang="zh-CN" b="1">
-                <a:latin typeface="Arial" charset="0"/>
-                <a:ea typeface="宋体" charset="0"/>
+                <a:latin typeface="Arial" panose="020B0604020202020204" pitchFamily="34" charset="0"/>
+                <a:ea typeface="宋体" panose="02010600030101010101" pitchFamily="2" charset="-122"/>
               </a:rPr>
               <a:t>interprocess communication </a:t>
             </a:r>
             <a:r>
               <a:rPr kumimoji="0" lang="en-US" altLang="zh-CN">
-                <a:latin typeface="Arial" charset="0"/>
-                <a:ea typeface="宋体" charset="0"/>
+                <a:latin typeface="Arial" panose="020B0604020202020204" pitchFamily="34" charset="0"/>
+                <a:ea typeface="宋体" panose="02010600030101010101" pitchFamily="2" charset="-122"/>
               </a:rPr>
               <a:t>(</a:t>
             </a:r>
             <a:r>
               <a:rPr kumimoji="0" lang="en-US" altLang="zh-CN" b="1">
-                <a:latin typeface="Arial" charset="0"/>
-                <a:ea typeface="宋体" charset="0"/>
+                <a:latin typeface="Arial" panose="020B0604020202020204" pitchFamily="34" charset="0"/>
+                <a:ea typeface="宋体" panose="02010600030101010101" pitchFamily="2" charset="-122"/>
               </a:rPr>
               <a:t>IPC</a:t>
             </a:r>
             <a:r>
               <a:rPr kumimoji="0" lang="en-US" altLang="zh-CN">
-                <a:latin typeface="Arial" charset="0"/>
-                <a:ea typeface="宋体" charset="0"/>
+                <a:latin typeface="Arial" panose="020B0604020202020204" pitchFamily="34" charset="0"/>
+                <a:ea typeface="宋体" panose="02010600030101010101" pitchFamily="2" charset="-122"/>
               </a:rPr>
               <a:t>)</a:t>
             </a:r>
-          </a:p>
-          <a:p>
             <a:endParaRPr kumimoji="0" lang="en-US" altLang="zh-CN">
-              <a:latin typeface="Arial" charset="0"/>
-              <a:ea typeface="宋体" charset="0"/>
+              <a:latin typeface="Arial" panose="020B0604020202020204" pitchFamily="34" charset="0"/>
+              <a:ea typeface="宋体" panose="02010600030101010101" pitchFamily="2" charset="-122"/>
+            </a:endParaRPr>
+          </a:p>
+          <a:p>
+            <a:endParaRPr kumimoji="0" lang="en-US" altLang="zh-CN">
+              <a:latin typeface="Arial" panose="020B0604020202020204" pitchFamily="34" charset="0"/>
+              <a:ea typeface="宋体" panose="02010600030101010101" pitchFamily="2" charset="-122"/>
             </a:endParaRPr>
           </a:p>
           <a:p>
             <a:r>
               <a:rPr kumimoji="0" lang="en-US" altLang="zh-CN">
-                <a:latin typeface="Arial" charset="0"/>
-                <a:ea typeface="宋体" charset="0"/>
+                <a:latin typeface="Arial" panose="020B0604020202020204" pitchFamily="34" charset="0"/>
+                <a:ea typeface="宋体" panose="02010600030101010101" pitchFamily="2" charset="-122"/>
               </a:rPr>
               <a:t>Two models of IPC</a:t>
             </a:r>
+            <a:endParaRPr kumimoji="0" lang="en-US" altLang="zh-CN">
+              <a:latin typeface="Arial" panose="020B0604020202020204" pitchFamily="34" charset="0"/>
+              <a:ea typeface="宋体" panose="02010600030101010101" pitchFamily="2" charset="-122"/>
+            </a:endParaRPr>
           </a:p>
           <a:p>
             <a:pPr lvl="1"/>
             <a:r>
               <a:rPr kumimoji="0" lang="en-US" altLang="zh-CN">
-                <a:latin typeface="Arial" charset="0"/>
-                <a:ea typeface="宋体" charset="0"/>
+                <a:latin typeface="Arial" panose="020B0604020202020204" pitchFamily="34" charset="0"/>
+                <a:ea typeface="宋体" panose="02010600030101010101" pitchFamily="2" charset="-122"/>
               </a:rPr>
               <a:t>Shared memory</a:t>
             </a:r>
+            <a:endParaRPr kumimoji="0" lang="en-US" altLang="zh-CN">
+              <a:latin typeface="Arial" panose="020B0604020202020204" pitchFamily="34" charset="0"/>
+              <a:ea typeface="宋体" panose="02010600030101010101" pitchFamily="2" charset="-122"/>
+            </a:endParaRPr>
           </a:p>
           <a:p>
             <a:pPr lvl="1"/>
             <a:r>
               <a:rPr kumimoji="0" lang="en-US" altLang="zh-CN">
-                <a:latin typeface="Arial" charset="0"/>
-                <a:ea typeface="宋体" charset="0"/>
+                <a:latin typeface="Arial" panose="020B0604020202020204" pitchFamily="34" charset="0"/>
+                <a:ea typeface="宋体" panose="02010600030101010101" pitchFamily="2" charset="-122"/>
               </a:rPr>
               <a:t>Message passing</a:t>
             </a:r>
+            <a:endParaRPr kumimoji="0" lang="en-US" altLang="zh-CN">
+              <a:latin typeface="Arial" panose="020B0604020202020204" pitchFamily="34" charset="0"/>
+              <a:ea typeface="宋体" panose="02010600030101010101" pitchFamily="2" charset="-122"/>
+            </a:endParaRPr>
           </a:p>
           <a:p>
             <a:endParaRPr kumimoji="0" lang="zh-CN" altLang="en-US">
-              <a:latin typeface="Arial" charset="0"/>
-              <a:ea typeface="宋体" charset="0"/>
+              <a:latin typeface="Arial" panose="020B0604020202020204" pitchFamily="34" charset="0"/>
+              <a:ea typeface="宋体" panose="02010600030101010101" pitchFamily="2" charset="-122"/>
             </a:endParaRPr>
           </a:p>
         </p:txBody>
       </p:sp>
     </p:spTree>
-    <p:extLst>
-      <p:ext uri="{BB962C8B-B14F-4D97-AF65-F5344CB8AC3E}">
-        <p14:creationId xmlns:p14="http://schemas.microsoft.com/office/powerpoint/2010/main" val="3657253462"/>
-      </p:ext>
-    </p:extLst>
   </p:cSld>
   <p:clrMapOvr>
     <a:masterClrMapping/>
@@ -12613,11 +12251,15 @@
           <a:p>
             <a:r>
               <a:rPr kumimoji="0" lang="en-US" altLang="zh-CN">
-                <a:latin typeface="Garamond" charset="0"/>
-                <a:ea typeface="宋体" charset="0"/>
+                <a:latin typeface="Garamond" panose="02020404030301010803" charset="0"/>
+                <a:ea typeface="宋体" panose="02010600030101010101" pitchFamily="2" charset="-122"/>
               </a:rPr>
               <a:t>Producer-Consumer Problem</a:t>
             </a:r>
+            <a:endParaRPr kumimoji="0" lang="en-US" altLang="zh-CN">
+              <a:latin typeface="Garamond" panose="02020404030301010803" charset="0"/>
+              <a:ea typeface="宋体" panose="02010600030101010101" pitchFamily="2" charset="-122"/>
+            </a:endParaRPr>
           </a:p>
         </p:txBody>
       </p:sp>
@@ -12643,89 +12285,96 @@
           <a:p>
             <a:r>
               <a:rPr kumimoji="0" lang="en-US" altLang="zh-CN" i="1">
-                <a:latin typeface="Arial" charset="0"/>
-                <a:ea typeface="宋体" charset="0"/>
+                <a:latin typeface="Arial" panose="020B0604020202020204" pitchFamily="34" charset="0"/>
+                <a:ea typeface="宋体" panose="02010600030101010101" pitchFamily="2" charset="-122"/>
               </a:rPr>
               <a:t>Producer</a:t>
             </a:r>
             <a:r>
               <a:rPr kumimoji="0" lang="en-US" altLang="zh-CN">
-                <a:latin typeface="Arial" charset="0"/>
-                <a:ea typeface="宋体" charset="0"/>
+                <a:latin typeface="Arial" panose="020B0604020202020204" pitchFamily="34" charset="0"/>
+                <a:ea typeface="宋体" panose="02010600030101010101" pitchFamily="2" charset="-122"/>
               </a:rPr>
               <a:t> process produces information that is consumed by a </a:t>
             </a:r>
             <a:r>
               <a:rPr kumimoji="0" lang="en-US" altLang="zh-CN" i="1">
-                <a:latin typeface="Arial" charset="0"/>
-                <a:ea typeface="宋体" charset="0"/>
+                <a:latin typeface="Arial" panose="020B0604020202020204" pitchFamily="34" charset="0"/>
+                <a:ea typeface="宋体" panose="02010600030101010101" pitchFamily="2" charset="-122"/>
               </a:rPr>
               <a:t>consumer</a:t>
             </a:r>
             <a:r>
               <a:rPr kumimoji="0" lang="en-US" altLang="zh-CN">
-                <a:latin typeface="Arial" charset="0"/>
-                <a:ea typeface="宋体" charset="0"/>
+                <a:latin typeface="Arial" panose="020B0604020202020204" pitchFamily="34" charset="0"/>
+                <a:ea typeface="宋体" panose="02010600030101010101" pitchFamily="2" charset="-122"/>
               </a:rPr>
               <a:t> process</a:t>
             </a:r>
+            <a:endParaRPr kumimoji="0" lang="en-US" altLang="zh-CN">
+              <a:latin typeface="Arial" panose="020B0604020202020204" pitchFamily="34" charset="0"/>
+              <a:ea typeface="宋体" panose="02010600030101010101" pitchFamily="2" charset="-122"/>
+            </a:endParaRPr>
           </a:p>
           <a:p>
             <a:pPr lvl="1"/>
             <a:endParaRPr kumimoji="0" lang="en-US" altLang="zh-CN" i="1">
-              <a:latin typeface="Arial" charset="0"/>
-              <a:ea typeface="宋体" charset="0"/>
+              <a:latin typeface="Arial" panose="020B0604020202020204" pitchFamily="34" charset="0"/>
+              <a:ea typeface="宋体" panose="02010600030101010101" pitchFamily="2" charset="-122"/>
             </a:endParaRPr>
           </a:p>
           <a:p>
             <a:pPr lvl="1"/>
             <a:r>
               <a:rPr kumimoji="0" lang="en-US" altLang="zh-CN" i="1">
-                <a:latin typeface="Arial" charset="0"/>
-                <a:ea typeface="宋体" charset="0"/>
+                <a:latin typeface="Arial" panose="020B0604020202020204" pitchFamily="34" charset="0"/>
+                <a:ea typeface="宋体" panose="02010600030101010101" pitchFamily="2" charset="-122"/>
               </a:rPr>
               <a:t>unbounded-buffer</a:t>
             </a:r>
             <a:r>
               <a:rPr kumimoji="0" lang="en-US" altLang="zh-CN">
-                <a:latin typeface="Arial" charset="0"/>
-                <a:ea typeface="宋体" charset="0"/>
+                <a:latin typeface="Arial" panose="020B0604020202020204" pitchFamily="34" charset="0"/>
+                <a:ea typeface="宋体" panose="02010600030101010101" pitchFamily="2" charset="-122"/>
               </a:rPr>
               <a:t> places no practical limit on the size of the buffer</a:t>
             </a:r>
+            <a:endParaRPr kumimoji="0" lang="en-US" altLang="zh-CN">
+              <a:latin typeface="Arial" panose="020B0604020202020204" pitchFamily="34" charset="0"/>
+              <a:ea typeface="宋体" panose="02010600030101010101" pitchFamily="2" charset="-122"/>
+            </a:endParaRPr>
           </a:p>
           <a:p>
             <a:pPr lvl="1"/>
             <a:endParaRPr kumimoji="0" lang="en-US" altLang="zh-CN" i="1">
-              <a:latin typeface="Arial" charset="0"/>
-              <a:ea typeface="宋体" charset="0"/>
+              <a:latin typeface="Arial" panose="020B0604020202020204" pitchFamily="34" charset="0"/>
+              <a:ea typeface="宋体" panose="02010600030101010101" pitchFamily="2" charset="-122"/>
             </a:endParaRPr>
           </a:p>
           <a:p>
             <a:pPr lvl="1"/>
             <a:r>
               <a:rPr kumimoji="0" lang="en-US" altLang="zh-CN" i="1">
-                <a:latin typeface="Arial" charset="0"/>
-                <a:ea typeface="宋体" charset="0"/>
+                <a:latin typeface="Arial" panose="020B0604020202020204" pitchFamily="34" charset="0"/>
+                <a:ea typeface="宋体" panose="02010600030101010101" pitchFamily="2" charset="-122"/>
               </a:rPr>
               <a:t>bounded-buffer</a:t>
             </a:r>
             <a:r>
               <a:rPr kumimoji="0" lang="en-US" altLang="zh-CN">
-                <a:latin typeface="Arial" charset="0"/>
-                <a:ea typeface="宋体" charset="0"/>
+                <a:latin typeface="Arial" panose="020B0604020202020204" pitchFamily="34" charset="0"/>
+                <a:ea typeface="宋体" panose="02010600030101010101" pitchFamily="2" charset="-122"/>
               </a:rPr>
               <a:t> assumes that there is a fixed buffer size</a:t>
             </a:r>
+            <a:endParaRPr kumimoji="0" lang="en-US" altLang="zh-CN">
+              <a:latin typeface="Arial" panose="020B0604020202020204" pitchFamily="34" charset="0"/>
+              <a:ea typeface="宋体" panose="02010600030101010101" pitchFamily="2" charset="-122"/>
+            </a:endParaRPr>
           </a:p>
         </p:txBody>
       </p:sp>
     </p:spTree>
-    <p:extLst>
-      <p:ext uri="{BB962C8B-B14F-4D97-AF65-F5344CB8AC3E}">
-        <p14:creationId xmlns:p14="http://schemas.microsoft.com/office/powerpoint/2010/main" val="4210171918"/>
-      </p:ext>
-    </p:extLst>
   </p:cSld>
   <p:clrMapOvr>
     <a:masterClrMapping/>
@@ -12781,25 +12430,29 @@
           <a:p>
             <a:r>
               <a:rPr kumimoji="0" lang="en-US" altLang="zh-CN" sz="3800">
-                <a:latin typeface="Garamond" charset="0"/>
-                <a:ea typeface="宋体" charset="0"/>
+                <a:latin typeface="Garamond" panose="02020404030301010803" charset="0"/>
+                <a:ea typeface="宋体" panose="02010600030101010101" pitchFamily="2" charset="-122"/>
               </a:rPr>
               <a:t>Bounded-Buffer </a:t>
             </a:r>
             <a:r>
               <a:rPr kumimoji="0" lang="en-US" altLang="zh-CN" sz="3800">
-                <a:latin typeface="Arial" charset="0"/>
-                <a:ea typeface="宋体" charset="0"/>
+                <a:latin typeface="Arial" panose="020B0604020202020204" pitchFamily="34" charset="0"/>
+                <a:ea typeface="宋体" panose="02010600030101010101" pitchFamily="2" charset="-122"/>
               </a:rPr>
               <a:t>–</a:t>
             </a:r>
             <a:r>
               <a:rPr kumimoji="0" lang="en-US" altLang="zh-CN" sz="3800">
-                <a:latin typeface="Garamond" charset="0"/>
-                <a:ea typeface="宋体" charset="0"/>
+                <a:latin typeface="Garamond" panose="02020404030301010803" charset="0"/>
+                <a:ea typeface="宋体" panose="02010600030101010101" pitchFamily="2" charset="-122"/>
               </a:rPr>
               <a:t> Shared-Memory Solution</a:t>
             </a:r>
+            <a:endParaRPr kumimoji="0" lang="en-US" altLang="zh-CN" sz="3800">
+              <a:latin typeface="Garamond" panose="02020404030301010803" charset="0"/>
+              <a:ea typeface="宋体" panose="02010600030101010101" pitchFamily="2" charset="-122"/>
+            </a:endParaRPr>
           </a:p>
         </p:txBody>
       </p:sp>
@@ -12825,140 +12478,171 @@
           <a:p>
             <a:r>
               <a:rPr kumimoji="0" lang="en-US" altLang="zh-CN">
-                <a:latin typeface="Arial" charset="0"/>
-                <a:ea typeface="宋体" charset="0"/>
+                <a:latin typeface="Arial" panose="020B0604020202020204" pitchFamily="34" charset="0"/>
+                <a:ea typeface="宋体" panose="02010600030101010101" pitchFamily="2" charset="-122"/>
               </a:rPr>
               <a:t>Shared data</a:t>
             </a:r>
+            <a:endParaRPr kumimoji="0" lang="en-US" altLang="zh-CN">
+              <a:latin typeface="Arial" panose="020B0604020202020204" pitchFamily="34" charset="0"/>
+              <a:ea typeface="宋体" panose="02010600030101010101" pitchFamily="2" charset="-122"/>
+            </a:endParaRPr>
           </a:p>
           <a:p>
             <a:pPr marL="1600200" lvl="3" indent="-228600">
-              <a:buFont typeface="Wingdings" charset="0"/>
+              <a:buFont typeface="Wingdings" panose="05000000000000000000" charset="0"/>
               <a:buNone/>
             </a:pPr>
             <a:r>
               <a:rPr kumimoji="0" lang="en-US" altLang="zh-CN" sz="2400">
-                <a:latin typeface="Arial" charset="0"/>
-                <a:ea typeface="宋体" charset="0"/>
+                <a:latin typeface="Arial" panose="020B0604020202020204" pitchFamily="34" charset="0"/>
+                <a:ea typeface="宋体" panose="02010600030101010101" pitchFamily="2" charset="-122"/>
               </a:rPr>
               <a:t>#define BUFFER_SIZE 10</a:t>
             </a:r>
+            <a:endParaRPr kumimoji="0" lang="en-US" altLang="zh-CN" sz="2400">
+              <a:latin typeface="Arial" panose="020B0604020202020204" pitchFamily="34" charset="0"/>
+              <a:ea typeface="宋体" panose="02010600030101010101" pitchFamily="2" charset="-122"/>
+            </a:endParaRPr>
           </a:p>
           <a:p>
             <a:pPr marL="1600200" lvl="3" indent="-228600">
-              <a:buFont typeface="Wingdings" charset="0"/>
+              <a:buFont typeface="Wingdings" panose="05000000000000000000" charset="0"/>
               <a:buNone/>
             </a:pPr>
             <a:r>
               <a:rPr kumimoji="0" lang="en-US" altLang="zh-CN" sz="2400">
-                <a:latin typeface="Arial" charset="0"/>
-                <a:ea typeface="宋体" charset="0"/>
+                <a:latin typeface="Arial" panose="020B0604020202020204" pitchFamily="34" charset="0"/>
+                <a:ea typeface="宋体" panose="02010600030101010101" pitchFamily="2" charset="-122"/>
               </a:rPr>
               <a:t>typedef struct {</a:t>
             </a:r>
+            <a:endParaRPr kumimoji="0" lang="en-US" altLang="zh-CN" sz="2400">
+              <a:latin typeface="Arial" panose="020B0604020202020204" pitchFamily="34" charset="0"/>
+              <a:ea typeface="宋体" panose="02010600030101010101" pitchFamily="2" charset="-122"/>
+            </a:endParaRPr>
           </a:p>
           <a:p>
             <a:pPr marL="1600200" lvl="3" indent="-228600">
-              <a:buFont typeface="Wingdings" charset="0"/>
+              <a:buFont typeface="Wingdings" panose="05000000000000000000" charset="0"/>
               <a:buNone/>
             </a:pPr>
             <a:r>
               <a:rPr kumimoji="0" lang="en-US" altLang="zh-CN" sz="2400">
-                <a:latin typeface="Arial" charset="0"/>
-                <a:ea typeface="宋体" charset="0"/>
+                <a:latin typeface="Arial" panose="020B0604020202020204" pitchFamily="34" charset="0"/>
+                <a:ea typeface="宋体" panose="02010600030101010101" pitchFamily="2" charset="-122"/>
               </a:rPr>
               <a:t>	. . .</a:t>
             </a:r>
+            <a:endParaRPr kumimoji="0" lang="en-US" altLang="zh-CN" sz="2400">
+              <a:latin typeface="Arial" panose="020B0604020202020204" pitchFamily="34" charset="0"/>
+              <a:ea typeface="宋体" panose="02010600030101010101" pitchFamily="2" charset="-122"/>
+            </a:endParaRPr>
           </a:p>
           <a:p>
             <a:pPr marL="1600200" lvl="3" indent="-228600">
-              <a:buFont typeface="Wingdings" charset="0"/>
+              <a:buFont typeface="Wingdings" panose="05000000000000000000" charset="0"/>
               <a:buNone/>
             </a:pPr>
             <a:r>
               <a:rPr kumimoji="0" lang="en-US" altLang="zh-CN" sz="2400">
-                <a:latin typeface="Arial" charset="0"/>
-                <a:ea typeface="宋体" charset="0"/>
+                <a:latin typeface="Arial" panose="020B0604020202020204" pitchFamily="34" charset="0"/>
+                <a:ea typeface="宋体" panose="02010600030101010101" pitchFamily="2" charset="-122"/>
               </a:rPr>
               <a:t>} item;</a:t>
             </a:r>
+            <a:endParaRPr kumimoji="0" lang="en-US" altLang="zh-CN" sz="2400">
+              <a:latin typeface="Arial" panose="020B0604020202020204" pitchFamily="34" charset="0"/>
+              <a:ea typeface="宋体" panose="02010600030101010101" pitchFamily="2" charset="-122"/>
+            </a:endParaRPr>
           </a:p>
           <a:p>
             <a:pPr marL="1600200" lvl="3" indent="-228600">
-              <a:buFont typeface="Wingdings" charset="0"/>
+              <a:buFont typeface="Wingdings" panose="05000000000000000000" charset="0"/>
               <a:buNone/>
             </a:pPr>
             <a:endParaRPr kumimoji="0" lang="en-US" altLang="zh-CN" sz="2400">
-              <a:latin typeface="Arial" charset="0"/>
-              <a:ea typeface="宋体" charset="0"/>
+              <a:latin typeface="Arial" panose="020B0604020202020204" pitchFamily="34" charset="0"/>
+              <a:ea typeface="宋体" panose="02010600030101010101" pitchFamily="2" charset="-122"/>
             </a:endParaRPr>
           </a:p>
           <a:p>
             <a:pPr marL="1600200" lvl="3" indent="-228600">
-              <a:buFont typeface="Wingdings" charset="0"/>
+              <a:buFont typeface="Wingdings" panose="05000000000000000000" charset="0"/>
               <a:buNone/>
             </a:pPr>
             <a:r>
               <a:rPr kumimoji="0" lang="en-US" altLang="zh-CN" sz="2400">
-                <a:latin typeface="Arial" charset="0"/>
-                <a:ea typeface="宋体" charset="0"/>
+                <a:latin typeface="Arial" panose="020B0604020202020204" pitchFamily="34" charset="0"/>
+                <a:ea typeface="宋体" panose="02010600030101010101" pitchFamily="2" charset="-122"/>
               </a:rPr>
               <a:t>item buffer[BUFFER_SIZE];</a:t>
             </a:r>
+            <a:endParaRPr kumimoji="0" lang="en-US" altLang="zh-CN" sz="2400">
+              <a:latin typeface="Arial" panose="020B0604020202020204" pitchFamily="34" charset="0"/>
+              <a:ea typeface="宋体" panose="02010600030101010101" pitchFamily="2" charset="-122"/>
+            </a:endParaRPr>
           </a:p>
           <a:p>
             <a:pPr marL="1600200" lvl="3" indent="-228600">
-              <a:buFont typeface="Wingdings" charset="0"/>
+              <a:buFont typeface="Wingdings" panose="05000000000000000000" charset="0"/>
               <a:buNone/>
             </a:pPr>
             <a:r>
               <a:rPr kumimoji="0" lang="en-US" altLang="zh-CN" sz="2400">
-                <a:latin typeface="Arial" charset="0"/>
-                <a:ea typeface="宋体" charset="0"/>
+                <a:latin typeface="Arial" panose="020B0604020202020204" pitchFamily="34" charset="0"/>
+                <a:ea typeface="宋体" panose="02010600030101010101" pitchFamily="2" charset="-122"/>
               </a:rPr>
               <a:t>int in = 0;</a:t>
             </a:r>
+            <a:endParaRPr kumimoji="0" lang="en-US" altLang="zh-CN" sz="2400">
+              <a:latin typeface="Arial" panose="020B0604020202020204" pitchFamily="34" charset="0"/>
+              <a:ea typeface="宋体" panose="02010600030101010101" pitchFamily="2" charset="-122"/>
+            </a:endParaRPr>
           </a:p>
           <a:p>
             <a:pPr marL="1600200" lvl="3" indent="-228600">
-              <a:buFont typeface="Wingdings" charset="0"/>
+              <a:buFont typeface="Wingdings" panose="05000000000000000000" charset="0"/>
               <a:buNone/>
             </a:pPr>
             <a:r>
               <a:rPr kumimoji="0" lang="en-US" altLang="zh-CN" sz="2400">
-                <a:latin typeface="Arial" charset="0"/>
-                <a:ea typeface="宋体" charset="0"/>
+                <a:latin typeface="Arial" panose="020B0604020202020204" pitchFamily="34" charset="0"/>
+                <a:ea typeface="宋体" panose="02010600030101010101" pitchFamily="2" charset="-122"/>
               </a:rPr>
               <a:t>int out = 0;</a:t>
             </a:r>
+            <a:endParaRPr kumimoji="0" lang="en-US" altLang="zh-CN" sz="2400">
+              <a:latin typeface="Arial" panose="020B0604020202020204" pitchFamily="34" charset="0"/>
+              <a:ea typeface="宋体" panose="02010600030101010101" pitchFamily="2" charset="-122"/>
+            </a:endParaRPr>
           </a:p>
           <a:p>
             <a:r>
               <a:rPr kumimoji="0" lang="en-US" altLang="zh-CN">
-                <a:latin typeface="Arial" charset="0"/>
-                <a:ea typeface="宋体" charset="0"/>
+                <a:latin typeface="Arial" panose="020B0604020202020204" pitchFamily="34" charset="0"/>
+                <a:ea typeface="宋体" panose="02010600030101010101" pitchFamily="2" charset="-122"/>
               </a:rPr>
               <a:t>Solution is correct, but can only use BUFFER_SIZE-1 elements</a:t>
             </a:r>
+            <a:endParaRPr kumimoji="0" lang="en-US" altLang="zh-CN">
+              <a:latin typeface="Arial" panose="020B0604020202020204" pitchFamily="34" charset="0"/>
+              <a:ea typeface="宋体" panose="02010600030101010101" pitchFamily="2" charset="-122"/>
+            </a:endParaRPr>
           </a:p>
           <a:p>
             <a:pPr marL="1600200" lvl="3" indent="-228600">
-              <a:buFont typeface="Wingdings" charset="0"/>
+              <a:buFont typeface="Wingdings" panose="05000000000000000000" charset="0"/>
               <a:buNone/>
             </a:pPr>
             <a:endParaRPr kumimoji="0" lang="zh-CN" altLang="en-US" sz="2400" b="1">
-              <a:latin typeface="Arial" charset="0"/>
-              <a:ea typeface="宋体" charset="0"/>
+              <a:latin typeface="Arial" panose="020B0604020202020204" pitchFamily="34" charset="0"/>
+              <a:ea typeface="宋体" panose="02010600030101010101" pitchFamily="2" charset="-122"/>
             </a:endParaRPr>
           </a:p>
         </p:txBody>
       </p:sp>
     </p:spTree>
-    <p:extLst>
-      <p:ext uri="{BB962C8B-B14F-4D97-AF65-F5344CB8AC3E}">
-        <p14:creationId xmlns:p14="http://schemas.microsoft.com/office/powerpoint/2010/main" val="3342841235"/>
-      </p:ext>
-    </p:extLst>
   </p:cSld>
   <p:clrMapOvr>
     <a:masterClrMapping/>
@@ -13012,25 +12696,29 @@
           <a:p>
             <a:r>
               <a:rPr kumimoji="0" lang="en-US" altLang="zh-CN">
-                <a:latin typeface="Garamond" charset="0"/>
-                <a:ea typeface="宋体" charset="0"/>
+                <a:latin typeface="Garamond" panose="02020404030301010803" charset="0"/>
+                <a:ea typeface="宋体" panose="02010600030101010101" pitchFamily="2" charset="-122"/>
               </a:rPr>
               <a:t>Bounded-Buffer </a:t>
             </a:r>
             <a:r>
               <a:rPr kumimoji="0" lang="en-US" altLang="zh-CN">
-                <a:latin typeface="Arial" charset="0"/>
-                <a:ea typeface="宋体" charset="0"/>
+                <a:latin typeface="Arial" panose="020B0604020202020204" pitchFamily="34" charset="0"/>
+                <a:ea typeface="宋体" panose="02010600030101010101" pitchFamily="2" charset="-122"/>
               </a:rPr>
               <a:t>–</a:t>
             </a:r>
             <a:r>
               <a:rPr kumimoji="0" lang="en-US" altLang="zh-CN">
-                <a:latin typeface="Garamond" charset="0"/>
-                <a:ea typeface="宋体" charset="0"/>
+                <a:latin typeface="Garamond" panose="02020404030301010803" charset="0"/>
+                <a:ea typeface="宋体" panose="02010600030101010101" pitchFamily="2" charset="-122"/>
               </a:rPr>
               <a:t> Producer</a:t>
             </a:r>
+            <a:endParaRPr kumimoji="0" lang="en-US" altLang="zh-CN">
+              <a:latin typeface="Garamond" panose="02020404030301010803" charset="0"/>
+              <a:ea typeface="宋体" panose="02010600030101010101" pitchFamily="2" charset="-122"/>
+            </a:endParaRPr>
           </a:p>
         </p:txBody>
       </p:sp>
@@ -13057,208 +12745,235 @@
           <a:lstStyle/>
           <a:p>
             <a:pPr>
-              <a:buFont typeface="Wingdings" charset="0"/>
+              <a:buFont typeface="Wingdings" panose="05000000000000000000" charset="0"/>
               <a:buNone/>
             </a:pPr>
             <a:r>
               <a:rPr kumimoji="0" lang="zh-CN" altLang="en-US" dirty="0">
                 <a:latin typeface="Monaco" charset="0"/>
-                <a:ea typeface="宋体" charset="0"/>
+                <a:ea typeface="宋体" panose="02010600030101010101" pitchFamily="2" charset="-122"/>
               </a:rPr>
               <a:t>	</a:t>
             </a:r>
             <a:r>
               <a:rPr kumimoji="0" lang="en-US" altLang="zh-CN" sz="2000" dirty="0">
                 <a:latin typeface="Monaco" charset="0"/>
-                <a:ea typeface="宋体" charset="0"/>
+                <a:ea typeface="宋体" panose="02010600030101010101" pitchFamily="2" charset="-122"/>
               </a:rPr>
               <a:t>while (true) {</a:t>
             </a:r>
             <a:br>
               <a:rPr kumimoji="0" lang="en-US" altLang="zh-CN" sz="2000" dirty="0">
                 <a:latin typeface="Monaco" charset="0"/>
-                <a:ea typeface="宋体" charset="0"/>
+                <a:ea typeface="宋体" panose="02010600030101010101" pitchFamily="2" charset="-122"/>
               </a:rPr>
             </a:br>
             <a:r>
               <a:rPr kumimoji="0" lang="en-US" altLang="zh-CN" sz="2000" dirty="0">
                 <a:latin typeface="Monaco" charset="0"/>
-                <a:ea typeface="宋体" charset="0"/>
+                <a:ea typeface="宋体" panose="02010600030101010101" pitchFamily="2" charset="-122"/>
               </a:rPr>
               <a:t>   /* Produce an item */</a:t>
             </a:r>
+            <a:endParaRPr kumimoji="0" lang="en-US" altLang="zh-CN" sz="2000" dirty="0">
+              <a:latin typeface="Monaco" charset="0"/>
+              <a:ea typeface="宋体" panose="02010600030101010101" pitchFamily="2" charset="-122"/>
+            </a:endParaRPr>
           </a:p>
           <a:p>
             <a:pPr>
-              <a:buFont typeface="Wingdings" charset="0"/>
+              <a:buFont typeface="Wingdings" panose="05000000000000000000" charset="0"/>
               <a:buNone/>
             </a:pPr>
             <a:r>
               <a:rPr kumimoji="0" lang="en-US" altLang="zh-CN" sz="2000" dirty="0">
                 <a:latin typeface="Monaco" charset="0"/>
-                <a:ea typeface="宋体" charset="0"/>
+                <a:ea typeface="宋体" panose="02010600030101010101" pitchFamily="2" charset="-122"/>
               </a:rPr>
               <a:t>        while (((in = (in + 1) % BUFFER SIZE count)  </a:t>
             </a:r>
             <a:r>
               <a:rPr kumimoji="0" lang="en-US" altLang="zh-CN" sz="2000" dirty="0" smtClean="0">
                 <a:latin typeface="Monaco" charset="0"/>
-                <a:ea typeface="宋体" charset="0"/>
+                <a:ea typeface="宋体" panose="02010600030101010101" pitchFamily="2" charset="-122"/>
               </a:rPr>
               <a:t> </a:t>
             </a:r>
+            <a:endParaRPr kumimoji="0" lang="en-US" altLang="zh-CN" sz="2000" dirty="0" smtClean="0">
+              <a:latin typeface="Monaco" charset="0"/>
+              <a:ea typeface="宋体" panose="02010600030101010101" pitchFamily="2" charset="-122"/>
+            </a:endParaRPr>
           </a:p>
           <a:p>
             <a:pPr>
-              <a:buFont typeface="Wingdings" charset="0"/>
+              <a:buFont typeface="Wingdings" panose="05000000000000000000" charset="0"/>
               <a:buNone/>
             </a:pPr>
             <a:r>
               <a:rPr lang="en-US" altLang="zh-CN" sz="2000" dirty="0">
                 <a:latin typeface="Monaco" charset="0"/>
-                <a:ea typeface="宋体" charset="0"/>
+                <a:ea typeface="宋体" panose="02010600030101010101" pitchFamily="2" charset="-122"/>
               </a:rPr>
               <a:t> </a:t>
             </a:r>
             <a:r>
               <a:rPr lang="en-US" altLang="zh-CN" sz="2000" dirty="0" smtClean="0">
                 <a:latin typeface="Monaco" charset="0"/>
-                <a:ea typeface="宋体" charset="0"/>
+                <a:ea typeface="宋体" panose="02010600030101010101" pitchFamily="2" charset="-122"/>
               </a:rPr>
               <a:t>               </a:t>
             </a:r>
             <a:r>
               <a:rPr kumimoji="0" lang="en-US" altLang="zh-CN" sz="2000" dirty="0" smtClean="0">
                 <a:latin typeface="Monaco" charset="0"/>
-                <a:ea typeface="宋体" charset="0"/>
+                <a:ea typeface="宋体" panose="02010600030101010101" pitchFamily="2" charset="-122"/>
               </a:rPr>
               <a:t>=</a:t>
             </a:r>
             <a:r>
               <a:rPr kumimoji="0" lang="en-US" altLang="zh-CN" sz="2000" dirty="0">
                 <a:latin typeface="Monaco" charset="0"/>
-                <a:ea typeface="宋体" charset="0"/>
+                <a:ea typeface="宋体" panose="02010600030101010101" pitchFamily="2" charset="-122"/>
               </a:rPr>
               <a:t>= out)</a:t>
             </a:r>
+            <a:endParaRPr kumimoji="0" lang="en-US" altLang="zh-CN" sz="2000" dirty="0">
+              <a:latin typeface="Monaco" charset="0"/>
+              <a:ea typeface="宋体" panose="02010600030101010101" pitchFamily="2" charset="-122"/>
+            </a:endParaRPr>
           </a:p>
           <a:p>
             <a:pPr>
-              <a:buFont typeface="Wingdings" charset="0"/>
+              <a:buFont typeface="Wingdings" panose="05000000000000000000" charset="0"/>
               <a:buNone/>
             </a:pPr>
             <a:r>
               <a:rPr kumimoji="0" lang="en-US" altLang="zh-CN" sz="2000" dirty="0">
                 <a:latin typeface="Monaco" charset="0"/>
-                <a:ea typeface="宋体" charset="0"/>
+                <a:ea typeface="宋体" panose="02010600030101010101" pitchFamily="2" charset="-122"/>
               </a:rPr>
               <a:t>	     </a:t>
             </a:r>
             <a:r>
               <a:rPr kumimoji="0" lang="en-US" altLang="zh-CN" sz="2000" dirty="0" smtClean="0">
                 <a:latin typeface="Monaco" charset="0"/>
-                <a:ea typeface="宋体" charset="0"/>
+                <a:ea typeface="宋体" panose="02010600030101010101" pitchFamily="2" charset="-122"/>
               </a:rPr>
               <a:t>   ;   </a:t>
             </a:r>
             <a:r>
               <a:rPr kumimoji="0" lang="en-US" altLang="zh-CN" sz="2000" dirty="0">
                 <a:latin typeface="Monaco" charset="0"/>
-                <a:ea typeface="宋体" charset="0"/>
+                <a:ea typeface="宋体" panose="02010600030101010101" pitchFamily="2" charset="-122"/>
               </a:rPr>
               <a:t>/* do nothing -- no free buffers */</a:t>
             </a:r>
+            <a:endParaRPr kumimoji="0" lang="en-US" altLang="zh-CN" sz="2000" dirty="0">
+              <a:latin typeface="Monaco" charset="0"/>
+              <a:ea typeface="宋体" panose="02010600030101010101" pitchFamily="2" charset="-122"/>
+            </a:endParaRPr>
           </a:p>
           <a:p>
             <a:pPr>
-              <a:buFont typeface="Wingdings" charset="0"/>
+              <a:buFont typeface="Wingdings" panose="05000000000000000000" charset="0"/>
               <a:buNone/>
             </a:pPr>
             <a:r>
               <a:rPr kumimoji="0" lang="en-US" altLang="zh-CN" sz="2000" dirty="0">
                 <a:latin typeface="Monaco" charset="0"/>
-                <a:ea typeface="宋体" charset="0"/>
+                <a:ea typeface="宋体" panose="02010600030101010101" pitchFamily="2" charset="-122"/>
               </a:rPr>
               <a:t>	    buffer[in] = item;</a:t>
             </a:r>
+            <a:endParaRPr kumimoji="0" lang="en-US" altLang="zh-CN" sz="2000" dirty="0">
+              <a:latin typeface="Monaco" charset="0"/>
+              <a:ea typeface="宋体" panose="02010600030101010101" pitchFamily="2" charset="-122"/>
+            </a:endParaRPr>
           </a:p>
           <a:p>
             <a:pPr>
-              <a:buFont typeface="Wingdings" charset="0"/>
+              <a:buFont typeface="Wingdings" panose="05000000000000000000" charset="0"/>
               <a:buNone/>
             </a:pPr>
             <a:r>
               <a:rPr kumimoji="0" lang="en-US" altLang="zh-CN" sz="2000" dirty="0">
                 <a:latin typeface="Monaco" charset="0"/>
-                <a:ea typeface="宋体" charset="0"/>
+                <a:ea typeface="宋体" panose="02010600030101010101" pitchFamily="2" charset="-122"/>
               </a:rPr>
               <a:t>	    in = (in + 1) % BUFFER SIZE;</a:t>
             </a:r>
+            <a:endParaRPr kumimoji="0" lang="en-US" altLang="zh-CN" sz="2000" dirty="0">
+              <a:latin typeface="Monaco" charset="0"/>
+              <a:ea typeface="宋体" panose="02010600030101010101" pitchFamily="2" charset="-122"/>
+            </a:endParaRPr>
           </a:p>
           <a:p>
             <a:pPr>
-              <a:buFont typeface="Wingdings" charset="0"/>
+              <a:buFont typeface="Wingdings" panose="05000000000000000000" charset="0"/>
               <a:buNone/>
             </a:pPr>
             <a:r>
               <a:rPr kumimoji="0" lang="en-US" altLang="zh-CN" sz="2000" dirty="0">
                 <a:latin typeface="Monaco" charset="0"/>
-                <a:ea typeface="宋体" charset="0"/>
+                <a:ea typeface="宋体" panose="02010600030101010101" pitchFamily="2" charset="-122"/>
               </a:rPr>
               <a:t>     }</a:t>
             </a:r>
+            <a:endParaRPr kumimoji="0" lang="en-US" altLang="zh-CN" sz="2000" dirty="0">
+              <a:latin typeface="Monaco" charset="0"/>
+              <a:ea typeface="宋体" panose="02010600030101010101" pitchFamily="2" charset="-122"/>
+            </a:endParaRPr>
           </a:p>
           <a:p>
             <a:pPr>
-              <a:buFont typeface="Wingdings" charset="0"/>
+              <a:buFont typeface="Wingdings" panose="05000000000000000000" charset="0"/>
               <a:buNone/>
             </a:pPr>
             <a:endParaRPr kumimoji="0" lang="en-US" altLang="zh-CN" sz="2400" dirty="0">
               <a:latin typeface="Monaco" charset="0"/>
-              <a:ea typeface="宋体" charset="0"/>
+              <a:ea typeface="宋体" panose="02010600030101010101" pitchFamily="2" charset="-122"/>
             </a:endParaRPr>
           </a:p>
           <a:p>
             <a:pPr>
-              <a:buFont typeface="Wingdings" charset="0"/>
+              <a:buFont typeface="Wingdings" panose="05000000000000000000" charset="0"/>
               <a:buNone/>
             </a:pPr>
             <a:endParaRPr kumimoji="0" lang="en-US" altLang="zh-CN" dirty="0">
-              <a:latin typeface="Arial" charset="0"/>
-              <a:ea typeface="宋体" charset="0"/>
+              <a:latin typeface="Arial" panose="020B0604020202020204" pitchFamily="34" charset="0"/>
+              <a:ea typeface="宋体" panose="02010600030101010101" pitchFamily="2" charset="-122"/>
             </a:endParaRPr>
           </a:p>
           <a:p>
             <a:pPr>
-              <a:buFont typeface="Wingdings" charset="0"/>
+              <a:buFont typeface="Wingdings" panose="05000000000000000000" charset="0"/>
               <a:buNone/>
             </a:pPr>
             <a:r>
               <a:rPr kumimoji="0" lang="en-US" altLang="zh-CN" sz="2000" dirty="0">
-                <a:latin typeface="Arial" charset="0"/>
-                <a:ea typeface="宋体" charset="0"/>
+                <a:latin typeface="Arial" panose="020B0604020202020204" pitchFamily="34" charset="0"/>
+                <a:ea typeface="宋体" panose="02010600030101010101" pitchFamily="2" charset="-122"/>
               </a:rPr>
               <a:t>	</a:t>
             </a:r>
-          </a:p>
-          <a:p>
-            <a:pPr marL="7167563" lvl="4">
-              <a:buFont typeface="Wingdings" charset="0"/>
+            <a:endParaRPr kumimoji="0" lang="en-US" altLang="zh-CN" sz="2000" dirty="0">
+              <a:latin typeface="Arial" panose="020B0604020202020204" pitchFamily="34" charset="0"/>
+              <a:ea typeface="宋体" panose="02010600030101010101" pitchFamily="2" charset="-122"/>
+            </a:endParaRPr>
+          </a:p>
+          <a:p>
+            <a:pPr marL="7167880" lvl="4">
+              <a:buFont typeface="Wingdings" panose="05000000000000000000" charset="0"/>
               <a:buNone/>
             </a:pPr>
             <a:endParaRPr kumimoji="0" lang="zh-CN" altLang="en-US" sz="1600" dirty="0">
-              <a:latin typeface="Arial" charset="0"/>
-              <a:ea typeface="宋体" charset="0"/>
+              <a:latin typeface="Arial" panose="020B0604020202020204" pitchFamily="34" charset="0"/>
+              <a:ea typeface="宋体" panose="02010600030101010101" pitchFamily="2" charset="-122"/>
             </a:endParaRPr>
           </a:p>
         </p:txBody>
       </p:sp>
     </p:spTree>
-    <p:extLst>
-      <p:ext uri="{BB962C8B-B14F-4D97-AF65-F5344CB8AC3E}">
-        <p14:creationId xmlns:p14="http://schemas.microsoft.com/office/powerpoint/2010/main" val="3100743581"/>
-      </p:ext>
-    </p:extLst>
   </p:cSld>
   <p:clrMapOvr>
     <a:masterClrMapping/>
@@ -13312,25 +13027,29 @@
           <a:p>
             <a:r>
               <a:rPr kumimoji="0" lang="en-US" altLang="zh-CN">
-                <a:latin typeface="Garamond" charset="0"/>
-                <a:ea typeface="宋体" charset="0"/>
+                <a:latin typeface="Garamond" panose="02020404030301010803" charset="0"/>
+                <a:ea typeface="宋体" panose="02010600030101010101" pitchFamily="2" charset="-122"/>
               </a:rPr>
               <a:t>Bounded Buffer </a:t>
             </a:r>
             <a:r>
               <a:rPr kumimoji="0" lang="en-US" altLang="zh-CN">
-                <a:latin typeface="Arial" charset="0"/>
-                <a:ea typeface="宋体" charset="0"/>
+                <a:latin typeface="Arial" panose="020B0604020202020204" pitchFamily="34" charset="0"/>
+                <a:ea typeface="宋体" panose="02010600030101010101" pitchFamily="2" charset="-122"/>
               </a:rPr>
               <a:t>–</a:t>
             </a:r>
             <a:r>
               <a:rPr kumimoji="0" lang="en-US" altLang="zh-CN">
-                <a:latin typeface="Garamond" charset="0"/>
-                <a:ea typeface="宋体" charset="0"/>
+                <a:latin typeface="Garamond" panose="02020404030301010803" charset="0"/>
+                <a:ea typeface="宋体" panose="02010600030101010101" pitchFamily="2" charset="-122"/>
               </a:rPr>
               <a:t> Consumer</a:t>
             </a:r>
+            <a:endParaRPr kumimoji="0" lang="en-US" altLang="zh-CN">
+              <a:latin typeface="Garamond" panose="02020404030301010803" charset="0"/>
+              <a:ea typeface="宋体" panose="02010600030101010101" pitchFamily="2" charset="-122"/>
+            </a:endParaRPr>
           </a:p>
         </p:txBody>
       </p:sp>
@@ -13357,140 +13076,167 @@
           <a:lstStyle/>
           <a:p>
             <a:pPr>
-              <a:buFont typeface="Wingdings" charset="0"/>
+              <a:buFont typeface="Wingdings" panose="05000000000000000000" charset="0"/>
               <a:buNone/>
             </a:pPr>
             <a:r>
               <a:rPr kumimoji="0" lang="zh-CN" altLang="en-US" sz="2000" dirty="0">
                 <a:latin typeface="Monaco" charset="0"/>
-                <a:ea typeface="宋体" charset="0"/>
+                <a:ea typeface="宋体" panose="02010600030101010101" pitchFamily="2" charset="-122"/>
               </a:rPr>
               <a:t>	</a:t>
             </a:r>
             <a:r>
               <a:rPr kumimoji="0" lang="en-US" altLang="zh-CN" sz="1800" dirty="0">
                 <a:latin typeface="Monaco" charset="0"/>
-                <a:ea typeface="宋体" charset="0"/>
+                <a:ea typeface="宋体" panose="02010600030101010101" pitchFamily="2" charset="-122"/>
               </a:rPr>
               <a:t>while (true) {</a:t>
             </a:r>
+            <a:endParaRPr kumimoji="0" lang="en-US" altLang="zh-CN" sz="1800" dirty="0">
+              <a:latin typeface="Monaco" charset="0"/>
+              <a:ea typeface="宋体" panose="02010600030101010101" pitchFamily="2" charset="-122"/>
+            </a:endParaRPr>
           </a:p>
           <a:p>
             <a:pPr>
-              <a:buFont typeface="Wingdings" charset="0"/>
+              <a:buFont typeface="Wingdings" panose="05000000000000000000" charset="0"/>
               <a:buNone/>
             </a:pPr>
             <a:r>
               <a:rPr kumimoji="0" lang="en-US" altLang="zh-CN" sz="1800" dirty="0">
                 <a:latin typeface="Monaco" charset="0"/>
-                <a:ea typeface="宋体" charset="0"/>
+                <a:ea typeface="宋体" panose="02010600030101010101" pitchFamily="2" charset="-122"/>
               </a:rPr>
               <a:t>          while (in == out)</a:t>
             </a:r>
+            <a:endParaRPr kumimoji="0" lang="en-US" altLang="zh-CN" sz="1800" dirty="0">
+              <a:latin typeface="Monaco" charset="0"/>
+              <a:ea typeface="宋体" panose="02010600030101010101" pitchFamily="2" charset="-122"/>
+            </a:endParaRPr>
           </a:p>
           <a:p>
             <a:pPr>
-              <a:buFont typeface="Wingdings" charset="0"/>
+              <a:buFont typeface="Wingdings" panose="05000000000000000000" charset="0"/>
               <a:buNone/>
             </a:pPr>
             <a:r>
               <a:rPr kumimoji="0" lang="en-US" altLang="zh-CN" sz="1800" dirty="0">
                 <a:latin typeface="Monaco" charset="0"/>
-                <a:ea typeface="宋体" charset="0"/>
+                <a:ea typeface="宋体" panose="02010600030101010101" pitchFamily="2" charset="-122"/>
               </a:rPr>
               <a:t>                 ; // do nothing -- nothing to consume</a:t>
             </a:r>
+            <a:endParaRPr kumimoji="0" lang="en-US" altLang="zh-CN" sz="1800" dirty="0">
+              <a:latin typeface="Monaco" charset="0"/>
+              <a:ea typeface="宋体" panose="02010600030101010101" pitchFamily="2" charset="-122"/>
+            </a:endParaRPr>
           </a:p>
           <a:p>
             <a:pPr>
-              <a:buFont typeface="Wingdings" charset="0"/>
+              <a:buFont typeface="Wingdings" panose="05000000000000000000" charset="0"/>
               <a:buNone/>
             </a:pPr>
             <a:endParaRPr kumimoji="0" lang="en-US" altLang="zh-CN" sz="1800" dirty="0">
               <a:latin typeface="Monaco" charset="0"/>
-              <a:ea typeface="宋体" charset="0"/>
+              <a:ea typeface="宋体" panose="02010600030101010101" pitchFamily="2" charset="-122"/>
             </a:endParaRPr>
           </a:p>
           <a:p>
             <a:pPr>
-              <a:buFont typeface="Wingdings" charset="0"/>
+              <a:buFont typeface="Wingdings" panose="05000000000000000000" charset="0"/>
               <a:buNone/>
             </a:pPr>
             <a:r>
               <a:rPr kumimoji="0" lang="en-US" altLang="zh-CN" sz="1800" dirty="0">
                 <a:latin typeface="Monaco" charset="0"/>
-                <a:ea typeface="宋体" charset="0"/>
+                <a:ea typeface="宋体" panose="02010600030101010101" pitchFamily="2" charset="-122"/>
               </a:rPr>
               <a:t>	     // remove an item from the buffer</a:t>
             </a:r>
+            <a:endParaRPr kumimoji="0" lang="en-US" altLang="zh-CN" sz="1800" dirty="0">
+              <a:latin typeface="Monaco" charset="0"/>
+              <a:ea typeface="宋体" panose="02010600030101010101" pitchFamily="2" charset="-122"/>
+            </a:endParaRPr>
           </a:p>
           <a:p>
             <a:pPr>
-              <a:buFont typeface="Wingdings" charset="0"/>
+              <a:buFont typeface="Wingdings" panose="05000000000000000000" charset="0"/>
               <a:buNone/>
             </a:pPr>
             <a:r>
               <a:rPr kumimoji="0" lang="en-US" altLang="zh-CN" sz="1800" dirty="0">
                 <a:latin typeface="Monaco" charset="0"/>
-                <a:ea typeface="宋体" charset="0"/>
+                <a:ea typeface="宋体" panose="02010600030101010101" pitchFamily="2" charset="-122"/>
               </a:rPr>
               <a:t>	     item = buffer[out];</a:t>
             </a:r>
+            <a:endParaRPr kumimoji="0" lang="en-US" altLang="zh-CN" sz="1800" dirty="0">
+              <a:latin typeface="Monaco" charset="0"/>
+              <a:ea typeface="宋体" panose="02010600030101010101" pitchFamily="2" charset="-122"/>
+            </a:endParaRPr>
           </a:p>
           <a:p>
             <a:pPr>
-              <a:buFont typeface="Wingdings" charset="0"/>
+              <a:buFont typeface="Wingdings" panose="05000000000000000000" charset="0"/>
               <a:buNone/>
             </a:pPr>
             <a:r>
               <a:rPr kumimoji="0" lang="en-US" altLang="zh-CN" sz="1800" dirty="0">
                 <a:latin typeface="Monaco" charset="0"/>
-                <a:ea typeface="宋体" charset="0"/>
+                <a:ea typeface="宋体" panose="02010600030101010101" pitchFamily="2" charset="-122"/>
               </a:rPr>
               <a:t>	     out = (out + 1) % BUFFER SIZE;</a:t>
             </a:r>
+            <a:endParaRPr kumimoji="0" lang="en-US" altLang="zh-CN" sz="1800" dirty="0">
+              <a:latin typeface="Monaco" charset="0"/>
+              <a:ea typeface="宋体" panose="02010600030101010101" pitchFamily="2" charset="-122"/>
+            </a:endParaRPr>
           </a:p>
           <a:p>
             <a:pPr>
-              <a:buFont typeface="Wingdings" charset="0"/>
+              <a:buFont typeface="Wingdings" panose="05000000000000000000" charset="0"/>
               <a:buNone/>
             </a:pPr>
             <a:r>
               <a:rPr kumimoji="0" lang="en-US" altLang="zh-CN" sz="1800" dirty="0">
                 <a:latin typeface="Monaco" charset="0"/>
-                <a:ea typeface="宋体" charset="0"/>
+                <a:ea typeface="宋体" panose="02010600030101010101" pitchFamily="2" charset="-122"/>
               </a:rPr>
               <a:t>	     return item;</a:t>
             </a:r>
+            <a:endParaRPr kumimoji="0" lang="en-US" altLang="zh-CN" sz="1800" dirty="0">
+              <a:latin typeface="Monaco" charset="0"/>
+              <a:ea typeface="宋体" panose="02010600030101010101" pitchFamily="2" charset="-122"/>
+            </a:endParaRPr>
           </a:p>
           <a:p>
             <a:pPr>
-              <a:buFont typeface="Wingdings" charset="0"/>
+              <a:buFont typeface="Wingdings" panose="05000000000000000000" charset="0"/>
               <a:buNone/>
             </a:pPr>
             <a:r>
               <a:rPr kumimoji="0" lang="en-US" altLang="zh-CN" sz="2000" i="1" dirty="0">
                 <a:latin typeface="Monaco" charset="0"/>
-                <a:ea typeface="宋体" charset="0"/>
+                <a:ea typeface="宋体" panose="02010600030101010101" pitchFamily="2" charset="-122"/>
               </a:rPr>
               <a:t>     </a:t>
             </a:r>
             <a:r>
               <a:rPr kumimoji="0" lang="en-US" altLang="zh-CN" sz="2000" dirty="0">
                 <a:latin typeface="Monaco" charset="0"/>
-                <a:ea typeface="宋体" charset="0"/>
+                <a:ea typeface="宋体" panose="02010600030101010101" pitchFamily="2" charset="-122"/>
               </a:rPr>
               <a:t>}</a:t>
             </a:r>
+            <a:endParaRPr kumimoji="0" lang="en-US" altLang="zh-CN" sz="2000" dirty="0">
+              <a:latin typeface="Monaco" charset="0"/>
+              <a:ea typeface="宋体" panose="02010600030101010101" pitchFamily="2" charset="-122"/>
+            </a:endParaRPr>
           </a:p>
         </p:txBody>
       </p:sp>
     </p:spTree>
-    <p:extLst>
-      <p:ext uri="{BB962C8B-B14F-4D97-AF65-F5344CB8AC3E}">
-        <p14:creationId xmlns:p14="http://schemas.microsoft.com/office/powerpoint/2010/main" val="674979604"/>
-      </p:ext>
-    </p:extLst>
   </p:cSld>
   <p:clrMapOvr>
     <a:masterClrMapping/>
@@ -13821,7 +13567,11 @@
       </a:style>
     </a:spDef>
   </a:objectDefaults>
-  <a:extraClrSchemeLst/>
+  <a:extLst>
+    <a:ext uri="{05A4C25C-085E-4340-85A3-A5531E510DB2}">
+      <thm15:themeFamily xmlns:thm15="http://schemas.microsoft.com/office/thememl/2012/main" name="Office Theme" id="{62F939B6-93AF-4DB8-9C6B-D6C7DFDC589F}" vid="{4A3C46E8-61CC-4603-A589-7422A47A8E4A}"/>
+    </a:ext>
+  </a:extLst>
 </a:theme>
 </file>
 
@@ -14141,6 +13891,10 @@
       </a:style>
     </a:lnDef>
   </a:objectDefaults>
-  <a:extraClrSchemeLst/>
+  <a:extLst>
+    <a:ext uri="{05A4C25C-085E-4340-85A3-A5531E510DB2}">
+      <thm15:themeFamily xmlns:thm15="http://schemas.microsoft.com/office/thememl/2012/main" name="Office Theme" id="{62F939B6-93AF-4DB8-9C6B-D6C7DFDC589F}" vid="{4A3C46E8-61CC-4603-A589-7422A47A8E4A}"/>
+    </a:ext>
+  </a:extLst>
 </a:theme>
 </file>